--- a/Végső_Szoftverfejlesztes_mernokoknek_projekt_elorehaladas_prezentacio.pptx
+++ b/Végső_Szoftverfejlesztes_mernokoknek_projekt_elorehaladas_prezentacio.pptx
@@ -6,7 +6,16 @@
   </p:sldMasterIdLst>
   <p:sldIdLst>
     <p:sldId id="256" r:id="rId2"/>
-    <p:sldId id="257" r:id="rId3"/>
+    <p:sldId id="259" r:id="rId3"/>
+    <p:sldId id="260" r:id="rId4"/>
+    <p:sldId id="261" r:id="rId5"/>
+    <p:sldId id="262" r:id="rId6"/>
+    <p:sldId id="264" r:id="rId7"/>
+    <p:sldId id="263" r:id="rId8"/>
+    <p:sldId id="265" r:id="rId9"/>
+    <p:sldId id="266" r:id="rId10"/>
+    <p:sldId id="267" r:id="rId11"/>
+    <p:sldId id="257" r:id="rId12"/>
   </p:sldIdLst>
   <p:sldSz cx="12192000" cy="6858000"/>
   <p:notesSz cx="6858000" cy="9144000"/>
@@ -105,7 +114,729 @@
       </a:defRPr>
     </a:lvl9pPr>
   </p:defaultTextStyle>
+  <p:extLst>
+    <p:ext uri="{EFAFB233-063F-42B5-8137-9DF3F51BA10A}">
+      <p15:sldGuideLst xmlns:p15="http://schemas.microsoft.com/office/powerpoint/2012/main"/>
+    </p:ext>
+  </p:extLst>
 </p:presentation>
+</file>
+
+<file path=ppt/revisionInfo.xml><?xml version="1.0" encoding="utf-8"?>
+<p1510:revInfo xmlns:a="http://schemas.openxmlformats.org/drawingml/2006/main" xmlns:r="http://schemas.openxmlformats.org/officeDocument/2006/relationships" xmlns:p1510="http://schemas.microsoft.com/office/powerpoint/2015/10/main">
+  <p1510:revLst>
+    <p1510:client id="{02BD370D-3F43-4B10-BB3A-88D9B76F23DD}" v="20" dt="2021-05-12T18:13:23.717"/>
+  </p1510:revLst>
+</p1510:revInfo>
+</file>
+
+<file path=ppt/changesInfos/changesInfo1.xml><?xml version="1.0" encoding="utf-8"?>
+<pc:chgInfo xmlns:a="http://schemas.openxmlformats.org/drawingml/2006/main" xmlns:r="http://schemas.openxmlformats.org/officeDocument/2006/relationships" xmlns:ac="http://schemas.microsoft.com/office/drawing/2013/main/command" xmlns:pc="http://schemas.microsoft.com/office/powerpoint/2013/main/command">
+  <pc:docChgLst>
+    <pc:chgData name="EDU_KCPS_3157@sulid.hu" userId="f0f61994-9749-463b-a6ad-3c2d9d1a27a2" providerId="ADAL" clId="{02BD370D-3F43-4B10-BB3A-88D9B76F23DD}"/>
+    <pc:docChg chg="undo custSel addSld delSld modSld sldOrd">
+      <pc:chgData name="EDU_KCPS_3157@sulid.hu" userId="f0f61994-9749-463b-a6ad-3c2d9d1a27a2" providerId="ADAL" clId="{02BD370D-3F43-4B10-BB3A-88D9B76F23DD}" dt="2021-05-12T18:30:00.933" v="2185" actId="14100"/>
+      <pc:docMkLst>
+        <pc:docMk/>
+      </pc:docMkLst>
+      <pc:sldChg chg="modSp mod">
+        <pc:chgData name="EDU_KCPS_3157@sulid.hu" userId="f0f61994-9749-463b-a6ad-3c2d9d1a27a2" providerId="ADAL" clId="{02BD370D-3F43-4B10-BB3A-88D9B76F23DD}" dt="2021-05-12T17:18:10.425" v="35" actId="20577"/>
+        <pc:sldMkLst>
+          <pc:docMk/>
+          <pc:sldMk cId="3265463581" sldId="259"/>
+        </pc:sldMkLst>
+        <pc:spChg chg="mod">
+          <ac:chgData name="EDU_KCPS_3157@sulid.hu" userId="f0f61994-9749-463b-a6ad-3c2d9d1a27a2" providerId="ADAL" clId="{02BD370D-3F43-4B10-BB3A-88D9B76F23DD}" dt="2021-05-12T17:18:10.425" v="35" actId="20577"/>
+          <ac:spMkLst>
+            <pc:docMk/>
+            <pc:sldMk cId="3265463581" sldId="259"/>
+            <ac:spMk id="3" creationId="{E1A02943-C87E-450C-9936-8885C8A71389}"/>
+          </ac:spMkLst>
+        </pc:spChg>
+      </pc:sldChg>
+      <pc:sldChg chg="modSp mod">
+        <pc:chgData name="EDU_KCPS_3157@sulid.hu" userId="f0f61994-9749-463b-a6ad-3c2d9d1a27a2" providerId="ADAL" clId="{02BD370D-3F43-4B10-BB3A-88D9B76F23DD}" dt="2021-05-12T18:18:50.008" v="1967" actId="313"/>
+        <pc:sldMkLst>
+          <pc:docMk/>
+          <pc:sldMk cId="3629551286" sldId="260"/>
+        </pc:sldMkLst>
+        <pc:spChg chg="mod">
+          <ac:chgData name="EDU_KCPS_3157@sulid.hu" userId="f0f61994-9749-463b-a6ad-3c2d9d1a27a2" providerId="ADAL" clId="{02BD370D-3F43-4B10-BB3A-88D9B76F23DD}" dt="2021-05-12T18:18:50.008" v="1967" actId="313"/>
+          <ac:spMkLst>
+            <pc:docMk/>
+            <pc:sldMk cId="3629551286" sldId="260"/>
+            <ac:spMk id="2" creationId="{9B1857B3-D896-490B-B6E4-28DF93BD4CCD}"/>
+          </ac:spMkLst>
+        </pc:spChg>
+        <pc:spChg chg="mod">
+          <ac:chgData name="EDU_KCPS_3157@sulid.hu" userId="f0f61994-9749-463b-a6ad-3c2d9d1a27a2" providerId="ADAL" clId="{02BD370D-3F43-4B10-BB3A-88D9B76F23DD}" dt="2021-05-12T17:34:13.951" v="594" actId="14100"/>
+          <ac:spMkLst>
+            <pc:docMk/>
+            <pc:sldMk cId="3629551286" sldId="260"/>
+            <ac:spMk id="7" creationId="{26BD38FF-E5A9-463D-B2EF-218BEF0EF3DD}"/>
+          </ac:spMkLst>
+        </pc:spChg>
+        <pc:spChg chg="mod">
+          <ac:chgData name="EDU_KCPS_3157@sulid.hu" userId="f0f61994-9749-463b-a6ad-3c2d9d1a27a2" providerId="ADAL" clId="{02BD370D-3F43-4B10-BB3A-88D9B76F23DD}" dt="2021-05-12T17:34:09.962" v="593" actId="14100"/>
+          <ac:spMkLst>
+            <pc:docMk/>
+            <pc:sldMk cId="3629551286" sldId="260"/>
+            <ac:spMk id="9" creationId="{D97C91F1-53E6-4E22-915B-EC50A3B0C2E6}"/>
+          </ac:spMkLst>
+        </pc:spChg>
+        <pc:spChg chg="mod">
+          <ac:chgData name="EDU_KCPS_3157@sulid.hu" userId="f0f61994-9749-463b-a6ad-3c2d9d1a27a2" providerId="ADAL" clId="{02BD370D-3F43-4B10-BB3A-88D9B76F23DD}" dt="2021-05-12T18:16:53.281" v="1924" actId="1076"/>
+          <ac:spMkLst>
+            <pc:docMk/>
+            <pc:sldMk cId="3629551286" sldId="260"/>
+            <ac:spMk id="10" creationId="{F1363B5C-BCE6-4714-B65E-F0BD5B0CE06F}"/>
+          </ac:spMkLst>
+        </pc:spChg>
+      </pc:sldChg>
+      <pc:sldChg chg="modSp mod">
+        <pc:chgData name="EDU_KCPS_3157@sulid.hu" userId="f0f61994-9749-463b-a6ad-3c2d9d1a27a2" providerId="ADAL" clId="{02BD370D-3F43-4B10-BB3A-88D9B76F23DD}" dt="2021-05-12T18:28:41.674" v="2169" actId="255"/>
+        <pc:sldMkLst>
+          <pc:docMk/>
+          <pc:sldMk cId="3977117436" sldId="261"/>
+        </pc:sldMkLst>
+        <pc:spChg chg="mod">
+          <ac:chgData name="EDU_KCPS_3157@sulid.hu" userId="f0f61994-9749-463b-a6ad-3c2d9d1a27a2" providerId="ADAL" clId="{02BD370D-3F43-4B10-BB3A-88D9B76F23DD}" dt="2021-05-12T18:18:39.799" v="1963" actId="14100"/>
+          <ac:spMkLst>
+            <pc:docMk/>
+            <pc:sldMk cId="3977117436" sldId="261"/>
+            <ac:spMk id="6" creationId="{D1C68EA8-CDD2-4CD7-A9CE-21018A788DA1}"/>
+          </ac:spMkLst>
+        </pc:spChg>
+        <pc:spChg chg="mod">
+          <ac:chgData name="EDU_KCPS_3157@sulid.hu" userId="f0f61994-9749-463b-a6ad-3c2d9d1a27a2" providerId="ADAL" clId="{02BD370D-3F43-4B10-BB3A-88D9B76F23DD}" dt="2021-05-12T18:18:36.868" v="1962" actId="1076"/>
+          <ac:spMkLst>
+            <pc:docMk/>
+            <pc:sldMk cId="3977117436" sldId="261"/>
+            <ac:spMk id="7" creationId="{F85C8342-F583-4F33-9CBA-630FF49451BE}"/>
+          </ac:spMkLst>
+        </pc:spChg>
+        <pc:spChg chg="mod">
+          <ac:chgData name="EDU_KCPS_3157@sulid.hu" userId="f0f61994-9749-463b-a6ad-3c2d9d1a27a2" providerId="ADAL" clId="{02BD370D-3F43-4B10-BB3A-88D9B76F23DD}" dt="2021-05-12T18:28:41.674" v="2169" actId="255"/>
+          <ac:spMkLst>
+            <pc:docMk/>
+            <pc:sldMk cId="3977117436" sldId="261"/>
+            <ac:spMk id="8" creationId="{39296D9A-D822-4839-9207-9FFDB85D97EC}"/>
+          </ac:spMkLst>
+        </pc:spChg>
+      </pc:sldChg>
+      <pc:sldChg chg="addSp delSp modSp mod">
+        <pc:chgData name="EDU_KCPS_3157@sulid.hu" userId="f0f61994-9749-463b-a6ad-3c2d9d1a27a2" providerId="ADAL" clId="{02BD370D-3F43-4B10-BB3A-88D9B76F23DD}" dt="2021-05-12T18:25:48.875" v="2081" actId="208"/>
+        <pc:sldMkLst>
+          <pc:docMk/>
+          <pc:sldMk cId="270822766" sldId="262"/>
+        </pc:sldMkLst>
+        <pc:spChg chg="mod">
+          <ac:chgData name="EDU_KCPS_3157@sulid.hu" userId="f0f61994-9749-463b-a6ad-3c2d9d1a27a2" providerId="ADAL" clId="{02BD370D-3F43-4B10-BB3A-88D9B76F23DD}" dt="2021-05-12T18:25:06.284" v="2045" actId="1076"/>
+          <ac:spMkLst>
+            <pc:docMk/>
+            <pc:sldMk cId="270822766" sldId="262"/>
+            <ac:spMk id="2" creationId="{7D58957C-D570-46C8-A8CF-323181DB02D7}"/>
+          </ac:spMkLst>
+        </pc:spChg>
+        <pc:spChg chg="add del">
+          <ac:chgData name="EDU_KCPS_3157@sulid.hu" userId="f0f61994-9749-463b-a6ad-3c2d9d1a27a2" providerId="ADAL" clId="{02BD370D-3F43-4B10-BB3A-88D9B76F23DD}" dt="2021-05-12T17:20:48.721" v="45" actId="478"/>
+          <ac:spMkLst>
+            <pc:docMk/>
+            <pc:sldMk cId="270822766" sldId="262"/>
+            <ac:spMk id="4" creationId="{5886FAAA-84FF-4B9F-B500-514316F2F781}"/>
+          </ac:spMkLst>
+        </pc:spChg>
+        <pc:spChg chg="mod">
+          <ac:chgData name="EDU_KCPS_3157@sulid.hu" userId="f0f61994-9749-463b-a6ad-3c2d9d1a27a2" providerId="ADAL" clId="{02BD370D-3F43-4B10-BB3A-88D9B76F23DD}" dt="2021-05-12T18:20:00.852" v="1974" actId="1076"/>
+          <ac:spMkLst>
+            <pc:docMk/>
+            <pc:sldMk cId="270822766" sldId="262"/>
+            <ac:spMk id="6" creationId="{ABB288CC-BCA1-41CF-9862-9263C3AE6208}"/>
+          </ac:spMkLst>
+        </pc:spChg>
+        <pc:spChg chg="add mod">
+          <ac:chgData name="EDU_KCPS_3157@sulid.hu" userId="f0f61994-9749-463b-a6ad-3c2d9d1a27a2" providerId="ADAL" clId="{02BD370D-3F43-4B10-BB3A-88D9B76F23DD}" dt="2021-05-12T18:21:38.683" v="1997" actId="14100"/>
+          <ac:spMkLst>
+            <pc:docMk/>
+            <pc:sldMk cId="270822766" sldId="262"/>
+            <ac:spMk id="8" creationId="{26CEB5C0-BD73-46AB-999B-FB790014B643}"/>
+          </ac:spMkLst>
+        </pc:spChg>
+        <pc:spChg chg="mod">
+          <ac:chgData name="EDU_KCPS_3157@sulid.hu" userId="f0f61994-9749-463b-a6ad-3c2d9d1a27a2" providerId="ADAL" clId="{02BD370D-3F43-4B10-BB3A-88D9B76F23DD}" dt="2021-05-12T18:22:47.375" v="2015" actId="14100"/>
+          <ac:spMkLst>
+            <pc:docMk/>
+            <pc:sldMk cId="270822766" sldId="262"/>
+            <ac:spMk id="11" creationId="{AAEFF06B-26D0-4FC5-8007-61043DECBA1F}"/>
+          </ac:spMkLst>
+        </pc:spChg>
+        <pc:spChg chg="mod">
+          <ac:chgData name="EDU_KCPS_3157@sulid.hu" userId="f0f61994-9749-463b-a6ad-3c2d9d1a27a2" providerId="ADAL" clId="{02BD370D-3F43-4B10-BB3A-88D9B76F23DD}" dt="2021-05-12T18:20:19.003" v="1979" actId="1076"/>
+          <ac:spMkLst>
+            <pc:docMk/>
+            <pc:sldMk cId="270822766" sldId="262"/>
+            <ac:spMk id="12" creationId="{C4BCA4B6-7543-4D1F-AAD6-35A39C7F9AD4}"/>
+          </ac:spMkLst>
+        </pc:spChg>
+        <pc:spChg chg="mod">
+          <ac:chgData name="EDU_KCPS_3157@sulid.hu" userId="f0f61994-9749-463b-a6ad-3c2d9d1a27a2" providerId="ADAL" clId="{02BD370D-3F43-4B10-BB3A-88D9B76F23DD}" dt="2021-05-12T18:20:28.590" v="1981" actId="1076"/>
+          <ac:spMkLst>
+            <pc:docMk/>
+            <pc:sldMk cId="270822766" sldId="262"/>
+            <ac:spMk id="13" creationId="{CE3AD3EA-5B66-4966-9132-D7DC1BB7D0B0}"/>
+          </ac:spMkLst>
+        </pc:spChg>
+        <pc:spChg chg="mod">
+          <ac:chgData name="EDU_KCPS_3157@sulid.hu" userId="f0f61994-9749-463b-a6ad-3c2d9d1a27a2" providerId="ADAL" clId="{02BD370D-3F43-4B10-BB3A-88D9B76F23DD}" dt="2021-05-12T18:20:41.116" v="1984" actId="1076"/>
+          <ac:spMkLst>
+            <pc:docMk/>
+            <pc:sldMk cId="270822766" sldId="262"/>
+            <ac:spMk id="16" creationId="{C86205EE-AB5D-428F-A24F-01C21C1CC73B}"/>
+          </ac:spMkLst>
+        </pc:spChg>
+        <pc:spChg chg="mod">
+          <ac:chgData name="EDU_KCPS_3157@sulid.hu" userId="f0f61994-9749-463b-a6ad-3c2d9d1a27a2" providerId="ADAL" clId="{02BD370D-3F43-4B10-BB3A-88D9B76F23DD}" dt="2021-05-12T18:22:29.899" v="2011" actId="14100"/>
+          <ac:spMkLst>
+            <pc:docMk/>
+            <pc:sldMk cId="270822766" sldId="262"/>
+            <ac:spMk id="19" creationId="{99F4748D-A70E-4D4F-B2B8-D4732D033413}"/>
+          </ac:spMkLst>
+        </pc:spChg>
+        <pc:spChg chg="mod">
+          <ac:chgData name="EDU_KCPS_3157@sulid.hu" userId="f0f61994-9749-463b-a6ad-3c2d9d1a27a2" providerId="ADAL" clId="{02BD370D-3F43-4B10-BB3A-88D9B76F23DD}" dt="2021-05-12T18:22:40.315" v="2014" actId="255"/>
+          <ac:spMkLst>
+            <pc:docMk/>
+            <pc:sldMk cId="270822766" sldId="262"/>
+            <ac:spMk id="20" creationId="{6CCD37FD-9E7A-4CE9-97EA-C807E1F9072C}"/>
+          </ac:spMkLst>
+        </pc:spChg>
+        <pc:spChg chg="mod">
+          <ac:chgData name="EDU_KCPS_3157@sulid.hu" userId="f0f61994-9749-463b-a6ad-3c2d9d1a27a2" providerId="ADAL" clId="{02BD370D-3F43-4B10-BB3A-88D9B76F23DD}" dt="2021-05-12T18:22:17.883" v="2008" actId="14100"/>
+          <ac:spMkLst>
+            <pc:docMk/>
+            <pc:sldMk cId="270822766" sldId="262"/>
+            <ac:spMk id="21" creationId="{A4EE808E-633C-4F51-A417-5A7C4C0A1F86}"/>
+          </ac:spMkLst>
+        </pc:spChg>
+        <pc:spChg chg="mod">
+          <ac:chgData name="EDU_KCPS_3157@sulid.hu" userId="f0f61994-9749-463b-a6ad-3c2d9d1a27a2" providerId="ADAL" clId="{02BD370D-3F43-4B10-BB3A-88D9B76F23DD}" dt="2021-05-12T18:22:13.731" v="2007" actId="1076"/>
+          <ac:spMkLst>
+            <pc:docMk/>
+            <pc:sldMk cId="270822766" sldId="262"/>
+            <ac:spMk id="22" creationId="{4E7D6AAF-75C9-42CB-A599-B752F2736576}"/>
+          </ac:spMkLst>
+        </pc:spChg>
+        <pc:spChg chg="add mod">
+          <ac:chgData name="EDU_KCPS_3157@sulid.hu" userId="f0f61994-9749-463b-a6ad-3c2d9d1a27a2" providerId="ADAL" clId="{02BD370D-3F43-4B10-BB3A-88D9B76F23DD}" dt="2021-05-12T17:24:01.358" v="150" actId="1076"/>
+          <ac:spMkLst>
+            <pc:docMk/>
+            <pc:sldMk cId="270822766" sldId="262"/>
+            <ac:spMk id="24" creationId="{9DA518B5-991B-4F7F-B66B-435FD95DD696}"/>
+          </ac:spMkLst>
+        </pc:spChg>
+        <pc:picChg chg="add mod ord">
+          <ac:chgData name="EDU_KCPS_3157@sulid.hu" userId="f0f61994-9749-463b-a6ad-3c2d9d1a27a2" providerId="ADAL" clId="{02BD370D-3F43-4B10-BB3A-88D9B76F23DD}" dt="2021-05-12T18:21:33.838" v="1996" actId="1076"/>
+          <ac:picMkLst>
+            <pc:docMk/>
+            <pc:sldMk cId="270822766" sldId="262"/>
+            <ac:picMk id="4" creationId="{EF3FE378-0E17-4B5C-A718-06B0AB7992F3}"/>
+          </ac:picMkLst>
+        </pc:picChg>
+        <pc:picChg chg="del mod">
+          <ac:chgData name="EDU_KCPS_3157@sulid.hu" userId="f0f61994-9749-463b-a6ad-3c2d9d1a27a2" providerId="ADAL" clId="{02BD370D-3F43-4B10-BB3A-88D9B76F23DD}" dt="2021-05-12T17:22:04.001" v="56" actId="478"/>
+          <ac:picMkLst>
+            <pc:docMk/>
+            <pc:sldMk cId="270822766" sldId="262"/>
+            <ac:picMk id="5" creationId="{D89CEAB7-BB41-4563-9987-715A9829EB42}"/>
+          </ac:picMkLst>
+        </pc:picChg>
+        <pc:picChg chg="add del mod ord">
+          <ac:chgData name="EDU_KCPS_3157@sulid.hu" userId="f0f61994-9749-463b-a6ad-3c2d9d1a27a2" providerId="ADAL" clId="{02BD370D-3F43-4B10-BB3A-88D9B76F23DD}" dt="2021-05-12T18:19:25.407" v="1968" actId="478"/>
+          <ac:picMkLst>
+            <pc:docMk/>
+            <pc:sldMk cId="270822766" sldId="262"/>
+            <ac:picMk id="14" creationId="{626D8070-002B-4233-8270-B882637E506E}"/>
+          </ac:picMkLst>
+        </pc:picChg>
+        <pc:cxnChg chg="mod">
+          <ac:chgData name="EDU_KCPS_3157@sulid.hu" userId="f0f61994-9749-463b-a6ad-3c2d9d1a27a2" providerId="ADAL" clId="{02BD370D-3F43-4B10-BB3A-88D9B76F23DD}" dt="2021-05-12T18:25:48.875" v="2081" actId="208"/>
+          <ac:cxnSpMkLst>
+            <pc:docMk/>
+            <pc:sldMk cId="270822766" sldId="262"/>
+            <ac:cxnSpMk id="9" creationId="{96BE0A88-C27A-4CB1-9701-DA74156FE264}"/>
+          </ac:cxnSpMkLst>
+        </pc:cxnChg>
+        <pc:cxnChg chg="mod">
+          <ac:chgData name="EDU_KCPS_3157@sulid.hu" userId="f0f61994-9749-463b-a6ad-3c2d9d1a27a2" providerId="ADAL" clId="{02BD370D-3F43-4B10-BB3A-88D9B76F23DD}" dt="2021-05-12T18:22:24.776" v="2009" actId="14100"/>
+          <ac:cxnSpMkLst>
+            <pc:docMk/>
+            <pc:sldMk cId="270822766" sldId="262"/>
+            <ac:cxnSpMk id="15" creationId="{F9268031-6C80-4480-B676-0C6671BE9CDD}"/>
+          </ac:cxnSpMkLst>
+        </pc:cxnChg>
+        <pc:cxnChg chg="add mod">
+          <ac:chgData name="EDU_KCPS_3157@sulid.hu" userId="f0f61994-9749-463b-a6ad-3c2d9d1a27a2" providerId="ADAL" clId="{02BD370D-3F43-4B10-BB3A-88D9B76F23DD}" dt="2021-05-12T18:22:27.257" v="2010" actId="14100"/>
+          <ac:cxnSpMkLst>
+            <pc:docMk/>
+            <pc:sldMk cId="270822766" sldId="262"/>
+            <ac:cxnSpMk id="17" creationId="{AA37C782-5C0A-42DC-BF23-4D6BFED3430E}"/>
+          </ac:cxnSpMkLst>
+        </pc:cxnChg>
+        <pc:cxnChg chg="del mod">
+          <ac:chgData name="EDU_KCPS_3157@sulid.hu" userId="f0f61994-9749-463b-a6ad-3c2d9d1a27a2" providerId="ADAL" clId="{02BD370D-3F43-4B10-BB3A-88D9B76F23DD}" dt="2021-05-12T18:20:33.644" v="1983" actId="478"/>
+          <ac:cxnSpMkLst>
+            <pc:docMk/>
+            <pc:sldMk cId="270822766" sldId="262"/>
+            <ac:cxnSpMk id="18" creationId="{F33DD89F-48E6-4006-B3F0-2D26B91A64EF}"/>
+          </ac:cxnSpMkLst>
+        </pc:cxnChg>
+      </pc:sldChg>
+      <pc:sldChg chg="addSp delSp modSp new mod">
+        <pc:chgData name="EDU_KCPS_3157@sulid.hu" userId="f0f61994-9749-463b-a6ad-3c2d9d1a27a2" providerId="ADAL" clId="{02BD370D-3F43-4B10-BB3A-88D9B76F23DD}" dt="2021-05-12T18:25:38.443" v="2079" actId="208"/>
+        <pc:sldMkLst>
+          <pc:docMk/>
+          <pc:sldMk cId="2439313621" sldId="263"/>
+        </pc:sldMkLst>
+        <pc:spChg chg="mod">
+          <ac:chgData name="EDU_KCPS_3157@sulid.hu" userId="f0f61994-9749-463b-a6ad-3c2d9d1a27a2" providerId="ADAL" clId="{02BD370D-3F43-4B10-BB3A-88D9B76F23DD}" dt="2021-05-12T18:25:25.016" v="2078" actId="20577"/>
+          <ac:spMkLst>
+            <pc:docMk/>
+            <pc:sldMk cId="2439313621" sldId="263"/>
+            <ac:spMk id="2" creationId="{1D71C821-EC14-4545-9069-45FE39A9F1D7}"/>
+          </ac:spMkLst>
+        </pc:spChg>
+        <pc:spChg chg="del">
+          <ac:chgData name="EDU_KCPS_3157@sulid.hu" userId="f0f61994-9749-463b-a6ad-3c2d9d1a27a2" providerId="ADAL" clId="{02BD370D-3F43-4B10-BB3A-88D9B76F23DD}" dt="2021-05-12T17:24:24.236" v="154" actId="478"/>
+          <ac:spMkLst>
+            <pc:docMk/>
+            <pc:sldMk cId="2439313621" sldId="263"/>
+            <ac:spMk id="3" creationId="{6DF058B8-0FC1-47A2-9CB7-5081E7CE1BD6}"/>
+          </ac:spMkLst>
+        </pc:spChg>
+        <pc:spChg chg="add mod">
+          <ac:chgData name="EDU_KCPS_3157@sulid.hu" userId="f0f61994-9749-463b-a6ad-3c2d9d1a27a2" providerId="ADAL" clId="{02BD370D-3F43-4B10-BB3A-88D9B76F23DD}" dt="2021-05-12T17:28:37.864" v="405" actId="1076"/>
+          <ac:spMkLst>
+            <pc:docMk/>
+            <pc:sldMk cId="2439313621" sldId="263"/>
+            <ac:spMk id="6" creationId="{03B6EB94-D1D0-416B-9E93-BB673E488646}"/>
+          </ac:spMkLst>
+        </pc:spChg>
+        <pc:spChg chg="add mod">
+          <ac:chgData name="EDU_KCPS_3157@sulid.hu" userId="f0f61994-9749-463b-a6ad-3c2d9d1a27a2" providerId="ADAL" clId="{02BD370D-3F43-4B10-BB3A-88D9B76F23DD}" dt="2021-05-12T17:29:32.345" v="445" actId="1076"/>
+          <ac:spMkLst>
+            <pc:docMk/>
+            <pc:sldMk cId="2439313621" sldId="263"/>
+            <ac:spMk id="7" creationId="{61EE910D-CA64-4EF8-BF30-D0D5E9899DC9}"/>
+          </ac:spMkLst>
+        </pc:spChg>
+        <pc:spChg chg="add mod">
+          <ac:chgData name="EDU_KCPS_3157@sulid.hu" userId="f0f61994-9749-463b-a6ad-3c2d9d1a27a2" providerId="ADAL" clId="{02BD370D-3F43-4B10-BB3A-88D9B76F23DD}" dt="2021-05-12T17:30:28.114" v="457" actId="14100"/>
+          <ac:spMkLst>
+            <pc:docMk/>
+            <pc:sldMk cId="2439313621" sldId="263"/>
+            <ac:spMk id="11" creationId="{B0330C7D-9F10-4ECF-B045-CE73B60EFFFF}"/>
+          </ac:spMkLst>
+        </pc:spChg>
+        <pc:spChg chg="add mod">
+          <ac:chgData name="EDU_KCPS_3157@sulid.hu" userId="f0f61994-9749-463b-a6ad-3c2d9d1a27a2" providerId="ADAL" clId="{02BD370D-3F43-4B10-BB3A-88D9B76F23DD}" dt="2021-05-12T17:31:51.108" v="568" actId="1076"/>
+          <ac:spMkLst>
+            <pc:docMk/>
+            <pc:sldMk cId="2439313621" sldId="263"/>
+            <ac:spMk id="12" creationId="{F19744A7-C1C4-4D64-9033-D714F436C7BA}"/>
+          </ac:spMkLst>
+        </pc:spChg>
+        <pc:picChg chg="add mod">
+          <ac:chgData name="EDU_KCPS_3157@sulid.hu" userId="f0f61994-9749-463b-a6ad-3c2d9d1a27a2" providerId="ADAL" clId="{02BD370D-3F43-4B10-BB3A-88D9B76F23DD}" dt="2021-05-12T17:27:57.784" v="362" actId="1076"/>
+          <ac:picMkLst>
+            <pc:docMk/>
+            <pc:sldMk cId="2439313621" sldId="263"/>
+            <ac:picMk id="5" creationId="{0F923192-BB56-4819-9FB8-7891AB3563DD}"/>
+          </ac:picMkLst>
+        </pc:picChg>
+        <pc:cxnChg chg="add mod">
+          <ac:chgData name="EDU_KCPS_3157@sulid.hu" userId="f0f61994-9749-463b-a6ad-3c2d9d1a27a2" providerId="ADAL" clId="{02BD370D-3F43-4B10-BB3A-88D9B76F23DD}" dt="2021-05-12T18:25:38.443" v="2079" actId="208"/>
+          <ac:cxnSpMkLst>
+            <pc:docMk/>
+            <pc:sldMk cId="2439313621" sldId="263"/>
+            <ac:cxnSpMk id="9" creationId="{64568DA0-8B63-4A7B-81AE-A6D924AD6927}"/>
+          </ac:cxnSpMkLst>
+        </pc:cxnChg>
+      </pc:sldChg>
+      <pc:sldChg chg="addSp delSp modSp new mod ord">
+        <pc:chgData name="EDU_KCPS_3157@sulid.hu" userId="f0f61994-9749-463b-a6ad-3c2d9d1a27a2" providerId="ADAL" clId="{02BD370D-3F43-4B10-BB3A-88D9B76F23DD}" dt="2021-05-12T18:16:02.365" v="1917" actId="207"/>
+        <pc:sldMkLst>
+          <pc:docMk/>
+          <pc:sldMk cId="4166099579" sldId="264"/>
+        </pc:sldMkLst>
+        <pc:spChg chg="mod">
+          <ac:chgData name="EDU_KCPS_3157@sulid.hu" userId="f0f61994-9749-463b-a6ad-3c2d9d1a27a2" providerId="ADAL" clId="{02BD370D-3F43-4B10-BB3A-88D9B76F23DD}" dt="2021-05-12T18:12:18.991" v="1679" actId="14100"/>
+          <ac:spMkLst>
+            <pc:docMk/>
+            <pc:sldMk cId="4166099579" sldId="264"/>
+            <ac:spMk id="2" creationId="{E3B67208-92C4-407F-8FFF-F6933F35F17E}"/>
+          </ac:spMkLst>
+        </pc:spChg>
+        <pc:spChg chg="del">
+          <ac:chgData name="EDU_KCPS_3157@sulid.hu" userId="f0f61994-9749-463b-a6ad-3c2d9d1a27a2" providerId="ADAL" clId="{02BD370D-3F43-4B10-BB3A-88D9B76F23DD}" dt="2021-05-12T18:04:17.853" v="1643" actId="478"/>
+          <ac:spMkLst>
+            <pc:docMk/>
+            <pc:sldMk cId="4166099579" sldId="264"/>
+            <ac:spMk id="3" creationId="{7DC60581-7AB4-4019-B8E0-C4DDB4E22C99}"/>
+          </ac:spMkLst>
+        </pc:spChg>
+        <pc:spChg chg="add mod">
+          <ac:chgData name="EDU_KCPS_3157@sulid.hu" userId="f0f61994-9749-463b-a6ad-3c2d9d1a27a2" providerId="ADAL" clId="{02BD370D-3F43-4B10-BB3A-88D9B76F23DD}" dt="2021-05-12T18:14:08.057" v="1786" actId="255"/>
+          <ac:spMkLst>
+            <pc:docMk/>
+            <pc:sldMk cId="4166099579" sldId="264"/>
+            <ac:spMk id="15" creationId="{2AD1A6F2-508F-4DD4-A685-81892EC11C18}"/>
+          </ac:spMkLst>
+        </pc:spChg>
+        <pc:spChg chg="add mod">
+          <ac:chgData name="EDU_KCPS_3157@sulid.hu" userId="f0f61994-9749-463b-a6ad-3c2d9d1a27a2" providerId="ADAL" clId="{02BD370D-3F43-4B10-BB3A-88D9B76F23DD}" dt="2021-05-12T18:16:02.365" v="1917" actId="207"/>
+          <ac:spMkLst>
+            <pc:docMk/>
+            <pc:sldMk cId="4166099579" sldId="264"/>
+            <ac:spMk id="16" creationId="{33025579-77AB-4A8E-B0CD-64D802EE2AB2}"/>
+          </ac:spMkLst>
+        </pc:spChg>
+        <pc:picChg chg="add mod">
+          <ac:chgData name="EDU_KCPS_3157@sulid.hu" userId="f0f61994-9749-463b-a6ad-3c2d9d1a27a2" providerId="ADAL" clId="{02BD370D-3F43-4B10-BB3A-88D9B76F23DD}" dt="2021-05-12T18:13:17.182" v="1692" actId="1076"/>
+          <ac:picMkLst>
+            <pc:docMk/>
+            <pc:sldMk cId="4166099579" sldId="264"/>
+            <ac:picMk id="4" creationId="{FCD04A4B-E92E-4CB2-B862-EB074A282D3B}"/>
+          </ac:picMkLst>
+        </pc:picChg>
+        <pc:cxnChg chg="add del mod">
+          <ac:chgData name="EDU_KCPS_3157@sulid.hu" userId="f0f61994-9749-463b-a6ad-3c2d9d1a27a2" providerId="ADAL" clId="{02BD370D-3F43-4B10-BB3A-88D9B76F23DD}" dt="2021-05-12T18:12:36.175" v="1684" actId="478"/>
+          <ac:cxnSpMkLst>
+            <pc:docMk/>
+            <pc:sldMk cId="4166099579" sldId="264"/>
+            <ac:cxnSpMk id="6" creationId="{C80788A8-D104-4654-8CF4-DD6032840BC5}"/>
+          </ac:cxnSpMkLst>
+        </pc:cxnChg>
+        <pc:cxnChg chg="add mod">
+          <ac:chgData name="EDU_KCPS_3157@sulid.hu" userId="f0f61994-9749-463b-a6ad-3c2d9d1a27a2" providerId="ADAL" clId="{02BD370D-3F43-4B10-BB3A-88D9B76F23DD}" dt="2021-05-12T18:13:20.982" v="1693" actId="14100"/>
+          <ac:cxnSpMkLst>
+            <pc:docMk/>
+            <pc:sldMk cId="4166099579" sldId="264"/>
+            <ac:cxnSpMk id="9" creationId="{937901DA-AB02-409A-BE39-99FF90124DDD}"/>
+          </ac:cxnSpMkLst>
+        </pc:cxnChg>
+      </pc:sldChg>
+      <pc:sldChg chg="addSp delSp modSp new mod">
+        <pc:chgData name="EDU_KCPS_3157@sulid.hu" userId="f0f61994-9749-463b-a6ad-3c2d9d1a27a2" providerId="ADAL" clId="{02BD370D-3F43-4B10-BB3A-88D9B76F23DD}" dt="2021-05-12T17:54:21.658" v="1334" actId="1076"/>
+        <pc:sldMkLst>
+          <pc:docMk/>
+          <pc:sldMk cId="3677396165" sldId="265"/>
+        </pc:sldMkLst>
+        <pc:spChg chg="mod">
+          <ac:chgData name="EDU_KCPS_3157@sulid.hu" userId="f0f61994-9749-463b-a6ad-3c2d9d1a27a2" providerId="ADAL" clId="{02BD370D-3F43-4B10-BB3A-88D9B76F23DD}" dt="2021-05-12T17:39:35.705" v="822" actId="20577"/>
+          <ac:spMkLst>
+            <pc:docMk/>
+            <pc:sldMk cId="3677396165" sldId="265"/>
+            <ac:spMk id="2" creationId="{CB483ACF-37F0-4002-9DF6-FF5636C31CC3}"/>
+          </ac:spMkLst>
+        </pc:spChg>
+        <pc:spChg chg="del">
+          <ac:chgData name="EDU_KCPS_3157@sulid.hu" userId="f0f61994-9749-463b-a6ad-3c2d9d1a27a2" providerId="ADAL" clId="{02BD370D-3F43-4B10-BB3A-88D9B76F23DD}" dt="2021-05-12T17:32:19.143" v="570" actId="478"/>
+          <ac:spMkLst>
+            <pc:docMk/>
+            <pc:sldMk cId="3677396165" sldId="265"/>
+            <ac:spMk id="3" creationId="{D2AA4000-2568-495B-80DC-4667E1BE2F99}"/>
+          </ac:spMkLst>
+        </pc:spChg>
+        <pc:spChg chg="add del mod">
+          <ac:chgData name="EDU_KCPS_3157@sulid.hu" userId="f0f61994-9749-463b-a6ad-3c2d9d1a27a2" providerId="ADAL" clId="{02BD370D-3F43-4B10-BB3A-88D9B76F23DD}" dt="2021-05-12T17:41:59.848" v="829"/>
+          <ac:spMkLst>
+            <pc:docMk/>
+            <pc:sldMk cId="3677396165" sldId="265"/>
+            <ac:spMk id="6" creationId="{2554C903-A651-48EE-84CB-BDFDB7E14CBA}"/>
+          </ac:spMkLst>
+        </pc:spChg>
+        <pc:spChg chg="add mod">
+          <ac:chgData name="EDU_KCPS_3157@sulid.hu" userId="f0f61994-9749-463b-a6ad-3c2d9d1a27a2" providerId="ADAL" clId="{02BD370D-3F43-4B10-BB3A-88D9B76F23DD}" dt="2021-05-12T17:42:53.294" v="897" actId="1076"/>
+          <ac:spMkLst>
+            <pc:docMk/>
+            <pc:sldMk cId="3677396165" sldId="265"/>
+            <ac:spMk id="7" creationId="{7DDBB122-4816-4CBF-B634-B7EE66820AA7}"/>
+          </ac:spMkLst>
+        </pc:spChg>
+        <pc:spChg chg="add mod">
+          <ac:chgData name="EDU_KCPS_3157@sulid.hu" userId="f0f61994-9749-463b-a6ad-3c2d9d1a27a2" providerId="ADAL" clId="{02BD370D-3F43-4B10-BB3A-88D9B76F23DD}" dt="2021-05-12T17:43:13.483" v="903" actId="208"/>
+          <ac:spMkLst>
+            <pc:docMk/>
+            <pc:sldMk cId="3677396165" sldId="265"/>
+            <ac:spMk id="8" creationId="{78202D96-6F81-4FAA-A61B-AF2FAD08293B}"/>
+          </ac:spMkLst>
+        </pc:spChg>
+        <pc:spChg chg="add mod">
+          <ac:chgData name="EDU_KCPS_3157@sulid.hu" userId="f0f61994-9749-463b-a6ad-3c2d9d1a27a2" providerId="ADAL" clId="{02BD370D-3F43-4B10-BB3A-88D9B76F23DD}" dt="2021-05-12T17:44:00.211" v="963" actId="1076"/>
+          <ac:spMkLst>
+            <pc:docMk/>
+            <pc:sldMk cId="3677396165" sldId="265"/>
+            <ac:spMk id="9" creationId="{92894D23-9BA9-4179-A536-E2B8327972EF}"/>
+          </ac:spMkLst>
+        </pc:spChg>
+        <pc:spChg chg="add mod">
+          <ac:chgData name="EDU_KCPS_3157@sulid.hu" userId="f0f61994-9749-463b-a6ad-3c2d9d1a27a2" providerId="ADAL" clId="{02BD370D-3F43-4B10-BB3A-88D9B76F23DD}" dt="2021-05-12T17:44:59.683" v="972" actId="14100"/>
+          <ac:spMkLst>
+            <pc:docMk/>
+            <pc:sldMk cId="3677396165" sldId="265"/>
+            <ac:spMk id="10" creationId="{D4218D3E-3237-4BB7-849C-6A85DB366E7D}"/>
+          </ac:spMkLst>
+        </pc:spChg>
+        <pc:spChg chg="add mod">
+          <ac:chgData name="EDU_KCPS_3157@sulid.hu" userId="f0f61994-9749-463b-a6ad-3c2d9d1a27a2" providerId="ADAL" clId="{02BD370D-3F43-4B10-BB3A-88D9B76F23DD}" dt="2021-05-12T17:54:21.658" v="1334" actId="1076"/>
+          <ac:spMkLst>
+            <pc:docMk/>
+            <pc:sldMk cId="3677396165" sldId="265"/>
+            <ac:spMk id="11" creationId="{0396A6A6-E5BC-410B-872F-5B817AD17E3E}"/>
+          </ac:spMkLst>
+        </pc:spChg>
+        <pc:picChg chg="add mod">
+          <ac:chgData name="EDU_KCPS_3157@sulid.hu" userId="f0f61994-9749-463b-a6ad-3c2d9d1a27a2" providerId="ADAL" clId="{02BD370D-3F43-4B10-BB3A-88D9B76F23DD}" dt="2021-05-12T17:41:59.180" v="827" actId="1076"/>
+          <ac:picMkLst>
+            <pc:docMk/>
+            <pc:sldMk cId="3677396165" sldId="265"/>
+            <ac:picMk id="5" creationId="{CCBAE5B8-90BC-415B-B5DB-A0D917C9D74A}"/>
+          </ac:picMkLst>
+        </pc:picChg>
+      </pc:sldChg>
+      <pc:sldChg chg="addSp delSp modSp new add del mod">
+        <pc:chgData name="EDU_KCPS_3157@sulid.hu" userId="f0f61994-9749-463b-a6ad-3c2d9d1a27a2" providerId="ADAL" clId="{02BD370D-3F43-4B10-BB3A-88D9B76F23DD}" dt="2021-05-12T18:29:37.781" v="2180" actId="1038"/>
+        <pc:sldMkLst>
+          <pc:docMk/>
+          <pc:sldMk cId="23566409" sldId="266"/>
+        </pc:sldMkLst>
+        <pc:spChg chg="add del mod">
+          <ac:chgData name="EDU_KCPS_3157@sulid.hu" userId="f0f61994-9749-463b-a6ad-3c2d9d1a27a2" providerId="ADAL" clId="{02BD370D-3F43-4B10-BB3A-88D9B76F23DD}" dt="2021-05-12T18:11:23.682" v="1667" actId="1076"/>
+          <ac:spMkLst>
+            <pc:docMk/>
+            <pc:sldMk cId="23566409" sldId="266"/>
+            <ac:spMk id="2" creationId="{43831D04-EBBC-4FB8-8D3A-ED4E7A0E5234}"/>
+          </ac:spMkLst>
+        </pc:spChg>
+        <pc:spChg chg="del">
+          <ac:chgData name="EDU_KCPS_3157@sulid.hu" userId="f0f61994-9749-463b-a6ad-3c2d9d1a27a2" providerId="ADAL" clId="{02BD370D-3F43-4B10-BB3A-88D9B76F23DD}" dt="2021-05-12T17:46:38.250" v="1062" actId="478"/>
+          <ac:spMkLst>
+            <pc:docMk/>
+            <pc:sldMk cId="23566409" sldId="266"/>
+            <ac:spMk id="3" creationId="{88F05FF3-C047-4179-850E-61921C519EAA}"/>
+          </ac:spMkLst>
+        </pc:spChg>
+        <pc:spChg chg="add mod">
+          <ac:chgData name="EDU_KCPS_3157@sulid.hu" userId="f0f61994-9749-463b-a6ad-3c2d9d1a27a2" providerId="ADAL" clId="{02BD370D-3F43-4B10-BB3A-88D9B76F23DD}" dt="2021-05-12T18:29:27.613" v="2176" actId="1076"/>
+          <ac:spMkLst>
+            <pc:docMk/>
+            <pc:sldMk cId="23566409" sldId="266"/>
+            <ac:spMk id="6" creationId="{CACEC835-0FAC-415E-8004-C4C3A6BC926D}"/>
+          </ac:spMkLst>
+        </pc:spChg>
+        <pc:spChg chg="add mod">
+          <ac:chgData name="EDU_KCPS_3157@sulid.hu" userId="f0f61994-9749-463b-a6ad-3c2d9d1a27a2" providerId="ADAL" clId="{02BD370D-3F43-4B10-BB3A-88D9B76F23DD}" dt="2021-05-12T18:29:29.655" v="2177" actId="1076"/>
+          <ac:spMkLst>
+            <pc:docMk/>
+            <pc:sldMk cId="23566409" sldId="266"/>
+            <ac:spMk id="7" creationId="{CA0286FB-56A1-4A08-B94E-9A14A5A95B81}"/>
+          </ac:spMkLst>
+        </pc:spChg>
+        <pc:spChg chg="add mod">
+          <ac:chgData name="EDU_KCPS_3157@sulid.hu" userId="f0f61994-9749-463b-a6ad-3c2d9d1a27a2" providerId="ADAL" clId="{02BD370D-3F43-4B10-BB3A-88D9B76F23DD}" dt="2021-05-12T18:29:31.885" v="2178" actId="1076"/>
+          <ac:spMkLst>
+            <pc:docMk/>
+            <pc:sldMk cId="23566409" sldId="266"/>
+            <ac:spMk id="8" creationId="{6F16358F-98DC-4E22-B9E1-6A9D0A64A45D}"/>
+          </ac:spMkLst>
+        </pc:spChg>
+        <pc:spChg chg="add mod">
+          <ac:chgData name="EDU_KCPS_3157@sulid.hu" userId="f0f61994-9749-463b-a6ad-3c2d9d1a27a2" providerId="ADAL" clId="{02BD370D-3F43-4B10-BB3A-88D9B76F23DD}" dt="2021-05-12T18:29:37.781" v="2180" actId="1038"/>
+          <ac:spMkLst>
+            <pc:docMk/>
+            <pc:sldMk cId="23566409" sldId="266"/>
+            <ac:spMk id="9" creationId="{1C74EC58-36D9-4D90-B3DB-B37651740331}"/>
+          </ac:spMkLst>
+        </pc:spChg>
+        <pc:spChg chg="add mod">
+          <ac:chgData name="EDU_KCPS_3157@sulid.hu" userId="f0f61994-9749-463b-a6ad-3c2d9d1a27a2" providerId="ADAL" clId="{02BD370D-3F43-4B10-BB3A-88D9B76F23DD}" dt="2021-05-12T18:27:54.014" v="2166" actId="1076"/>
+          <ac:spMkLst>
+            <pc:docMk/>
+            <pc:sldMk cId="23566409" sldId="266"/>
+            <ac:spMk id="10" creationId="{0C9EF435-EA75-4538-B122-D5E0D44DEC32}"/>
+          </ac:spMkLst>
+        </pc:spChg>
+        <pc:spChg chg="add mod">
+          <ac:chgData name="EDU_KCPS_3157@sulid.hu" userId="f0f61994-9749-463b-a6ad-3c2d9d1a27a2" providerId="ADAL" clId="{02BD370D-3F43-4B10-BB3A-88D9B76F23DD}" dt="2021-05-12T18:29:20.815" v="2175" actId="14100"/>
+          <ac:spMkLst>
+            <pc:docMk/>
+            <pc:sldMk cId="23566409" sldId="266"/>
+            <ac:spMk id="11" creationId="{0D243740-8724-4AE2-89DE-97D8FC138F4A}"/>
+          </ac:spMkLst>
+        </pc:spChg>
+        <pc:spChg chg="add mod">
+          <ac:chgData name="EDU_KCPS_3157@sulid.hu" userId="f0f61994-9749-463b-a6ad-3c2d9d1a27a2" providerId="ADAL" clId="{02BD370D-3F43-4B10-BB3A-88D9B76F23DD}" dt="2021-05-12T17:52:48.184" v="1271" actId="20577"/>
+          <ac:spMkLst>
+            <pc:docMk/>
+            <pc:sldMk cId="23566409" sldId="266"/>
+            <ac:spMk id="12" creationId="{2B9196F2-4B86-4310-ADFD-E70F3598E82D}"/>
+          </ac:spMkLst>
+        </pc:spChg>
+        <pc:spChg chg="add mod">
+          <ac:chgData name="EDU_KCPS_3157@sulid.hu" userId="f0f61994-9749-463b-a6ad-3c2d9d1a27a2" providerId="ADAL" clId="{02BD370D-3F43-4B10-BB3A-88D9B76F23DD}" dt="2021-05-12T18:29:18.021" v="2174" actId="14100"/>
+          <ac:spMkLst>
+            <pc:docMk/>
+            <pc:sldMk cId="23566409" sldId="266"/>
+            <ac:spMk id="13" creationId="{03B1E5CA-05E4-4AE6-BD42-E86E17E71B18}"/>
+          </ac:spMkLst>
+        </pc:spChg>
+        <pc:spChg chg="add mod">
+          <ac:chgData name="EDU_KCPS_3157@sulid.hu" userId="f0f61994-9749-463b-a6ad-3c2d9d1a27a2" providerId="ADAL" clId="{02BD370D-3F43-4B10-BB3A-88D9B76F23DD}" dt="2021-05-12T17:53:48.115" v="1324" actId="207"/>
+          <ac:spMkLst>
+            <pc:docMk/>
+            <pc:sldMk cId="23566409" sldId="266"/>
+            <ac:spMk id="14" creationId="{2D553F25-9A00-41A8-9CC1-C593560A7DF5}"/>
+          </ac:spMkLst>
+        </pc:spChg>
+        <pc:spChg chg="add mod">
+          <ac:chgData name="EDU_KCPS_3157@sulid.hu" userId="f0f61994-9749-463b-a6ad-3c2d9d1a27a2" providerId="ADAL" clId="{02BD370D-3F43-4B10-BB3A-88D9B76F23DD}" dt="2021-05-12T18:29:13.801" v="2173" actId="14100"/>
+          <ac:spMkLst>
+            <pc:docMk/>
+            <pc:sldMk cId="23566409" sldId="266"/>
+            <ac:spMk id="15" creationId="{2F8940D7-D6CE-44FF-8089-865B6A33D2D4}"/>
+          </ac:spMkLst>
+        </pc:spChg>
+        <pc:spChg chg="add mod">
+          <ac:chgData name="EDU_KCPS_3157@sulid.hu" userId="f0f61994-9749-463b-a6ad-3c2d9d1a27a2" providerId="ADAL" clId="{02BD370D-3F43-4B10-BB3A-88D9B76F23DD}" dt="2021-05-12T18:03:19.040" v="1626" actId="1076"/>
+          <ac:spMkLst>
+            <pc:docMk/>
+            <pc:sldMk cId="23566409" sldId="266"/>
+            <ac:spMk id="16" creationId="{B39A7D58-B80D-4073-9952-4225F604772E}"/>
+          </ac:spMkLst>
+        </pc:spChg>
+        <pc:picChg chg="add mod">
+          <ac:chgData name="EDU_KCPS_3157@sulid.hu" userId="f0f61994-9749-463b-a6ad-3c2d9d1a27a2" providerId="ADAL" clId="{02BD370D-3F43-4B10-BB3A-88D9B76F23DD}" dt="2021-05-12T18:29:03.806" v="2170" actId="1076"/>
+          <ac:picMkLst>
+            <pc:docMk/>
+            <pc:sldMk cId="23566409" sldId="266"/>
+            <ac:picMk id="5" creationId="{2F20BECE-FCA2-41C8-9BD2-507AB01651C6}"/>
+          </ac:picMkLst>
+        </pc:picChg>
+        <pc:cxnChg chg="add mod">
+          <ac:chgData name="EDU_KCPS_3157@sulid.hu" userId="f0f61994-9749-463b-a6ad-3c2d9d1a27a2" providerId="ADAL" clId="{02BD370D-3F43-4B10-BB3A-88D9B76F23DD}" dt="2021-05-12T18:11:40.368" v="1671" actId="14100"/>
+          <ac:cxnSpMkLst>
+            <pc:docMk/>
+            <pc:sldMk cId="23566409" sldId="266"/>
+            <ac:cxnSpMk id="4" creationId="{FC98347E-5139-4D79-BCE0-8BD86FDCD58B}"/>
+          </ac:cxnSpMkLst>
+        </pc:cxnChg>
+      </pc:sldChg>
+      <pc:sldChg chg="addSp delSp modSp new mod">
+        <pc:chgData name="EDU_KCPS_3157@sulid.hu" userId="f0f61994-9749-463b-a6ad-3c2d9d1a27a2" providerId="ADAL" clId="{02BD370D-3F43-4B10-BB3A-88D9B76F23DD}" dt="2021-05-12T18:30:00.933" v="2185" actId="14100"/>
+        <pc:sldMkLst>
+          <pc:docMk/>
+          <pc:sldMk cId="2321598258" sldId="267"/>
+        </pc:sldMkLst>
+        <pc:spChg chg="mod">
+          <ac:chgData name="EDU_KCPS_3157@sulid.hu" userId="f0f61994-9749-463b-a6ad-3c2d9d1a27a2" providerId="ADAL" clId="{02BD370D-3F43-4B10-BB3A-88D9B76F23DD}" dt="2021-05-12T18:11:14.915" v="1663" actId="14100"/>
+          <ac:spMkLst>
+            <pc:docMk/>
+            <pc:sldMk cId="2321598258" sldId="267"/>
+            <ac:spMk id="2" creationId="{20AF3561-5CDB-45B5-9E25-BAB53346B47D}"/>
+          </ac:spMkLst>
+        </pc:spChg>
+        <pc:spChg chg="del">
+          <ac:chgData name="EDU_KCPS_3157@sulid.hu" userId="f0f61994-9749-463b-a6ad-3c2d9d1a27a2" providerId="ADAL" clId="{02BD370D-3F43-4B10-BB3A-88D9B76F23DD}" dt="2021-05-12T17:55:40.097" v="1353" actId="478"/>
+          <ac:spMkLst>
+            <pc:docMk/>
+            <pc:sldMk cId="2321598258" sldId="267"/>
+            <ac:spMk id="3" creationId="{F4E8424D-F2EA-4E3F-979A-6B0A6E1B2B20}"/>
+          </ac:spMkLst>
+        </pc:spChg>
+        <pc:spChg chg="add mod">
+          <ac:chgData name="EDU_KCPS_3157@sulid.hu" userId="f0f61994-9749-463b-a6ad-3c2d9d1a27a2" providerId="ADAL" clId="{02BD370D-3F43-4B10-BB3A-88D9B76F23DD}" dt="2021-05-12T18:27:26.386" v="2112" actId="1076"/>
+          <ac:spMkLst>
+            <pc:docMk/>
+            <pc:sldMk cId="2321598258" sldId="267"/>
+            <ac:spMk id="6" creationId="{5FF6DECE-E3D4-46FE-98B6-FB15DA685095}"/>
+          </ac:spMkLst>
+        </pc:spChg>
+        <pc:spChg chg="add mod">
+          <ac:chgData name="EDU_KCPS_3157@sulid.hu" userId="f0f61994-9749-463b-a6ad-3c2d9d1a27a2" providerId="ADAL" clId="{02BD370D-3F43-4B10-BB3A-88D9B76F23DD}" dt="2021-05-12T18:30:00.933" v="2185" actId="14100"/>
+          <ac:spMkLst>
+            <pc:docMk/>
+            <pc:sldMk cId="2321598258" sldId="267"/>
+            <ac:spMk id="7" creationId="{9A267716-8274-4B45-8D14-5A60B5022D28}"/>
+          </ac:spMkLst>
+        </pc:spChg>
+        <pc:spChg chg="add mod">
+          <ac:chgData name="EDU_KCPS_3157@sulid.hu" userId="f0f61994-9749-463b-a6ad-3c2d9d1a27a2" providerId="ADAL" clId="{02BD370D-3F43-4B10-BB3A-88D9B76F23DD}" dt="2021-05-12T18:26:58.682" v="2106" actId="1076"/>
+          <ac:spMkLst>
+            <pc:docMk/>
+            <pc:sldMk cId="2321598258" sldId="267"/>
+            <ac:spMk id="8" creationId="{870BD51D-0C29-4BE0-9ED6-4410A28FC1CC}"/>
+          </ac:spMkLst>
+        </pc:spChg>
+        <pc:spChg chg="add mod">
+          <ac:chgData name="EDU_KCPS_3157@sulid.hu" userId="f0f61994-9749-463b-a6ad-3c2d9d1a27a2" providerId="ADAL" clId="{02BD370D-3F43-4B10-BB3A-88D9B76F23DD}" dt="2021-05-12T18:29:58.622" v="2184" actId="14100"/>
+          <ac:spMkLst>
+            <pc:docMk/>
+            <pc:sldMk cId="2321598258" sldId="267"/>
+            <ac:spMk id="9" creationId="{87E8794E-8CAE-495E-8227-987D30184B7D}"/>
+          </ac:spMkLst>
+        </pc:spChg>
+        <pc:spChg chg="add mod">
+          <ac:chgData name="EDU_KCPS_3157@sulid.hu" userId="f0f61994-9749-463b-a6ad-3c2d9d1a27a2" providerId="ADAL" clId="{02BD370D-3F43-4B10-BB3A-88D9B76F23DD}" dt="2021-05-12T18:02:36.150" v="1613" actId="20577"/>
+          <ac:spMkLst>
+            <pc:docMk/>
+            <pc:sldMk cId="2321598258" sldId="267"/>
+            <ac:spMk id="10" creationId="{79E80DCE-4D9A-4206-934B-FBA2987A540D}"/>
+          </ac:spMkLst>
+        </pc:spChg>
+        <pc:spChg chg="add mod">
+          <ac:chgData name="EDU_KCPS_3157@sulid.hu" userId="f0f61994-9749-463b-a6ad-3c2d9d1a27a2" providerId="ADAL" clId="{02BD370D-3F43-4B10-BB3A-88D9B76F23DD}" dt="2021-05-12T18:29:56.389" v="2183" actId="14100"/>
+          <ac:spMkLst>
+            <pc:docMk/>
+            <pc:sldMk cId="2321598258" sldId="267"/>
+            <ac:spMk id="11" creationId="{9AC47EB9-08EF-4E05-95C3-FA83C144B934}"/>
+          </ac:spMkLst>
+        </pc:spChg>
+        <pc:spChg chg="add mod">
+          <ac:chgData name="EDU_KCPS_3157@sulid.hu" userId="f0f61994-9749-463b-a6ad-3c2d9d1a27a2" providerId="ADAL" clId="{02BD370D-3F43-4B10-BB3A-88D9B76F23DD}" dt="2021-05-12T18:04:00.003" v="1640" actId="1076"/>
+          <ac:spMkLst>
+            <pc:docMk/>
+            <pc:sldMk cId="2321598258" sldId="267"/>
+            <ac:spMk id="12" creationId="{2FFFDB29-948C-41E8-930A-F478DAC62723}"/>
+          </ac:spMkLst>
+        </pc:spChg>
+        <pc:picChg chg="add mod">
+          <ac:chgData name="EDU_KCPS_3157@sulid.hu" userId="f0f61994-9749-463b-a6ad-3c2d9d1a27a2" providerId="ADAL" clId="{02BD370D-3F43-4B10-BB3A-88D9B76F23DD}" dt="2021-05-12T18:29:47.236" v="2181" actId="1076"/>
+          <ac:picMkLst>
+            <pc:docMk/>
+            <pc:sldMk cId="2321598258" sldId="267"/>
+            <ac:picMk id="5" creationId="{9EF56382-762E-4A44-B5F1-A36A0570DFA4}"/>
+          </ac:picMkLst>
+        </pc:picChg>
+        <pc:cxnChg chg="add del mod">
+          <ac:chgData name="EDU_KCPS_3157@sulid.hu" userId="f0f61994-9749-463b-a6ad-3c2d9d1a27a2" providerId="ADAL" clId="{02BD370D-3F43-4B10-BB3A-88D9B76F23DD}" dt="2021-05-12T18:11:12.997" v="1660" actId="11529"/>
+          <ac:cxnSpMkLst>
+            <pc:docMk/>
+            <pc:sldMk cId="2321598258" sldId="267"/>
+            <ac:cxnSpMk id="4" creationId="{58597580-5A3A-4185-9B46-09EAAA9F0E89}"/>
+          </ac:cxnSpMkLst>
+        </pc:cxnChg>
+        <pc:cxnChg chg="add mod">
+          <ac:chgData name="EDU_KCPS_3157@sulid.hu" userId="f0f61994-9749-463b-a6ad-3c2d9d1a27a2" providerId="ADAL" clId="{02BD370D-3F43-4B10-BB3A-88D9B76F23DD}" dt="2021-05-12T18:29:51.623" v="2182" actId="14100"/>
+          <ac:cxnSpMkLst>
+            <pc:docMk/>
+            <pc:sldMk cId="2321598258" sldId="267"/>
+            <ac:cxnSpMk id="15" creationId="{CF30AC07-260A-458F-8698-C478A99FC8DF}"/>
+          </ac:cxnSpMkLst>
+        </pc:cxnChg>
+      </pc:sldChg>
+    </pc:docChg>
+  </pc:docChgLst>
+</pc:chgInfo>
 </file>
 
 <file path=ppt/slideLayouts/slideLayout1.xml><?xml version="1.0" encoding="utf-8"?>
@@ -154,7 +885,7 @@
           </a:lstStyle>
           <a:p>
             <a:r>
-              <a:rPr lang="hu-HU" smtClean="0"/>
+              <a:rPr lang="hu-HU"/>
               <a:t>Mintacím szerkesztése</a:t>
             </a:r>
             <a:endParaRPr lang="en-US" dirty="0"/>
@@ -275,7 +1006,7 @@
           </a:lstStyle>
           <a:p>
             <a:r>
-              <a:rPr lang="hu-HU" smtClean="0"/>
+              <a:rPr lang="hu-HU"/>
               <a:t>Alcím mintájának szerkesztése</a:t>
             </a:r>
             <a:endParaRPr lang="en-US" dirty="0"/>
@@ -299,7 +1030,7 @@
           <a:p>
             <a:fld id="{0E7BCDEB-B544-4B97-B02A-35ABC5E91DA2}" type="datetimeFigureOut">
               <a:rPr lang="hu-HU" smtClean="0"/>
-              <a:t>2021. 05. 08.</a:t>
+              <a:t>2021. 05. 12.</a:t>
             </a:fld>
             <a:endParaRPr lang="hu-HU"/>
           </a:p>
@@ -568,7 +1299,7 @@
           <a:lstStyle/>
           <a:p>
             <a:r>
-              <a:rPr lang="hu-HU" smtClean="0"/>
+              <a:rPr lang="hu-HU"/>
               <a:t>Mintacím szerkesztése</a:t>
             </a:r>
             <a:endParaRPr lang="en-US" dirty="0"/>
@@ -655,7 +1386,7 @@
           </a:lstStyle>
           <a:p>
             <a:r>
-              <a:rPr lang="hu-HU" smtClean="0"/>
+              <a:rPr lang="hu-HU"/>
               <a:t>Kép beszúrásához kattintson az ikonra</a:t>
             </a:r>
             <a:endParaRPr lang="en-US" dirty="0"/>
@@ -712,7 +1443,7 @@
           <a:p>
             <a:pPr lvl="0"/>
             <a:r>
-              <a:rPr lang="hu-HU" smtClean="0"/>
+              <a:rPr lang="hu-HU"/>
               <a:t>Mintaszöveg szerkesztése</a:t>
             </a:r>
           </a:p>
@@ -735,7 +1466,7 @@
           <a:p>
             <a:fld id="{0E7BCDEB-B544-4B97-B02A-35ABC5E91DA2}" type="datetimeFigureOut">
               <a:rPr lang="hu-HU" smtClean="0"/>
-              <a:t>2021. 05. 08.</a:t>
+              <a:t>2021. 05. 12.</a:t>
             </a:fld>
             <a:endParaRPr lang="hu-HU"/>
           </a:p>
@@ -840,7 +1571,7 @@
           </a:lstStyle>
           <a:p>
             <a:r>
-              <a:rPr lang="hu-HU" smtClean="0"/>
+              <a:rPr lang="hu-HU"/>
               <a:t>Mintacím szerkesztése</a:t>
             </a:r>
             <a:endParaRPr lang="en-US" dirty="0"/>
@@ -962,7 +1693,7 @@
           <a:p>
             <a:pPr lvl="0"/>
             <a:r>
-              <a:rPr lang="hu-HU" smtClean="0"/>
+              <a:rPr lang="hu-HU"/>
               <a:t>Mintaszöveg szerkesztése</a:t>
             </a:r>
           </a:p>
@@ -985,7 +1716,7 @@
           <a:p>
             <a:fld id="{0E7BCDEB-B544-4B97-B02A-35ABC5E91DA2}" type="datetimeFigureOut">
               <a:rPr lang="hu-HU" smtClean="0"/>
-              <a:t>2021. 05. 08.</a:t>
+              <a:t>2021. 05. 12.</a:t>
             </a:fld>
             <a:endParaRPr lang="hu-HU"/>
           </a:p>
@@ -1094,7 +1825,7 @@
           </a:lstStyle>
           <a:p>
             <a:r>
-              <a:rPr lang="hu-HU" smtClean="0"/>
+              <a:rPr lang="hu-HU"/>
               <a:t>Mintacím szerkesztése</a:t>
             </a:r>
             <a:endParaRPr lang="en-US" dirty="0"/>
@@ -1149,7 +1880,7 @@
           <a:p>
             <a:pPr lvl="0"/>
             <a:r>
-              <a:rPr lang="hu-HU" smtClean="0"/>
+              <a:rPr lang="hu-HU"/>
               <a:t>Mintaszöveg szerkesztése</a:t>
             </a:r>
           </a:p>
@@ -1270,7 +2001,7 @@
           <a:p>
             <a:pPr lvl="0"/>
             <a:r>
-              <a:rPr lang="hu-HU" smtClean="0"/>
+              <a:rPr lang="hu-HU"/>
               <a:t>Mintaszöveg szerkesztése</a:t>
             </a:r>
           </a:p>
@@ -1293,7 +2024,7 @@
           <a:p>
             <a:fld id="{0E7BCDEB-B544-4B97-B02A-35ABC5E91DA2}" type="datetimeFigureOut">
               <a:rPr lang="hu-HU" smtClean="0"/>
-              <a:t>2021. 05. 08.</a:t>
+              <a:t>2021. 05. 12.</a:t>
             </a:fld>
             <a:endParaRPr lang="hu-HU"/>
           </a:p>
@@ -1466,7 +2197,7 @@
           </a:lstStyle>
           <a:p>
             <a:r>
-              <a:rPr lang="hu-HU" smtClean="0"/>
+              <a:rPr lang="hu-HU"/>
               <a:t>Mintacím szerkesztése</a:t>
             </a:r>
             <a:endParaRPr lang="en-US" dirty="0"/>
@@ -1588,7 +2319,7 @@
           <a:p>
             <a:pPr lvl="0"/>
             <a:r>
-              <a:rPr lang="hu-HU" smtClean="0"/>
+              <a:rPr lang="hu-HU"/>
               <a:t>Mintaszöveg szerkesztése</a:t>
             </a:r>
           </a:p>
@@ -1611,7 +2342,7 @@
           <a:p>
             <a:fld id="{0E7BCDEB-B544-4B97-B02A-35ABC5E91DA2}" type="datetimeFigureOut">
               <a:rPr lang="hu-HU" smtClean="0"/>
-              <a:t>2021. 05. 08.</a:t>
+              <a:t>2021. 05. 12.</a:t>
             </a:fld>
             <a:endParaRPr lang="hu-HU"/>
           </a:p>
@@ -1720,7 +2451,7 @@
           </a:lstStyle>
           <a:p>
             <a:r>
-              <a:rPr lang="hu-HU" smtClean="0"/>
+              <a:rPr lang="hu-HU"/>
               <a:t>Mintacím szerkesztése</a:t>
             </a:r>
             <a:endParaRPr lang="en-US" dirty="0"/>
@@ -1769,7 +2500,7 @@
               <a:buNone/>
             </a:pPr>
             <a:r>
-              <a:rPr lang="hu-HU" smtClean="0"/>
+              <a:rPr lang="hu-HU"/>
               <a:t>Mintaszöveg szerkesztése</a:t>
             </a:r>
           </a:p>
@@ -1890,7 +2621,7 @@
           <a:p>
             <a:pPr lvl="0"/>
             <a:r>
-              <a:rPr lang="hu-HU" smtClean="0"/>
+              <a:rPr lang="hu-HU"/>
               <a:t>Mintaszöveg szerkesztése</a:t>
             </a:r>
           </a:p>
@@ -1913,7 +2644,7 @@
           <a:p>
             <a:fld id="{0E7BCDEB-B544-4B97-B02A-35ABC5E91DA2}" type="datetimeFigureOut">
               <a:rPr lang="hu-HU" smtClean="0"/>
-              <a:t>2021. 05. 08.</a:t>
+              <a:t>2021. 05. 12.</a:t>
             </a:fld>
             <a:endParaRPr lang="hu-HU"/>
           </a:p>
@@ -2087,7 +2818,7 @@
           <a:p>
             <a:pPr marL="0" lvl="0"/>
             <a:r>
-              <a:rPr lang="hu-HU" smtClean="0"/>
+              <a:rPr lang="hu-HU"/>
               <a:t>Mintacím szerkesztése</a:t>
             </a:r>
             <a:endParaRPr lang="en-US" dirty="0"/>
@@ -2136,7 +2867,7 @@
               <a:buNone/>
             </a:pPr>
             <a:r>
-              <a:rPr lang="hu-HU" smtClean="0"/>
+              <a:rPr lang="hu-HU"/>
               <a:t>Mintaszöveg szerkesztése</a:t>
             </a:r>
           </a:p>
@@ -2257,7 +2988,7 @@
           <a:p>
             <a:pPr lvl="0"/>
             <a:r>
-              <a:rPr lang="hu-HU" smtClean="0"/>
+              <a:rPr lang="hu-HU"/>
               <a:t>Mintaszöveg szerkesztése</a:t>
             </a:r>
           </a:p>
@@ -2280,7 +3011,7 @@
           <a:p>
             <a:fld id="{0E7BCDEB-B544-4B97-B02A-35ABC5E91DA2}" type="datetimeFigureOut">
               <a:rPr lang="hu-HU" smtClean="0"/>
-              <a:t>2021. 05. 08.</a:t>
+              <a:t>2021. 05. 12.</a:t>
             </a:fld>
             <a:endParaRPr lang="hu-HU"/>
           </a:p>
@@ -2378,7 +3109,7 @@
           </a:lstStyle>
           <a:p>
             <a:r>
-              <a:rPr lang="hu-HU" smtClean="0"/>
+              <a:rPr lang="hu-HU"/>
               <a:t>Mintacím szerkesztése</a:t>
             </a:r>
             <a:endParaRPr lang="en-US" dirty="0"/>
@@ -2402,35 +3133,35 @@
           <a:p>
             <a:pPr lvl="0"/>
             <a:r>
-              <a:rPr lang="hu-HU" smtClean="0"/>
+              <a:rPr lang="hu-HU"/>
               <a:t>Mintaszöveg szerkesztése</a:t>
             </a:r>
           </a:p>
           <a:p>
             <a:pPr lvl="1"/>
             <a:r>
-              <a:rPr lang="hu-HU" smtClean="0"/>
+              <a:rPr lang="hu-HU"/>
               <a:t>Második szint</a:t>
             </a:r>
           </a:p>
           <a:p>
             <a:pPr lvl="2"/>
             <a:r>
-              <a:rPr lang="hu-HU" smtClean="0"/>
+              <a:rPr lang="hu-HU"/>
               <a:t>Harmadik szint</a:t>
             </a:r>
           </a:p>
           <a:p>
             <a:pPr lvl="3"/>
             <a:r>
-              <a:rPr lang="hu-HU" smtClean="0"/>
+              <a:rPr lang="hu-HU"/>
               <a:t>Negyedik szint</a:t>
             </a:r>
           </a:p>
           <a:p>
             <a:pPr lvl="4"/>
             <a:r>
-              <a:rPr lang="hu-HU" smtClean="0"/>
+              <a:rPr lang="hu-HU"/>
               <a:t>Ötödik szint</a:t>
             </a:r>
             <a:endParaRPr lang="en-US" dirty="0"/>
@@ -2454,7 +3185,7 @@
           <a:p>
             <a:fld id="{0E7BCDEB-B544-4B97-B02A-35ABC5E91DA2}" type="datetimeFigureOut">
               <a:rPr lang="hu-HU" smtClean="0"/>
-              <a:t>2021. 05. 08.</a:t>
+              <a:t>2021. 05. 12.</a:t>
             </a:fld>
             <a:endParaRPr lang="hu-HU"/>
           </a:p>
@@ -2553,7 +3284,7 @@
           <a:lstStyle/>
           <a:p>
             <a:r>
-              <a:rPr lang="hu-HU" smtClean="0"/>
+              <a:rPr lang="hu-HU"/>
               <a:t>Mintacím szerkesztése</a:t>
             </a:r>
             <a:endParaRPr lang="en-US" dirty="0"/>
@@ -2582,35 +3313,35 @@
           <a:p>
             <a:pPr lvl="0"/>
             <a:r>
-              <a:rPr lang="hu-HU" smtClean="0"/>
+              <a:rPr lang="hu-HU"/>
               <a:t>Mintaszöveg szerkesztése</a:t>
             </a:r>
           </a:p>
           <a:p>
             <a:pPr lvl="1"/>
             <a:r>
-              <a:rPr lang="hu-HU" smtClean="0"/>
+              <a:rPr lang="hu-HU"/>
               <a:t>Második szint</a:t>
             </a:r>
           </a:p>
           <a:p>
             <a:pPr lvl="2"/>
             <a:r>
-              <a:rPr lang="hu-HU" smtClean="0"/>
+              <a:rPr lang="hu-HU"/>
               <a:t>Harmadik szint</a:t>
             </a:r>
           </a:p>
           <a:p>
             <a:pPr lvl="3"/>
             <a:r>
-              <a:rPr lang="hu-HU" smtClean="0"/>
+              <a:rPr lang="hu-HU"/>
               <a:t>Negyedik szint</a:t>
             </a:r>
           </a:p>
           <a:p>
             <a:pPr lvl="4"/>
             <a:r>
-              <a:rPr lang="hu-HU" smtClean="0"/>
+              <a:rPr lang="hu-HU"/>
               <a:t>Ötödik szint</a:t>
             </a:r>
             <a:endParaRPr lang="en-US" dirty="0"/>
@@ -2634,7 +3365,7 @@
           <a:p>
             <a:fld id="{0E7BCDEB-B544-4B97-B02A-35ABC5E91DA2}" type="datetimeFigureOut">
               <a:rPr lang="hu-HU" smtClean="0"/>
-              <a:t>2021. 05. 08.</a:t>
+              <a:t>2021. 05. 12.</a:t>
             </a:fld>
             <a:endParaRPr lang="hu-HU"/>
           </a:p>
@@ -2728,7 +3459,7 @@
           <a:lstStyle/>
           <a:p>
             <a:r>
-              <a:rPr lang="hu-HU" smtClean="0"/>
+              <a:rPr lang="hu-HU"/>
               <a:t>Mintacím szerkesztése</a:t>
             </a:r>
             <a:endParaRPr lang="en-US" dirty="0"/>
@@ -2752,35 +3483,35 @@
           <a:p>
             <a:pPr lvl="0"/>
             <a:r>
-              <a:rPr lang="hu-HU" smtClean="0"/>
+              <a:rPr lang="hu-HU"/>
               <a:t>Mintaszöveg szerkesztése</a:t>
             </a:r>
           </a:p>
           <a:p>
             <a:pPr lvl="1"/>
             <a:r>
-              <a:rPr lang="hu-HU" smtClean="0"/>
+              <a:rPr lang="hu-HU"/>
               <a:t>Második szint</a:t>
             </a:r>
           </a:p>
           <a:p>
             <a:pPr lvl="2"/>
             <a:r>
-              <a:rPr lang="hu-HU" smtClean="0"/>
+              <a:rPr lang="hu-HU"/>
               <a:t>Harmadik szint</a:t>
             </a:r>
           </a:p>
           <a:p>
             <a:pPr lvl="3"/>
             <a:r>
-              <a:rPr lang="hu-HU" smtClean="0"/>
+              <a:rPr lang="hu-HU"/>
               <a:t>Negyedik szint</a:t>
             </a:r>
           </a:p>
           <a:p>
             <a:pPr lvl="4"/>
             <a:r>
-              <a:rPr lang="hu-HU" smtClean="0"/>
+              <a:rPr lang="hu-HU"/>
               <a:t>Ötödik szint</a:t>
             </a:r>
             <a:endParaRPr lang="en-US" dirty="0"/>
@@ -2804,7 +3535,7 @@
           <a:p>
             <a:fld id="{0E7BCDEB-B544-4B97-B02A-35ABC5E91DA2}" type="datetimeFigureOut">
               <a:rPr lang="hu-HU" smtClean="0"/>
-              <a:t>2021. 05. 08.</a:t>
+              <a:t>2021. 05. 12.</a:t>
             </a:fld>
             <a:endParaRPr lang="hu-HU"/>
           </a:p>
@@ -2909,7 +3640,7 @@
           </a:lstStyle>
           <a:p>
             <a:r>
-              <a:rPr lang="hu-HU" smtClean="0"/>
+              <a:rPr lang="hu-HU"/>
               <a:t>Mintacím szerkesztése</a:t>
             </a:r>
             <a:endParaRPr lang="en-US" dirty="0"/>
@@ -3031,7 +3762,7 @@
           <a:p>
             <a:pPr lvl="0"/>
             <a:r>
-              <a:rPr lang="hu-HU" smtClean="0"/>
+              <a:rPr lang="hu-HU"/>
               <a:t>Mintaszöveg szerkesztése</a:t>
             </a:r>
           </a:p>
@@ -3054,7 +3785,7 @@
           <a:p>
             <a:fld id="{0E7BCDEB-B544-4B97-B02A-35ABC5E91DA2}" type="datetimeFigureOut">
               <a:rPr lang="hu-HU" smtClean="0"/>
-              <a:t>2021. 05. 08.</a:t>
+              <a:t>2021. 05. 12.</a:t>
             </a:fld>
             <a:endParaRPr lang="hu-HU"/>
           </a:p>
@@ -3148,7 +3879,7 @@
           <a:lstStyle/>
           <a:p>
             <a:r>
-              <a:rPr lang="hu-HU" smtClean="0"/>
+              <a:rPr lang="hu-HU"/>
               <a:t>Mintacím szerkesztése</a:t>
             </a:r>
             <a:endParaRPr lang="en-US" dirty="0"/>
@@ -3179,35 +3910,35 @@
           <a:p>
             <a:pPr lvl="0"/>
             <a:r>
-              <a:rPr lang="hu-HU" smtClean="0"/>
+              <a:rPr lang="hu-HU"/>
               <a:t>Mintaszöveg szerkesztése</a:t>
             </a:r>
           </a:p>
           <a:p>
             <a:pPr lvl="1"/>
             <a:r>
-              <a:rPr lang="hu-HU" smtClean="0"/>
+              <a:rPr lang="hu-HU"/>
               <a:t>Második szint</a:t>
             </a:r>
           </a:p>
           <a:p>
             <a:pPr lvl="2"/>
             <a:r>
-              <a:rPr lang="hu-HU" smtClean="0"/>
+              <a:rPr lang="hu-HU"/>
               <a:t>Harmadik szint</a:t>
             </a:r>
           </a:p>
           <a:p>
             <a:pPr lvl="3"/>
             <a:r>
-              <a:rPr lang="hu-HU" smtClean="0"/>
+              <a:rPr lang="hu-HU"/>
               <a:t>Negyedik szint</a:t>
             </a:r>
           </a:p>
           <a:p>
             <a:pPr lvl="4"/>
             <a:r>
-              <a:rPr lang="hu-HU" smtClean="0"/>
+              <a:rPr lang="hu-HU"/>
               <a:t>Ötödik szint</a:t>
             </a:r>
             <a:endParaRPr lang="en-US" dirty="0"/>
@@ -3238,35 +3969,35 @@
           <a:p>
             <a:pPr lvl="0"/>
             <a:r>
-              <a:rPr lang="hu-HU" smtClean="0"/>
+              <a:rPr lang="hu-HU"/>
               <a:t>Mintaszöveg szerkesztése</a:t>
             </a:r>
           </a:p>
           <a:p>
             <a:pPr lvl="1"/>
             <a:r>
-              <a:rPr lang="hu-HU" smtClean="0"/>
+              <a:rPr lang="hu-HU"/>
               <a:t>Második szint</a:t>
             </a:r>
           </a:p>
           <a:p>
             <a:pPr lvl="2"/>
             <a:r>
-              <a:rPr lang="hu-HU" smtClean="0"/>
+              <a:rPr lang="hu-HU"/>
               <a:t>Harmadik szint</a:t>
             </a:r>
           </a:p>
           <a:p>
             <a:pPr lvl="3"/>
             <a:r>
-              <a:rPr lang="hu-HU" smtClean="0"/>
+              <a:rPr lang="hu-HU"/>
               <a:t>Negyedik szint</a:t>
             </a:r>
           </a:p>
           <a:p>
             <a:pPr lvl="4"/>
             <a:r>
-              <a:rPr lang="hu-HU" smtClean="0"/>
+              <a:rPr lang="hu-HU"/>
               <a:t>Ötödik szint</a:t>
             </a:r>
             <a:endParaRPr lang="en-US" dirty="0"/>
@@ -3290,7 +4021,7 @@
           <a:p>
             <a:fld id="{0E7BCDEB-B544-4B97-B02A-35ABC5E91DA2}" type="datetimeFigureOut">
               <a:rPr lang="hu-HU" smtClean="0"/>
-              <a:t>2021. 05. 08.</a:t>
+              <a:t>2021. 05. 12.</a:t>
             </a:fld>
             <a:endParaRPr lang="hu-HU"/>
           </a:p>
@@ -3388,7 +4119,7 @@
           </a:lstStyle>
           <a:p>
             <a:r>
-              <a:rPr lang="hu-HU" smtClean="0"/>
+              <a:rPr lang="hu-HU"/>
               <a:t>Mintacím szerkesztése</a:t>
             </a:r>
             <a:endParaRPr lang="en-US" dirty="0"/>
@@ -3460,7 +4191,7 @@
           <a:p>
             <a:pPr lvl="0"/>
             <a:r>
-              <a:rPr lang="hu-HU" smtClean="0"/>
+              <a:rPr lang="hu-HU"/>
               <a:t>Mintaszöveg szerkesztése</a:t>
             </a:r>
           </a:p>
@@ -3490,35 +4221,35 @@
           <a:p>
             <a:pPr lvl="0"/>
             <a:r>
-              <a:rPr lang="hu-HU" smtClean="0"/>
+              <a:rPr lang="hu-HU"/>
               <a:t>Mintaszöveg szerkesztése</a:t>
             </a:r>
           </a:p>
           <a:p>
             <a:pPr lvl="1"/>
             <a:r>
-              <a:rPr lang="hu-HU" smtClean="0"/>
+              <a:rPr lang="hu-HU"/>
               <a:t>Második szint</a:t>
             </a:r>
           </a:p>
           <a:p>
             <a:pPr lvl="2"/>
             <a:r>
-              <a:rPr lang="hu-HU" smtClean="0"/>
+              <a:rPr lang="hu-HU"/>
               <a:t>Harmadik szint</a:t>
             </a:r>
           </a:p>
           <a:p>
             <a:pPr lvl="3"/>
             <a:r>
-              <a:rPr lang="hu-HU" smtClean="0"/>
+              <a:rPr lang="hu-HU"/>
               <a:t>Negyedik szint</a:t>
             </a:r>
           </a:p>
           <a:p>
             <a:pPr lvl="4"/>
             <a:r>
-              <a:rPr lang="hu-HU" smtClean="0"/>
+              <a:rPr lang="hu-HU"/>
               <a:t>Ötödik szint</a:t>
             </a:r>
             <a:endParaRPr lang="en-US" dirty="0"/>
@@ -3590,7 +4321,7 @@
           <a:p>
             <a:pPr lvl="0"/>
             <a:r>
-              <a:rPr lang="hu-HU" smtClean="0"/>
+              <a:rPr lang="hu-HU"/>
               <a:t>Mintaszöveg szerkesztése</a:t>
             </a:r>
           </a:p>
@@ -3620,35 +4351,35 @@
           <a:p>
             <a:pPr lvl="0"/>
             <a:r>
-              <a:rPr lang="hu-HU" smtClean="0"/>
+              <a:rPr lang="hu-HU"/>
               <a:t>Mintaszöveg szerkesztése</a:t>
             </a:r>
           </a:p>
           <a:p>
             <a:pPr lvl="1"/>
             <a:r>
-              <a:rPr lang="hu-HU" smtClean="0"/>
+              <a:rPr lang="hu-HU"/>
               <a:t>Második szint</a:t>
             </a:r>
           </a:p>
           <a:p>
             <a:pPr lvl="2"/>
             <a:r>
-              <a:rPr lang="hu-HU" smtClean="0"/>
+              <a:rPr lang="hu-HU"/>
               <a:t>Harmadik szint</a:t>
             </a:r>
           </a:p>
           <a:p>
             <a:pPr lvl="3"/>
             <a:r>
-              <a:rPr lang="hu-HU" smtClean="0"/>
+              <a:rPr lang="hu-HU"/>
               <a:t>Negyedik szint</a:t>
             </a:r>
           </a:p>
           <a:p>
             <a:pPr lvl="4"/>
             <a:r>
-              <a:rPr lang="hu-HU" smtClean="0"/>
+              <a:rPr lang="hu-HU"/>
               <a:t>Ötödik szint</a:t>
             </a:r>
             <a:endParaRPr lang="en-US" dirty="0"/>
@@ -3672,7 +4403,7 @@
           <a:p>
             <a:fld id="{0E7BCDEB-B544-4B97-B02A-35ABC5E91DA2}" type="datetimeFigureOut">
               <a:rPr lang="hu-HU" smtClean="0"/>
-              <a:t>2021. 05. 08.</a:t>
+              <a:t>2021. 05. 12.</a:t>
             </a:fld>
             <a:endParaRPr lang="hu-HU"/>
           </a:p>
@@ -3766,7 +4497,7 @@
           <a:lstStyle/>
           <a:p>
             <a:r>
-              <a:rPr lang="hu-HU" smtClean="0"/>
+              <a:rPr lang="hu-HU"/>
               <a:t>Mintacím szerkesztése</a:t>
             </a:r>
             <a:endParaRPr lang="en-US" dirty="0"/>
@@ -3790,7 +4521,7 @@
           <a:p>
             <a:fld id="{0E7BCDEB-B544-4B97-B02A-35ABC5E91DA2}" type="datetimeFigureOut">
               <a:rPr lang="hu-HU" smtClean="0"/>
-              <a:t>2021. 05. 08.</a:t>
+              <a:t>2021. 05. 12.</a:t>
             </a:fld>
             <a:endParaRPr lang="hu-HU"/>
           </a:p>
@@ -3885,7 +4616,7 @@
           <a:p>
             <a:fld id="{0E7BCDEB-B544-4B97-B02A-35ABC5E91DA2}" type="datetimeFigureOut">
               <a:rPr lang="hu-HU" smtClean="0"/>
-              <a:t>2021. 05. 08.</a:t>
+              <a:t>2021. 05. 12.</a:t>
             </a:fld>
             <a:endParaRPr lang="hu-HU"/>
           </a:p>
@@ -3990,7 +4721,7 @@
           </a:lstStyle>
           <a:p>
             <a:r>
-              <a:rPr lang="hu-HU" smtClean="0"/>
+              <a:rPr lang="hu-HU"/>
               <a:t>Mintacím szerkesztése</a:t>
             </a:r>
             <a:endParaRPr lang="en-US" dirty="0"/>
@@ -4021,35 +4752,35 @@
           <a:p>
             <a:pPr lvl="0"/>
             <a:r>
-              <a:rPr lang="hu-HU" smtClean="0"/>
+              <a:rPr lang="hu-HU"/>
               <a:t>Mintaszöveg szerkesztése</a:t>
             </a:r>
           </a:p>
           <a:p>
             <a:pPr lvl="1"/>
             <a:r>
-              <a:rPr lang="hu-HU" smtClean="0"/>
+              <a:rPr lang="hu-HU"/>
               <a:t>Második szint</a:t>
             </a:r>
           </a:p>
           <a:p>
             <a:pPr lvl="2"/>
             <a:r>
-              <a:rPr lang="hu-HU" smtClean="0"/>
+              <a:rPr lang="hu-HU"/>
               <a:t>Harmadik szint</a:t>
             </a:r>
           </a:p>
           <a:p>
             <a:pPr lvl="3"/>
             <a:r>
-              <a:rPr lang="hu-HU" smtClean="0"/>
+              <a:rPr lang="hu-HU"/>
               <a:t>Negyedik szint</a:t>
             </a:r>
           </a:p>
           <a:p>
             <a:pPr lvl="4"/>
             <a:r>
-              <a:rPr lang="hu-HU" smtClean="0"/>
+              <a:rPr lang="hu-HU"/>
               <a:t>Ötödik szint</a:t>
             </a:r>
             <a:endParaRPr lang="en-US" dirty="0"/>
@@ -4117,7 +4848,7 @@
           <a:p>
             <a:pPr lvl="0"/>
             <a:r>
-              <a:rPr lang="hu-HU" smtClean="0"/>
+              <a:rPr lang="hu-HU"/>
               <a:t>Mintaszöveg szerkesztése</a:t>
             </a:r>
           </a:p>
@@ -4140,7 +4871,7 @@
           <a:p>
             <a:fld id="{0E7BCDEB-B544-4B97-B02A-35ABC5E91DA2}" type="datetimeFigureOut">
               <a:rPr lang="hu-HU" smtClean="0"/>
-              <a:t>2021. 05. 08.</a:t>
+              <a:t>2021. 05. 12.</a:t>
             </a:fld>
             <a:endParaRPr lang="hu-HU"/>
           </a:p>
@@ -4245,7 +4976,7 @@
           </a:lstStyle>
           <a:p>
             <a:r>
-              <a:rPr lang="hu-HU" smtClean="0"/>
+              <a:rPr lang="hu-HU"/>
               <a:t>Mintacím szerkesztése</a:t>
             </a:r>
             <a:endParaRPr lang="en-US" dirty="0"/>
@@ -4332,7 +5063,7 @@
           </a:lstStyle>
           <a:p>
             <a:r>
-              <a:rPr lang="hu-HU" smtClean="0"/>
+              <a:rPr lang="hu-HU"/>
               <a:t>Kép beszúrásához kattintson az ikonra</a:t>
             </a:r>
             <a:endParaRPr lang="en-US" dirty="0"/>
@@ -4400,7 +5131,7 @@
           <a:p>
             <a:pPr lvl="0"/>
             <a:r>
-              <a:rPr lang="hu-HU" smtClean="0"/>
+              <a:rPr lang="hu-HU"/>
               <a:t>Mintaszöveg szerkesztése</a:t>
             </a:r>
           </a:p>
@@ -4423,7 +5154,7 @@
           <a:p>
             <a:fld id="{0E7BCDEB-B544-4B97-B02A-35ABC5E91DA2}" type="datetimeFigureOut">
               <a:rPr lang="hu-HU" smtClean="0"/>
-              <a:t>2021. 05. 08.</a:t>
+              <a:t>2021. 05. 12.</a:t>
             </a:fld>
             <a:endParaRPr lang="hu-HU"/>
           </a:p>
@@ -4723,7 +5454,7 @@
           <a:lstStyle/>
           <a:p>
             <a:r>
-              <a:rPr lang="hu-HU" smtClean="0"/>
+              <a:rPr lang="hu-HU"/>
               <a:t>Mintacím szerkesztése</a:t>
             </a:r>
             <a:endParaRPr lang="en-US" dirty="0"/>
@@ -4757,35 +5488,35 @@
           <a:p>
             <a:pPr lvl="0"/>
             <a:r>
-              <a:rPr lang="hu-HU" smtClean="0"/>
+              <a:rPr lang="hu-HU"/>
               <a:t>Mintaszöveg szerkesztése</a:t>
             </a:r>
           </a:p>
           <a:p>
             <a:pPr lvl="1"/>
             <a:r>
-              <a:rPr lang="hu-HU" smtClean="0"/>
+              <a:rPr lang="hu-HU"/>
               <a:t>Második szint</a:t>
             </a:r>
           </a:p>
           <a:p>
             <a:pPr lvl="2"/>
             <a:r>
-              <a:rPr lang="hu-HU" smtClean="0"/>
+              <a:rPr lang="hu-HU"/>
               <a:t>Harmadik szint</a:t>
             </a:r>
           </a:p>
           <a:p>
             <a:pPr lvl="3"/>
             <a:r>
-              <a:rPr lang="hu-HU" smtClean="0"/>
+              <a:rPr lang="hu-HU"/>
               <a:t>Negyedik szint</a:t>
             </a:r>
           </a:p>
           <a:p>
             <a:pPr lvl="4"/>
             <a:r>
-              <a:rPr lang="hu-HU" smtClean="0"/>
+              <a:rPr lang="hu-HU"/>
               <a:t>Ötödik szint</a:t>
             </a:r>
             <a:endParaRPr lang="en-US" dirty="0"/>
@@ -4829,7 +5560,7 @@
           <a:p>
             <a:fld id="{0E7BCDEB-B544-4B97-B02A-35ABC5E91DA2}" type="datetimeFigureOut">
               <a:rPr lang="hu-HU" smtClean="0"/>
-              <a:t>2021. 05. 08.</a:t>
+              <a:t>2021. 05. 12.</a:t>
             </a:fld>
             <a:endParaRPr lang="hu-HU"/>
           </a:p>
@@ -5494,7 +6225,7 @@
           <a:lstStyle/>
           <a:p>
             <a:r>
-              <a:rPr lang="hu-HU" dirty="0" smtClean="0"/>
+              <a:rPr lang="hu-HU" dirty="0"/>
               <a:t>2021.05.XX</a:t>
             </a:r>
           </a:p>
@@ -5504,6 +6235,537 @@
     <p:extLst>
       <p:ext uri="{BB962C8B-B14F-4D97-AF65-F5344CB8AC3E}">
         <p14:creationId xmlns:p14="http://schemas.microsoft.com/office/powerpoint/2010/main" val="1310951588"/>
+      </p:ext>
+    </p:extLst>
+  </p:cSld>
+  <p:clrMapOvr>
+    <a:masterClrMapping/>
+  </p:clrMapOvr>
+</p:sld>
+</file>
+
+<file path=ppt/slides/slide10.xml><?xml version="1.0" encoding="utf-8"?>
+<p:sld xmlns:a="http://schemas.openxmlformats.org/drawingml/2006/main" xmlns:r="http://schemas.openxmlformats.org/officeDocument/2006/relationships" xmlns:p="http://schemas.openxmlformats.org/presentationml/2006/main">
+  <p:cSld>
+    <p:spTree>
+      <p:nvGrpSpPr>
+        <p:cNvPr id="1" name=""/>
+        <p:cNvGrpSpPr/>
+        <p:nvPr/>
+      </p:nvGrpSpPr>
+      <p:grpSpPr>
+        <a:xfrm>
+          <a:off x="0" y="0"/>
+          <a:ext cx="0" cy="0"/>
+          <a:chOff x="0" y="0"/>
+          <a:chExt cx="0" cy="0"/>
+        </a:xfrm>
+      </p:grpSpPr>
+      <p:sp>
+        <p:nvSpPr>
+          <p:cNvPr id="2" name="Cím 1">
+            <a:extLst>
+              <a:ext uri="{FF2B5EF4-FFF2-40B4-BE49-F238E27FC236}">
+                <a16:creationId xmlns:a16="http://schemas.microsoft.com/office/drawing/2014/main" id="{20AF3561-5CDB-45B5-9E25-BAB53346B47D}"/>
+              </a:ext>
+            </a:extLst>
+          </p:cNvPr>
+          <p:cNvSpPr>
+            <a:spLocks noGrp="1"/>
+          </p:cNvSpPr>
+          <p:nvPr>
+            <p:ph type="title"/>
+          </p:nvPr>
+        </p:nvSpPr>
+        <p:spPr>
+          <a:xfrm>
+            <a:off x="1828800" y="-107949"/>
+            <a:ext cx="8534400" cy="1507067"/>
+          </a:xfrm>
+        </p:spPr>
+        <p:txBody>
+          <a:bodyPr>
+            <a:normAutofit/>
+          </a:bodyPr>
+          <a:lstStyle/>
+          <a:p>
+            <a:pPr algn="ctr"/>
+            <a:r>
+              <a:rPr lang="hu-HU" sz="2800" dirty="0"/>
+              <a:t>A termékek fülre átkattintva</a:t>
+            </a:r>
+          </a:p>
+        </p:txBody>
+      </p:sp>
+      <p:pic>
+        <p:nvPicPr>
+          <p:cNvPr id="5" name="Kép 4">
+            <a:extLst>
+              <a:ext uri="{FF2B5EF4-FFF2-40B4-BE49-F238E27FC236}">
+                <a16:creationId xmlns:a16="http://schemas.microsoft.com/office/drawing/2014/main" id="{9EF56382-762E-4A44-B5F1-A36A0570DFA4}"/>
+              </a:ext>
+            </a:extLst>
+          </p:cNvPr>
+          <p:cNvPicPr>
+            <a:picLocks noChangeAspect="1"/>
+          </p:cNvPicPr>
+          <p:nvPr/>
+        </p:nvPicPr>
+        <p:blipFill>
+          <a:blip r:embed="rId2"/>
+          <a:stretch>
+            <a:fillRect/>
+          </a:stretch>
+        </p:blipFill>
+        <p:spPr>
+          <a:xfrm>
+            <a:off x="1762121" y="1399118"/>
+            <a:ext cx="6972300" cy="5124450"/>
+          </a:xfrm>
+          <a:prstGeom prst="rect">
+            <a:avLst/>
+          </a:prstGeom>
+        </p:spPr>
+      </p:pic>
+      <p:sp>
+        <p:nvSpPr>
+          <p:cNvPr id="6" name="Szövegdoboz 5">
+            <a:extLst>
+              <a:ext uri="{FF2B5EF4-FFF2-40B4-BE49-F238E27FC236}">
+                <a16:creationId xmlns:a16="http://schemas.microsoft.com/office/drawing/2014/main" id="{5FF6DECE-E3D4-46FE-98B6-FB15DA685095}"/>
+              </a:ext>
+            </a:extLst>
+          </p:cNvPr>
+          <p:cNvSpPr txBox="1"/>
+          <p:nvPr/>
+        </p:nvSpPr>
+        <p:spPr>
+          <a:xfrm>
+            <a:off x="0" y="3001238"/>
+            <a:ext cx="1817561" cy="1138773"/>
+          </a:xfrm>
+          <a:prstGeom prst="rect">
+            <a:avLst/>
+          </a:prstGeom>
+          <a:noFill/>
+        </p:spPr>
+        <p:txBody>
+          <a:bodyPr wrap="square" rtlCol="0">
+            <a:spAutoFit/>
+          </a:bodyPr>
+          <a:lstStyle/>
+          <a:p>
+            <a:r>
+              <a:rPr lang="hu-HU" sz="1700" dirty="0">
+                <a:solidFill>
+                  <a:schemeClr val="bg1"/>
+                </a:solidFill>
+              </a:rPr>
+              <a:t>A program automatikusan kilistázza a termékeket</a:t>
+            </a:r>
+          </a:p>
+        </p:txBody>
+      </p:sp>
+      <p:sp>
+        <p:nvSpPr>
+          <p:cNvPr id="7" name="Beszédbuborék: ellipszis 6">
+            <a:extLst>
+              <a:ext uri="{FF2B5EF4-FFF2-40B4-BE49-F238E27FC236}">
+                <a16:creationId xmlns:a16="http://schemas.microsoft.com/office/drawing/2014/main" id="{9A267716-8274-4B45-8D14-5A60B5022D28}"/>
+              </a:ext>
+            </a:extLst>
+          </p:cNvPr>
+          <p:cNvSpPr/>
+          <p:nvPr/>
+        </p:nvSpPr>
+        <p:spPr>
+          <a:xfrm>
+            <a:off x="9077321" y="3767015"/>
+            <a:ext cx="3009901" cy="2910007"/>
+          </a:xfrm>
+          <a:prstGeom prst="wedgeEllipseCallout">
+            <a:avLst>
+              <a:gd name="adj1" fmla="val -70720"/>
+              <a:gd name="adj2" fmla="val 31492"/>
+            </a:avLst>
+          </a:prstGeom>
+          <a:noFill/>
+          <a:ln>
+            <a:solidFill>
+              <a:schemeClr val="tx1"/>
+            </a:solidFill>
+          </a:ln>
+        </p:spPr>
+        <p:style>
+          <a:lnRef idx="2">
+            <a:schemeClr val="accent1">
+              <a:shade val="50000"/>
+            </a:schemeClr>
+          </a:lnRef>
+          <a:fillRef idx="1">
+            <a:schemeClr val="accent1"/>
+          </a:fillRef>
+          <a:effectRef idx="0">
+            <a:schemeClr val="accent1"/>
+          </a:effectRef>
+          <a:fontRef idx="minor">
+            <a:schemeClr val="lt1"/>
+          </a:fontRef>
+        </p:style>
+        <p:txBody>
+          <a:bodyPr rtlCol="0" anchor="ctr"/>
+          <a:lstStyle/>
+          <a:p>
+            <a:pPr algn="ctr"/>
+            <a:endParaRPr lang="hu-HU"/>
+          </a:p>
+        </p:txBody>
+      </p:sp>
+      <p:sp>
+        <p:nvSpPr>
+          <p:cNvPr id="8" name="Szövegdoboz 7">
+            <a:extLst>
+              <a:ext uri="{FF2B5EF4-FFF2-40B4-BE49-F238E27FC236}">
+                <a16:creationId xmlns:a16="http://schemas.microsoft.com/office/drawing/2014/main" id="{870BD51D-0C29-4BE0-9ED6-4410A28FC1CC}"/>
+              </a:ext>
+            </a:extLst>
+          </p:cNvPr>
+          <p:cNvSpPr txBox="1"/>
+          <p:nvPr/>
+        </p:nvSpPr>
+        <p:spPr>
+          <a:xfrm>
+            <a:off x="9153520" y="4206355"/>
+            <a:ext cx="2857502" cy="2031325"/>
+          </a:xfrm>
+          <a:prstGeom prst="rect">
+            <a:avLst/>
+          </a:prstGeom>
+          <a:noFill/>
+        </p:spPr>
+        <p:txBody>
+          <a:bodyPr wrap="square" rtlCol="0">
+            <a:spAutoFit/>
+          </a:bodyPr>
+          <a:lstStyle/>
+          <a:p>
+            <a:pPr algn="ctr"/>
+            <a:r>
+              <a:rPr lang="hu-HU" dirty="0">
+                <a:solidFill>
+                  <a:schemeClr val="bg1"/>
+                </a:solidFill>
+              </a:rPr>
+              <a:t>Ha kiválasztottuk a kategóriák illetve megadtunk a hozzáadni kívánt terméket a gomra kattintva hozzáadódik az adatbázishoz</a:t>
+            </a:r>
+          </a:p>
+        </p:txBody>
+      </p:sp>
+      <p:sp>
+        <p:nvSpPr>
+          <p:cNvPr id="9" name="Beszédbuborék: ellipszis 8">
+            <a:extLst>
+              <a:ext uri="{FF2B5EF4-FFF2-40B4-BE49-F238E27FC236}">
+                <a16:creationId xmlns:a16="http://schemas.microsoft.com/office/drawing/2014/main" id="{87E8794E-8CAE-495E-8227-987D30184B7D}"/>
+              </a:ext>
+            </a:extLst>
+          </p:cNvPr>
+          <p:cNvSpPr/>
+          <p:nvPr/>
+        </p:nvSpPr>
+        <p:spPr>
+          <a:xfrm>
+            <a:off x="10277475" y="2124075"/>
+            <a:ext cx="1543050" cy="1507067"/>
+          </a:xfrm>
+          <a:prstGeom prst="wedgeEllipseCallout">
+            <a:avLst>
+              <a:gd name="adj1" fmla="val -163576"/>
+              <a:gd name="adj2" fmla="val 46699"/>
+            </a:avLst>
+          </a:prstGeom>
+          <a:noFill/>
+          <a:ln>
+            <a:solidFill>
+              <a:schemeClr val="tx1"/>
+            </a:solidFill>
+          </a:ln>
+        </p:spPr>
+        <p:style>
+          <a:lnRef idx="2">
+            <a:schemeClr val="accent1">
+              <a:shade val="50000"/>
+            </a:schemeClr>
+          </a:lnRef>
+          <a:fillRef idx="1">
+            <a:schemeClr val="accent1"/>
+          </a:fillRef>
+          <a:effectRef idx="0">
+            <a:schemeClr val="accent1"/>
+          </a:effectRef>
+          <a:fontRef idx="minor">
+            <a:schemeClr val="lt1"/>
+          </a:fontRef>
+        </p:style>
+        <p:txBody>
+          <a:bodyPr rtlCol="0" anchor="ctr"/>
+          <a:lstStyle/>
+          <a:p>
+            <a:pPr algn="ctr"/>
+            <a:endParaRPr lang="hu-HU"/>
+          </a:p>
+        </p:txBody>
+      </p:sp>
+      <p:sp>
+        <p:nvSpPr>
+          <p:cNvPr id="10" name="Szövegdoboz 9">
+            <a:extLst>
+              <a:ext uri="{FF2B5EF4-FFF2-40B4-BE49-F238E27FC236}">
+                <a16:creationId xmlns:a16="http://schemas.microsoft.com/office/drawing/2014/main" id="{79E80DCE-4D9A-4206-934B-FBA2987A540D}"/>
+              </a:ext>
+            </a:extLst>
+          </p:cNvPr>
+          <p:cNvSpPr txBox="1"/>
+          <p:nvPr/>
+        </p:nvSpPr>
+        <p:spPr>
+          <a:xfrm>
+            <a:off x="10277474" y="2124075"/>
+            <a:ext cx="1543051" cy="1754326"/>
+          </a:xfrm>
+          <a:prstGeom prst="rect">
+            <a:avLst/>
+          </a:prstGeom>
+          <a:noFill/>
+        </p:spPr>
+        <p:txBody>
+          <a:bodyPr wrap="square" rtlCol="0">
+            <a:spAutoFit/>
+          </a:bodyPr>
+          <a:lstStyle/>
+          <a:p>
+            <a:pPr algn="ctr"/>
+            <a:r>
+              <a:rPr lang="hu-HU" sz="1800" dirty="0">
+                <a:solidFill>
+                  <a:schemeClr val="bg1"/>
+                </a:solidFill>
+              </a:rPr>
+              <a:t>A kiválasztott terméket tudjuk törölni</a:t>
+            </a:r>
+          </a:p>
+          <a:p>
+            <a:endParaRPr lang="hu-HU" dirty="0"/>
+          </a:p>
+        </p:txBody>
+      </p:sp>
+      <p:sp>
+        <p:nvSpPr>
+          <p:cNvPr id="11" name="Beszédbuborék: ellipszis 10">
+            <a:extLst>
+              <a:ext uri="{FF2B5EF4-FFF2-40B4-BE49-F238E27FC236}">
+                <a16:creationId xmlns:a16="http://schemas.microsoft.com/office/drawing/2014/main" id="{9AC47EB9-08EF-4E05-95C3-FA83C144B934}"/>
+              </a:ext>
+            </a:extLst>
+          </p:cNvPr>
+          <p:cNvSpPr/>
+          <p:nvPr/>
+        </p:nvSpPr>
+        <p:spPr>
+          <a:xfrm>
+            <a:off x="9401175" y="617008"/>
+            <a:ext cx="1762125" cy="1507067"/>
+          </a:xfrm>
+          <a:prstGeom prst="wedgeEllipseCallout">
+            <a:avLst>
+              <a:gd name="adj1" fmla="val -99788"/>
+              <a:gd name="adj2" fmla="val 118304"/>
+            </a:avLst>
+          </a:prstGeom>
+          <a:noFill/>
+          <a:ln>
+            <a:solidFill>
+              <a:schemeClr val="tx1"/>
+            </a:solidFill>
+          </a:ln>
+        </p:spPr>
+        <p:style>
+          <a:lnRef idx="2">
+            <a:schemeClr val="accent1">
+              <a:shade val="50000"/>
+            </a:schemeClr>
+          </a:lnRef>
+          <a:fillRef idx="1">
+            <a:schemeClr val="accent1"/>
+          </a:fillRef>
+          <a:effectRef idx="0">
+            <a:schemeClr val="accent1"/>
+          </a:effectRef>
+          <a:fontRef idx="minor">
+            <a:schemeClr val="lt1"/>
+          </a:fontRef>
+        </p:style>
+        <p:txBody>
+          <a:bodyPr rtlCol="0" anchor="ctr"/>
+          <a:lstStyle/>
+          <a:p>
+            <a:pPr algn="ctr"/>
+            <a:endParaRPr lang="hu-HU"/>
+          </a:p>
+        </p:txBody>
+      </p:sp>
+      <p:sp>
+        <p:nvSpPr>
+          <p:cNvPr id="12" name="Szövegdoboz 11">
+            <a:extLst>
+              <a:ext uri="{FF2B5EF4-FFF2-40B4-BE49-F238E27FC236}">
+                <a16:creationId xmlns:a16="http://schemas.microsoft.com/office/drawing/2014/main" id="{2FFFDB29-948C-41E8-930A-F478DAC62723}"/>
+              </a:ext>
+            </a:extLst>
+          </p:cNvPr>
+          <p:cNvSpPr txBox="1"/>
+          <p:nvPr/>
+        </p:nvSpPr>
+        <p:spPr>
+          <a:xfrm>
+            <a:off x="9339261" y="711532"/>
+            <a:ext cx="1876425" cy="1323439"/>
+          </a:xfrm>
+          <a:prstGeom prst="rect">
+            <a:avLst/>
+          </a:prstGeom>
+          <a:noFill/>
+        </p:spPr>
+        <p:txBody>
+          <a:bodyPr wrap="square" rtlCol="0">
+            <a:spAutoFit/>
+          </a:bodyPr>
+          <a:lstStyle/>
+          <a:p>
+            <a:pPr algn="ctr"/>
+            <a:r>
+              <a:rPr lang="hu-HU" sz="1600" dirty="0">
+                <a:solidFill>
+                  <a:schemeClr val="bg1"/>
+                </a:solidFill>
+              </a:rPr>
+              <a:t>A gomb lenyomásával frissíteni tudjuk a felhasználók listáját </a:t>
+            </a:r>
+          </a:p>
+        </p:txBody>
+      </p:sp>
+      <p:cxnSp>
+        <p:nvCxnSpPr>
+          <p:cNvPr id="15" name="Egyenes összekötő nyíllal 14">
+            <a:extLst>
+              <a:ext uri="{FF2B5EF4-FFF2-40B4-BE49-F238E27FC236}">
+                <a16:creationId xmlns:a16="http://schemas.microsoft.com/office/drawing/2014/main" id="{CF30AC07-260A-458F-8698-C478A99FC8DF}"/>
+              </a:ext>
+            </a:extLst>
+          </p:cNvPr>
+          <p:cNvCxnSpPr>
+            <a:cxnSpLocks/>
+          </p:cNvCxnSpPr>
+          <p:nvPr/>
+        </p:nvCxnSpPr>
+        <p:spPr>
+          <a:xfrm flipH="1">
+            <a:off x="3571875" y="923278"/>
+            <a:ext cx="2524127" cy="1724672"/>
+          </a:xfrm>
+          <a:prstGeom prst="straightConnector1">
+            <a:avLst/>
+          </a:prstGeom>
+          <a:ln w="28575">
+            <a:solidFill>
+              <a:schemeClr val="bg1">
+                <a:alpha val="60000"/>
+              </a:schemeClr>
+            </a:solidFill>
+            <a:tailEnd type="triangle"/>
+          </a:ln>
+        </p:spPr>
+        <p:style>
+          <a:lnRef idx="1">
+            <a:schemeClr val="accent1"/>
+          </a:lnRef>
+          <a:fillRef idx="0">
+            <a:schemeClr val="accent1"/>
+          </a:fillRef>
+          <a:effectRef idx="0">
+            <a:schemeClr val="accent1"/>
+          </a:effectRef>
+          <a:fontRef idx="minor">
+            <a:schemeClr val="tx1"/>
+          </a:fontRef>
+        </p:style>
+      </p:cxnSp>
+    </p:spTree>
+    <p:extLst>
+      <p:ext uri="{BB962C8B-B14F-4D97-AF65-F5344CB8AC3E}">
+        <p14:creationId xmlns:p14="http://schemas.microsoft.com/office/powerpoint/2010/main" val="2321598258"/>
+      </p:ext>
+    </p:extLst>
+  </p:cSld>
+  <p:clrMapOvr>
+    <a:masterClrMapping/>
+  </p:clrMapOvr>
+</p:sld>
+</file>
+
+<file path=ppt/slides/slide11.xml><?xml version="1.0" encoding="utf-8"?>
+<p:sld xmlns:a="http://schemas.openxmlformats.org/drawingml/2006/main" xmlns:r="http://schemas.openxmlformats.org/officeDocument/2006/relationships" xmlns:p="http://schemas.openxmlformats.org/presentationml/2006/main">
+  <p:cSld>
+    <p:spTree>
+      <p:nvGrpSpPr>
+        <p:cNvPr id="1" name=""/>
+        <p:cNvGrpSpPr/>
+        <p:nvPr/>
+      </p:nvGrpSpPr>
+      <p:grpSpPr>
+        <a:xfrm>
+          <a:off x="0" y="0"/>
+          <a:ext cx="0" cy="0"/>
+          <a:chOff x="0" y="0"/>
+          <a:chExt cx="0" cy="0"/>
+        </a:xfrm>
+      </p:grpSpPr>
+      <p:sp>
+        <p:nvSpPr>
+          <p:cNvPr id="2" name="Cím 1"/>
+          <p:cNvSpPr>
+            <a:spLocks noGrp="1"/>
+          </p:cNvSpPr>
+          <p:nvPr>
+            <p:ph type="title"/>
+          </p:nvPr>
+        </p:nvSpPr>
+        <p:spPr>
+          <a:xfrm>
+            <a:off x="0" y="0"/>
+            <a:ext cx="12192000" cy="6858000"/>
+          </a:xfrm>
+        </p:spPr>
+        <p:txBody>
+          <a:bodyPr/>
+          <a:lstStyle/>
+          <a:p>
+            <a:pPr algn="ctr"/>
+            <a:r>
+              <a:rPr lang="hu-HU" dirty="0"/>
+              <a:t>Köszönjük a figyelmet!</a:t>
+            </a:r>
+            <a:br>
+              <a:rPr lang="hu-HU" dirty="0"/>
+            </a:br>
+            <a:endParaRPr lang="hu-HU" dirty="0"/>
+          </a:p>
+        </p:txBody>
+      </p:sp>
+    </p:spTree>
+    <p:extLst>
+      <p:ext uri="{BB962C8B-B14F-4D97-AF65-F5344CB8AC3E}">
+        <p14:creationId xmlns:p14="http://schemas.microsoft.com/office/powerpoint/2010/main" val="2917183067"/>
       </p:ext>
     </p:extLst>
   </p:cSld>
@@ -5532,7 +6794,13 @@
       </p:grpSpPr>
       <p:sp>
         <p:nvSpPr>
-          <p:cNvPr id="2" name="Cím 1"/>
+          <p:cNvPr id="2" name="Cím 1">
+            <a:extLst>
+              <a:ext uri="{FF2B5EF4-FFF2-40B4-BE49-F238E27FC236}">
+                <a16:creationId xmlns:a16="http://schemas.microsoft.com/office/drawing/2014/main" id="{38F8089E-CEC0-4911-8944-E5A5A8A2A610}"/>
+              </a:ext>
+            </a:extLst>
+          </p:cNvPr>
           <p:cNvSpPr>
             <a:spLocks noGrp="1"/>
           </p:cNvSpPr>
@@ -5542,22 +6810,215 @@
         </p:nvSpPr>
         <p:spPr>
           <a:xfrm>
-            <a:off x="0" y="0"/>
-            <a:ext cx="12192000" cy="6858000"/>
+            <a:off x="617537" y="220132"/>
+            <a:ext cx="8534400" cy="1507067"/>
           </a:xfrm>
         </p:spPr>
         <p:txBody>
           <a:bodyPr/>
           <a:lstStyle/>
           <a:p>
-            <a:pPr algn="ctr"/>
-            <a:r>
-              <a:rPr lang="hu-HU" dirty="0"/>
-              <a:t>Köszönjük a figyelmet!</a:t>
+            <a:r>
+              <a:rPr lang="hu-HU" dirty="0">
+                <a:solidFill>
+                  <a:schemeClr val="tx1"/>
+                </a:solidFill>
+              </a:rPr>
+              <a:t>Projekt bemutatása</a:t>
             </a:r>
             <a:br>
-              <a:rPr lang="hu-HU" dirty="0"/>
+              <a:rPr lang="hu-HU" dirty="0">
+                <a:solidFill>
+                  <a:schemeClr val="tx1"/>
+                </a:solidFill>
+              </a:rPr>
             </a:br>
+            <a:r>
+              <a:rPr lang="hu-HU" dirty="0">
+                <a:solidFill>
+                  <a:schemeClr val="tx1"/>
+                </a:solidFill>
+              </a:rPr>
+              <a:t>„</a:t>
+            </a:r>
+            <a:r>
+              <a:rPr lang="hu-HU" i="1" dirty="0" err="1">
+                <a:solidFill>
+                  <a:schemeClr val="tx1"/>
+                </a:solidFill>
+              </a:rPr>
+              <a:t>Pontus</a:t>
+            </a:r>
+            <a:r>
+              <a:rPr lang="hu-HU" i="1" dirty="0">
+                <a:solidFill>
+                  <a:schemeClr val="tx1"/>
+                </a:solidFill>
+              </a:rPr>
+              <a:t> Shop</a:t>
+            </a:r>
+            <a:r>
+              <a:rPr lang="hu-HU" dirty="0">
+                <a:solidFill>
+                  <a:schemeClr val="tx1"/>
+                </a:solidFill>
+              </a:rPr>
+              <a:t>”</a:t>
+            </a:r>
+            <a:endParaRPr lang="hu-HU" dirty="0"/>
+          </a:p>
+        </p:txBody>
+      </p:sp>
+      <p:sp>
+        <p:nvSpPr>
+          <p:cNvPr id="3" name="Tartalom helye 2">
+            <a:extLst>
+              <a:ext uri="{FF2B5EF4-FFF2-40B4-BE49-F238E27FC236}">
+                <a16:creationId xmlns:a16="http://schemas.microsoft.com/office/drawing/2014/main" id="{E1A02943-C87E-450C-9936-8885C8A71389}"/>
+              </a:ext>
+            </a:extLst>
+          </p:cNvPr>
+          <p:cNvSpPr>
+            <a:spLocks noGrp="1"/>
+          </p:cNvSpPr>
+          <p:nvPr>
+            <p:ph idx="1"/>
+          </p:nvPr>
+        </p:nvSpPr>
+        <p:spPr>
+          <a:xfrm>
+            <a:off x="617537" y="2057400"/>
+            <a:ext cx="8534400" cy="4410075"/>
+          </a:xfrm>
+        </p:spPr>
+        <p:txBody>
+          <a:bodyPr>
+            <a:normAutofit/>
+          </a:bodyPr>
+          <a:lstStyle/>
+          <a:p>
+            <a:pPr marL="0" indent="0">
+              <a:buNone/>
+            </a:pPr>
+            <a:r>
+              <a:rPr lang="hu-HU" sz="2800" dirty="0">
+                <a:solidFill>
+                  <a:schemeClr val="tx1"/>
+                </a:solidFill>
+              </a:rPr>
+              <a:t>A projektünk az egy asztali  offline alkalmazás, mely egy műszaki üzlet felhasználói felületét és </a:t>
+            </a:r>
+            <a:r>
+              <a:rPr lang="hu-HU" sz="2800" dirty="0" err="1">
+                <a:solidFill>
+                  <a:schemeClr val="tx1"/>
+                </a:solidFill>
+              </a:rPr>
+              <a:t>perzisztens</a:t>
+            </a:r>
+            <a:r>
+              <a:rPr lang="hu-HU" sz="2800" dirty="0">
+                <a:solidFill>
+                  <a:schemeClr val="tx1"/>
+                </a:solidFill>
+              </a:rPr>
+              <a:t> termék valamint, felhasználó adatbázist foglal magában. </a:t>
+            </a:r>
+          </a:p>
+          <a:p>
+            <a:pPr marL="0" indent="0">
+              <a:buNone/>
+            </a:pPr>
+            <a:r>
+              <a:rPr lang="hu-HU" sz="2800" dirty="0">
+                <a:solidFill>
+                  <a:schemeClr val="tx1"/>
+                </a:solidFill>
+              </a:rPr>
+              <a:t>A Projekt elkészítése során </a:t>
+            </a:r>
+            <a:r>
+              <a:rPr lang="hu-HU" sz="2800" dirty="0" err="1">
+                <a:solidFill>
+                  <a:schemeClr val="tx1"/>
+                </a:solidFill>
+              </a:rPr>
+              <a:t>Maven</a:t>
+            </a:r>
+            <a:r>
+              <a:rPr lang="hu-HU" sz="2800" dirty="0">
+                <a:solidFill>
+                  <a:schemeClr val="tx1"/>
+                </a:solidFill>
+              </a:rPr>
+              <a:t> –projectben dolgoztunk </a:t>
+            </a:r>
+            <a:r>
+              <a:rPr lang="hu-HU" sz="2800" dirty="0" err="1">
+                <a:solidFill>
+                  <a:schemeClr val="tx1"/>
+                </a:solidFill>
+              </a:rPr>
+              <a:t>javaFX</a:t>
+            </a:r>
+            <a:r>
+              <a:rPr lang="hu-HU" sz="2800" dirty="0">
+                <a:solidFill>
+                  <a:schemeClr val="tx1"/>
+                </a:solidFill>
+              </a:rPr>
+              <a:t>-el, és a </a:t>
+            </a:r>
+            <a:r>
+              <a:rPr lang="hu-HU" sz="2800" dirty="0" err="1">
+                <a:solidFill>
+                  <a:schemeClr val="tx1"/>
+                </a:solidFill>
+              </a:rPr>
+              <a:t>Perzistens</a:t>
+            </a:r>
+            <a:r>
+              <a:rPr lang="hu-HU" sz="2800" dirty="0">
+                <a:solidFill>
+                  <a:schemeClr val="tx1"/>
+                </a:solidFill>
+              </a:rPr>
+              <a:t> elemeket H2 </a:t>
+            </a:r>
+            <a:r>
+              <a:rPr lang="hu-HU" sz="2800" dirty="0" err="1">
+                <a:solidFill>
+                  <a:schemeClr val="tx1"/>
+                </a:solidFill>
+              </a:rPr>
+              <a:t>database</a:t>
+            </a:r>
+            <a:r>
+              <a:rPr lang="hu-HU" sz="2800" dirty="0">
+                <a:solidFill>
+                  <a:schemeClr val="tx1"/>
+                </a:solidFill>
+              </a:rPr>
+              <a:t>-ben tároltuk. </a:t>
+            </a:r>
+            <a:r>
+              <a:rPr lang="hu-HU" sz="2800" dirty="0" err="1">
+                <a:solidFill>
+                  <a:schemeClr val="tx1"/>
+                </a:solidFill>
+              </a:rPr>
+              <a:t>JUnit</a:t>
+            </a:r>
+            <a:endParaRPr lang="hu-HU" sz="2800" dirty="0">
+              <a:solidFill>
+                <a:schemeClr val="tx1"/>
+              </a:solidFill>
+            </a:endParaRPr>
+          </a:p>
+          <a:p>
+            <a:pPr marL="0" indent="0">
+              <a:buNone/>
+            </a:pPr>
             <a:endParaRPr lang="hu-HU" dirty="0"/>
           </a:p>
         </p:txBody>
@@ -5565,7 +7026,2991 @@
     </p:spTree>
     <p:extLst>
       <p:ext uri="{BB962C8B-B14F-4D97-AF65-F5344CB8AC3E}">
-        <p14:creationId xmlns:p14="http://schemas.microsoft.com/office/powerpoint/2010/main" val="2917183067"/>
+        <p14:creationId xmlns:p14="http://schemas.microsoft.com/office/powerpoint/2010/main" val="3265463581"/>
+      </p:ext>
+    </p:extLst>
+  </p:cSld>
+  <p:clrMapOvr>
+    <a:masterClrMapping/>
+  </p:clrMapOvr>
+</p:sld>
+</file>
+
+<file path=ppt/slides/slide3.xml><?xml version="1.0" encoding="utf-8"?>
+<p:sld xmlns:a="http://schemas.openxmlformats.org/drawingml/2006/main" xmlns:r="http://schemas.openxmlformats.org/officeDocument/2006/relationships" xmlns:p="http://schemas.openxmlformats.org/presentationml/2006/main">
+  <p:cSld>
+    <p:spTree>
+      <p:nvGrpSpPr>
+        <p:cNvPr id="1" name=""/>
+        <p:cNvGrpSpPr/>
+        <p:nvPr/>
+      </p:nvGrpSpPr>
+      <p:grpSpPr>
+        <a:xfrm>
+          <a:off x="0" y="0"/>
+          <a:ext cx="0" cy="0"/>
+          <a:chOff x="0" y="0"/>
+          <a:chExt cx="0" cy="0"/>
+        </a:xfrm>
+      </p:grpSpPr>
+      <p:sp>
+        <p:nvSpPr>
+          <p:cNvPr id="2" name="Cím 1">
+            <a:extLst>
+              <a:ext uri="{FF2B5EF4-FFF2-40B4-BE49-F238E27FC236}">
+                <a16:creationId xmlns:a16="http://schemas.microsoft.com/office/drawing/2014/main" id="{9B1857B3-D896-490B-B6E4-28DF93BD4CCD}"/>
+              </a:ext>
+            </a:extLst>
+          </p:cNvPr>
+          <p:cNvSpPr>
+            <a:spLocks noGrp="1"/>
+          </p:cNvSpPr>
+          <p:nvPr>
+            <p:ph type="title"/>
+          </p:nvPr>
+        </p:nvSpPr>
+        <p:spPr>
+          <a:xfrm>
+            <a:off x="1828800" y="307974"/>
+            <a:ext cx="8534400" cy="1549401"/>
+          </a:xfrm>
+        </p:spPr>
+        <p:txBody>
+          <a:bodyPr>
+            <a:normAutofit fontScale="90000"/>
+          </a:bodyPr>
+          <a:lstStyle/>
+          <a:p>
+            <a:pPr algn="ctr"/>
+            <a:r>
+              <a:rPr lang="hu-HU" sz="2700" dirty="0">
+                <a:solidFill>
+                  <a:schemeClr val="tx1"/>
+                </a:solidFill>
+              </a:rPr>
+              <a:t>Az alkalmazásnak van egy „Login” felülete, amelyen a program futtatásakor először találkozunk</a:t>
+            </a:r>
+            <a:br>
+              <a:rPr lang="hu-HU" dirty="0">
+                <a:solidFill>
+                  <a:schemeClr val="tx1"/>
+                </a:solidFill>
+              </a:rPr>
+            </a:br>
+            <a:endParaRPr lang="hu-HU" dirty="0"/>
+          </a:p>
+        </p:txBody>
+      </p:sp>
+      <p:pic>
+        <p:nvPicPr>
+          <p:cNvPr id="5" name="Tartalom helye 4">
+            <a:extLst>
+              <a:ext uri="{FF2B5EF4-FFF2-40B4-BE49-F238E27FC236}">
+                <a16:creationId xmlns:a16="http://schemas.microsoft.com/office/drawing/2014/main" id="{87E6257C-94FF-44BF-9C50-F5E4CA99083C}"/>
+              </a:ext>
+            </a:extLst>
+          </p:cNvPr>
+          <p:cNvPicPr>
+            <a:picLocks noGrp="1" noChangeAspect="1"/>
+          </p:cNvPicPr>
+          <p:nvPr>
+            <p:ph idx="1"/>
+          </p:nvPr>
+        </p:nvPicPr>
+        <p:blipFill>
+          <a:blip r:embed="rId2"/>
+          <a:stretch>
+            <a:fillRect/>
+          </a:stretch>
+        </p:blipFill>
+        <p:spPr>
+          <a:xfrm>
+            <a:off x="2896219" y="2295525"/>
+            <a:ext cx="6399561" cy="3614738"/>
+          </a:xfrm>
+        </p:spPr>
+      </p:pic>
+      <p:sp>
+        <p:nvSpPr>
+          <p:cNvPr id="7" name="Beszédbuborék: ellipszis 6">
+            <a:extLst>
+              <a:ext uri="{FF2B5EF4-FFF2-40B4-BE49-F238E27FC236}">
+                <a16:creationId xmlns:a16="http://schemas.microsoft.com/office/drawing/2014/main" id="{26BD38FF-E5A9-463D-B2EF-218BEF0EF3DD}"/>
+              </a:ext>
+            </a:extLst>
+          </p:cNvPr>
+          <p:cNvSpPr/>
+          <p:nvPr/>
+        </p:nvSpPr>
+        <p:spPr>
+          <a:xfrm>
+            <a:off x="180976" y="2552701"/>
+            <a:ext cx="2495550" cy="1847850"/>
+          </a:xfrm>
+          <a:prstGeom prst="wedgeEllipseCallout">
+            <a:avLst>
+              <a:gd name="adj1" fmla="val 111199"/>
+              <a:gd name="adj2" fmla="val 71629"/>
+            </a:avLst>
+          </a:prstGeom>
+          <a:noFill/>
+          <a:ln>
+            <a:solidFill>
+              <a:schemeClr val="tx1"/>
+            </a:solidFill>
+          </a:ln>
+        </p:spPr>
+        <p:style>
+          <a:lnRef idx="2">
+            <a:schemeClr val="accent1">
+              <a:shade val="50000"/>
+            </a:schemeClr>
+          </a:lnRef>
+          <a:fillRef idx="1">
+            <a:schemeClr val="accent1"/>
+          </a:fillRef>
+          <a:effectRef idx="0">
+            <a:schemeClr val="accent1"/>
+          </a:effectRef>
+          <a:fontRef idx="minor">
+            <a:schemeClr val="lt1"/>
+          </a:fontRef>
+        </p:style>
+        <p:txBody>
+          <a:bodyPr rtlCol="0" anchor="ctr"/>
+          <a:lstStyle/>
+          <a:p>
+            <a:pPr algn="ctr"/>
+            <a:endParaRPr lang="hu-HU"/>
+          </a:p>
+        </p:txBody>
+      </p:sp>
+      <p:sp>
+        <p:nvSpPr>
+          <p:cNvPr id="8" name="Szövegdoboz 7">
+            <a:extLst>
+              <a:ext uri="{FF2B5EF4-FFF2-40B4-BE49-F238E27FC236}">
+                <a16:creationId xmlns:a16="http://schemas.microsoft.com/office/drawing/2014/main" id="{B2A6B5F7-DB8F-4A28-8F78-987644B29B51}"/>
+              </a:ext>
+            </a:extLst>
+          </p:cNvPr>
+          <p:cNvSpPr txBox="1"/>
+          <p:nvPr/>
+        </p:nvSpPr>
+        <p:spPr>
+          <a:xfrm>
+            <a:off x="404814" y="2661018"/>
+            <a:ext cx="2047874" cy="1631216"/>
+          </a:xfrm>
+          <a:prstGeom prst="rect">
+            <a:avLst/>
+          </a:prstGeom>
+          <a:noFill/>
+        </p:spPr>
+        <p:txBody>
+          <a:bodyPr wrap="square" rtlCol="0">
+            <a:spAutoFit/>
+          </a:bodyPr>
+          <a:lstStyle/>
+          <a:p>
+            <a:pPr algn="ctr"/>
+            <a:r>
+              <a:rPr lang="hu-HU" sz="2000" dirty="0">
+                <a:solidFill>
+                  <a:schemeClr val="bg1"/>
+                </a:solidFill>
+              </a:rPr>
+              <a:t>Itt van lehetőségünk regisztrálni új felhasználó fiókot</a:t>
+            </a:r>
+          </a:p>
+        </p:txBody>
+      </p:sp>
+      <p:sp>
+        <p:nvSpPr>
+          <p:cNvPr id="9" name="Beszédbuborék: ellipszis 8">
+            <a:extLst>
+              <a:ext uri="{FF2B5EF4-FFF2-40B4-BE49-F238E27FC236}">
+                <a16:creationId xmlns:a16="http://schemas.microsoft.com/office/drawing/2014/main" id="{D97C91F1-53E6-4E22-915B-EC50A3B0C2E6}"/>
+              </a:ext>
+            </a:extLst>
+          </p:cNvPr>
+          <p:cNvSpPr/>
+          <p:nvPr/>
+        </p:nvSpPr>
+        <p:spPr>
+          <a:xfrm>
+            <a:off x="9705976" y="2661018"/>
+            <a:ext cx="2305048" cy="2339608"/>
+          </a:xfrm>
+          <a:prstGeom prst="wedgeEllipseCallout">
+            <a:avLst>
+              <a:gd name="adj1" fmla="val -87174"/>
+              <a:gd name="adj2" fmla="val 31491"/>
+            </a:avLst>
+          </a:prstGeom>
+          <a:noFill/>
+          <a:ln>
+            <a:solidFill>
+              <a:schemeClr val="tx1"/>
+            </a:solidFill>
+          </a:ln>
+        </p:spPr>
+        <p:style>
+          <a:lnRef idx="2">
+            <a:schemeClr val="accent1">
+              <a:shade val="50000"/>
+            </a:schemeClr>
+          </a:lnRef>
+          <a:fillRef idx="1">
+            <a:schemeClr val="accent1"/>
+          </a:fillRef>
+          <a:effectRef idx="0">
+            <a:schemeClr val="accent1"/>
+          </a:effectRef>
+          <a:fontRef idx="minor">
+            <a:schemeClr val="lt1"/>
+          </a:fontRef>
+        </p:style>
+        <p:txBody>
+          <a:bodyPr rtlCol="0" anchor="ctr"/>
+          <a:lstStyle/>
+          <a:p>
+            <a:pPr algn="ctr"/>
+            <a:endParaRPr lang="hu-HU"/>
+          </a:p>
+        </p:txBody>
+      </p:sp>
+      <p:sp>
+        <p:nvSpPr>
+          <p:cNvPr id="10" name="Szövegdoboz 9">
+            <a:extLst>
+              <a:ext uri="{FF2B5EF4-FFF2-40B4-BE49-F238E27FC236}">
+                <a16:creationId xmlns:a16="http://schemas.microsoft.com/office/drawing/2014/main" id="{F1363B5C-BCE6-4714-B65E-F0BD5B0CE06F}"/>
+              </a:ext>
+            </a:extLst>
+          </p:cNvPr>
+          <p:cNvSpPr txBox="1"/>
+          <p:nvPr/>
+        </p:nvSpPr>
+        <p:spPr>
+          <a:xfrm>
+            <a:off x="9772327" y="2861326"/>
+            <a:ext cx="2172345" cy="1938992"/>
+          </a:xfrm>
+          <a:prstGeom prst="rect">
+            <a:avLst/>
+          </a:prstGeom>
+          <a:noFill/>
+        </p:spPr>
+        <p:txBody>
+          <a:bodyPr wrap="square" rtlCol="0">
+            <a:spAutoFit/>
+          </a:bodyPr>
+          <a:lstStyle/>
+          <a:p>
+            <a:pPr algn="ctr"/>
+            <a:r>
+              <a:rPr lang="hu-HU" sz="2000" dirty="0">
+                <a:solidFill>
+                  <a:schemeClr val="bg1"/>
+                </a:solidFill>
+              </a:rPr>
+              <a:t>Ha már rendelkezünk felhasználói fiókkal, itt van lehetőségük bejelentkezni</a:t>
+            </a:r>
+          </a:p>
+        </p:txBody>
+      </p:sp>
+    </p:spTree>
+    <p:extLst>
+      <p:ext uri="{BB962C8B-B14F-4D97-AF65-F5344CB8AC3E}">
+        <p14:creationId xmlns:p14="http://schemas.microsoft.com/office/powerpoint/2010/main" val="3629551286"/>
+      </p:ext>
+    </p:extLst>
+  </p:cSld>
+  <p:clrMapOvr>
+    <a:masterClrMapping/>
+  </p:clrMapOvr>
+</p:sld>
+</file>
+
+<file path=ppt/slides/slide4.xml><?xml version="1.0" encoding="utf-8"?>
+<p:sld xmlns:a="http://schemas.openxmlformats.org/drawingml/2006/main" xmlns:r="http://schemas.openxmlformats.org/officeDocument/2006/relationships" xmlns:p="http://schemas.openxmlformats.org/presentationml/2006/main">
+  <p:cSld>
+    <p:spTree>
+      <p:nvGrpSpPr>
+        <p:cNvPr id="1" name=""/>
+        <p:cNvGrpSpPr/>
+        <p:nvPr/>
+      </p:nvGrpSpPr>
+      <p:grpSpPr>
+        <a:xfrm>
+          <a:off x="0" y="0"/>
+          <a:ext cx="0" cy="0"/>
+          <a:chOff x="0" y="0"/>
+          <a:chExt cx="0" cy="0"/>
+        </a:xfrm>
+      </p:grpSpPr>
+      <p:sp>
+        <p:nvSpPr>
+          <p:cNvPr id="2" name="Cím 1">
+            <a:extLst>
+              <a:ext uri="{FF2B5EF4-FFF2-40B4-BE49-F238E27FC236}">
+                <a16:creationId xmlns:a16="http://schemas.microsoft.com/office/drawing/2014/main" id="{31AED395-5024-4634-99F5-8D1B13D73317}"/>
+              </a:ext>
+            </a:extLst>
+          </p:cNvPr>
+          <p:cNvSpPr>
+            <a:spLocks noGrp="1"/>
+          </p:cNvSpPr>
+          <p:nvPr>
+            <p:ph type="title"/>
+          </p:nvPr>
+        </p:nvSpPr>
+        <p:spPr>
+          <a:xfrm>
+            <a:off x="1828800" y="92150"/>
+            <a:ext cx="8534400" cy="1507067"/>
+          </a:xfrm>
+        </p:spPr>
+        <p:txBody>
+          <a:bodyPr>
+            <a:normAutofit/>
+          </a:bodyPr>
+          <a:lstStyle/>
+          <a:p>
+            <a:pPr algn="ctr"/>
+            <a:r>
+              <a:rPr lang="hu-HU" sz="2800" dirty="0"/>
+              <a:t>Regisztráció gombra kattintva erre a felületre kerülünk</a:t>
+            </a:r>
+          </a:p>
+        </p:txBody>
+      </p:sp>
+      <p:pic>
+        <p:nvPicPr>
+          <p:cNvPr id="5" name="Kép 4">
+            <a:extLst>
+              <a:ext uri="{FF2B5EF4-FFF2-40B4-BE49-F238E27FC236}">
+                <a16:creationId xmlns:a16="http://schemas.microsoft.com/office/drawing/2014/main" id="{E2F51D6E-F26C-476E-923A-6BF3C05F9BBF}"/>
+              </a:ext>
+            </a:extLst>
+          </p:cNvPr>
+          <p:cNvPicPr>
+            <a:picLocks noChangeAspect="1"/>
+          </p:cNvPicPr>
+          <p:nvPr/>
+        </p:nvPicPr>
+        <p:blipFill>
+          <a:blip r:embed="rId2"/>
+          <a:stretch>
+            <a:fillRect/>
+          </a:stretch>
+        </p:blipFill>
+        <p:spPr>
+          <a:xfrm>
+            <a:off x="3133725" y="1599217"/>
+            <a:ext cx="5924550" cy="4086225"/>
+          </a:xfrm>
+          <a:prstGeom prst="rect">
+            <a:avLst/>
+          </a:prstGeom>
+        </p:spPr>
+      </p:pic>
+      <p:sp>
+        <p:nvSpPr>
+          <p:cNvPr id="6" name="Beszédbuborék: ellipszis 5">
+            <a:extLst>
+              <a:ext uri="{FF2B5EF4-FFF2-40B4-BE49-F238E27FC236}">
+                <a16:creationId xmlns:a16="http://schemas.microsoft.com/office/drawing/2014/main" id="{D1C68EA8-CDD2-4CD7-A9CE-21018A788DA1}"/>
+              </a:ext>
+            </a:extLst>
+          </p:cNvPr>
+          <p:cNvSpPr/>
+          <p:nvPr/>
+        </p:nvSpPr>
+        <p:spPr>
+          <a:xfrm>
+            <a:off x="133346" y="3855535"/>
+            <a:ext cx="2533651" cy="2068498"/>
+          </a:xfrm>
+          <a:prstGeom prst="wedgeEllipseCallout">
+            <a:avLst>
+              <a:gd name="adj1" fmla="val 104359"/>
+              <a:gd name="adj2" fmla="val 23587"/>
+            </a:avLst>
+          </a:prstGeom>
+          <a:noFill/>
+          <a:ln>
+            <a:solidFill>
+              <a:schemeClr val="tx1"/>
+            </a:solidFill>
+          </a:ln>
+        </p:spPr>
+        <p:style>
+          <a:lnRef idx="2">
+            <a:schemeClr val="accent1">
+              <a:shade val="50000"/>
+            </a:schemeClr>
+          </a:lnRef>
+          <a:fillRef idx="1">
+            <a:schemeClr val="accent1"/>
+          </a:fillRef>
+          <a:effectRef idx="0">
+            <a:schemeClr val="accent1"/>
+          </a:effectRef>
+          <a:fontRef idx="minor">
+            <a:schemeClr val="lt1"/>
+          </a:fontRef>
+        </p:style>
+        <p:txBody>
+          <a:bodyPr rtlCol="0" anchor="ctr"/>
+          <a:lstStyle/>
+          <a:p>
+            <a:pPr algn="ctr"/>
+            <a:endParaRPr lang="hu-HU"/>
+          </a:p>
+        </p:txBody>
+      </p:sp>
+      <p:sp>
+        <p:nvSpPr>
+          <p:cNvPr id="7" name="Szövegdoboz 6">
+            <a:extLst>
+              <a:ext uri="{FF2B5EF4-FFF2-40B4-BE49-F238E27FC236}">
+                <a16:creationId xmlns:a16="http://schemas.microsoft.com/office/drawing/2014/main" id="{F85C8342-F583-4F33-9CBA-630FF49451BE}"/>
+              </a:ext>
+            </a:extLst>
+          </p:cNvPr>
+          <p:cNvSpPr txBox="1"/>
+          <p:nvPr/>
+        </p:nvSpPr>
+        <p:spPr>
+          <a:xfrm>
+            <a:off x="228318" y="4289619"/>
+            <a:ext cx="2343705" cy="1200329"/>
+          </a:xfrm>
+          <a:prstGeom prst="rect">
+            <a:avLst/>
+          </a:prstGeom>
+          <a:noFill/>
+        </p:spPr>
+        <p:txBody>
+          <a:bodyPr wrap="square" rtlCol="0">
+            <a:spAutoFit/>
+          </a:bodyPr>
+          <a:lstStyle/>
+          <a:p>
+            <a:pPr algn="ctr"/>
+            <a:r>
+              <a:rPr lang="hu-HU" dirty="0">
+                <a:solidFill>
+                  <a:schemeClr val="bg1"/>
+                </a:solidFill>
+              </a:rPr>
+              <a:t>A  „Regisztráció”-</a:t>
+            </a:r>
+            <a:r>
+              <a:rPr lang="hu-HU" dirty="0" err="1">
+                <a:solidFill>
+                  <a:schemeClr val="bg1"/>
+                </a:solidFill>
+              </a:rPr>
+              <a:t>ra</a:t>
+            </a:r>
+            <a:r>
+              <a:rPr lang="hu-HU" dirty="0">
+                <a:solidFill>
+                  <a:schemeClr val="bg1"/>
+                </a:solidFill>
+              </a:rPr>
+              <a:t> kattintva, egyből hozzáadódik a fiók az adatbázishoz </a:t>
+            </a:r>
+          </a:p>
+        </p:txBody>
+      </p:sp>
+      <p:sp>
+        <p:nvSpPr>
+          <p:cNvPr id="8" name="Szövegdoboz 7">
+            <a:extLst>
+              <a:ext uri="{FF2B5EF4-FFF2-40B4-BE49-F238E27FC236}">
+                <a16:creationId xmlns:a16="http://schemas.microsoft.com/office/drawing/2014/main" id="{39296D9A-D822-4839-9207-9FFDB85D97EC}"/>
+              </a:ext>
+            </a:extLst>
+          </p:cNvPr>
+          <p:cNvSpPr txBox="1"/>
+          <p:nvPr/>
+        </p:nvSpPr>
+        <p:spPr>
+          <a:xfrm>
+            <a:off x="9334500" y="3100119"/>
+            <a:ext cx="2629182" cy="2554545"/>
+          </a:xfrm>
+          <a:prstGeom prst="rect">
+            <a:avLst/>
+          </a:prstGeom>
+          <a:noFill/>
+        </p:spPr>
+        <p:txBody>
+          <a:bodyPr wrap="square" rtlCol="0">
+            <a:spAutoFit/>
+          </a:bodyPr>
+          <a:lstStyle/>
+          <a:p>
+            <a:r>
+              <a:rPr lang="hu-HU" sz="2000" dirty="0">
+                <a:solidFill>
+                  <a:schemeClr val="bg1"/>
+                </a:solidFill>
+              </a:rPr>
+              <a:t>Ezután automatikusan visszakerülünk a „Login” felületre, és bejelentkezés után egyből meg is kezdhetjük első vásárlásunkat</a:t>
+            </a:r>
+          </a:p>
+        </p:txBody>
+      </p:sp>
+    </p:spTree>
+    <p:extLst>
+      <p:ext uri="{BB962C8B-B14F-4D97-AF65-F5344CB8AC3E}">
+        <p14:creationId xmlns:p14="http://schemas.microsoft.com/office/powerpoint/2010/main" val="3977117436"/>
+      </p:ext>
+    </p:extLst>
+  </p:cSld>
+  <p:clrMapOvr>
+    <a:masterClrMapping/>
+  </p:clrMapOvr>
+</p:sld>
+</file>
+
+<file path=ppt/slides/slide5.xml><?xml version="1.0" encoding="utf-8"?>
+<p:sld xmlns:a="http://schemas.openxmlformats.org/drawingml/2006/main" xmlns:r="http://schemas.openxmlformats.org/officeDocument/2006/relationships" xmlns:p="http://schemas.openxmlformats.org/presentationml/2006/main">
+  <p:cSld>
+    <p:spTree>
+      <p:nvGrpSpPr>
+        <p:cNvPr id="1" name=""/>
+        <p:cNvGrpSpPr/>
+        <p:nvPr/>
+      </p:nvGrpSpPr>
+      <p:grpSpPr>
+        <a:xfrm>
+          <a:off x="0" y="0"/>
+          <a:ext cx="0" cy="0"/>
+          <a:chOff x="0" y="0"/>
+          <a:chExt cx="0" cy="0"/>
+        </a:xfrm>
+      </p:grpSpPr>
+      <p:pic>
+        <p:nvPicPr>
+          <p:cNvPr id="4" name="Kép 3">
+            <a:extLst>
+              <a:ext uri="{FF2B5EF4-FFF2-40B4-BE49-F238E27FC236}">
+                <a16:creationId xmlns:a16="http://schemas.microsoft.com/office/drawing/2014/main" id="{EF3FE378-0E17-4B5C-A718-06B0AB7992F3}"/>
+              </a:ext>
+            </a:extLst>
+          </p:cNvPr>
+          <p:cNvPicPr>
+            <a:picLocks noChangeAspect="1"/>
+          </p:cNvPicPr>
+          <p:nvPr/>
+        </p:nvPicPr>
+        <p:blipFill>
+          <a:blip r:embed="rId2"/>
+          <a:stretch>
+            <a:fillRect/>
+          </a:stretch>
+        </p:blipFill>
+        <p:spPr>
+          <a:xfrm>
+            <a:off x="1706953" y="1130768"/>
+            <a:ext cx="6520006" cy="4900612"/>
+          </a:xfrm>
+          <a:prstGeom prst="rect">
+            <a:avLst/>
+          </a:prstGeom>
+        </p:spPr>
+      </p:pic>
+      <p:sp>
+        <p:nvSpPr>
+          <p:cNvPr id="2" name="Cím 1">
+            <a:extLst>
+              <a:ext uri="{FF2B5EF4-FFF2-40B4-BE49-F238E27FC236}">
+                <a16:creationId xmlns:a16="http://schemas.microsoft.com/office/drawing/2014/main" id="{7D58957C-D570-46C8-A8CF-323181DB02D7}"/>
+              </a:ext>
+            </a:extLst>
+          </p:cNvPr>
+          <p:cNvSpPr>
+            <a:spLocks noGrp="1"/>
+          </p:cNvSpPr>
+          <p:nvPr>
+            <p:ph type="title"/>
+          </p:nvPr>
+        </p:nvSpPr>
+        <p:spPr>
+          <a:xfrm>
+            <a:off x="1828800" y="78648"/>
+            <a:ext cx="8534400" cy="1064806"/>
+          </a:xfrm>
+        </p:spPr>
+        <p:txBody>
+          <a:bodyPr>
+            <a:normAutofit/>
+          </a:bodyPr>
+          <a:lstStyle/>
+          <a:p>
+            <a:pPr algn="ctr"/>
+            <a:r>
+              <a:rPr lang="hu-HU" sz="2800" dirty="0"/>
+              <a:t>Bejelentkezés után ez a felület fogad minket</a:t>
+            </a:r>
+          </a:p>
+        </p:txBody>
+      </p:sp>
+      <p:sp>
+        <p:nvSpPr>
+          <p:cNvPr id="6" name="Szövegdoboz 5">
+            <a:extLst>
+              <a:ext uri="{FF2B5EF4-FFF2-40B4-BE49-F238E27FC236}">
+                <a16:creationId xmlns:a16="http://schemas.microsoft.com/office/drawing/2014/main" id="{ABB288CC-BCA1-41CF-9862-9263C3AE6208}"/>
+              </a:ext>
+            </a:extLst>
+          </p:cNvPr>
+          <p:cNvSpPr txBox="1"/>
+          <p:nvPr/>
+        </p:nvSpPr>
+        <p:spPr>
+          <a:xfrm>
+            <a:off x="8750725" y="1228334"/>
+            <a:ext cx="3019425" cy="1200329"/>
+          </a:xfrm>
+          <a:prstGeom prst="rect">
+            <a:avLst/>
+          </a:prstGeom>
+          <a:noFill/>
+        </p:spPr>
+        <p:txBody>
+          <a:bodyPr wrap="square" rtlCol="0">
+            <a:spAutoFit/>
+          </a:bodyPr>
+          <a:lstStyle/>
+          <a:p>
+            <a:r>
+              <a:rPr lang="hu-HU" dirty="0">
+                <a:solidFill>
+                  <a:schemeClr val="bg1"/>
+                </a:solidFill>
+              </a:rPr>
+              <a:t>Bejelentkezés után, egyből az összes jelenleg elérhető terméket kilistázza a program</a:t>
+            </a:r>
+          </a:p>
+        </p:txBody>
+      </p:sp>
+      <p:sp>
+        <p:nvSpPr>
+          <p:cNvPr id="7" name="Szövegdoboz 6">
+            <a:extLst>
+              <a:ext uri="{FF2B5EF4-FFF2-40B4-BE49-F238E27FC236}">
+                <a16:creationId xmlns:a16="http://schemas.microsoft.com/office/drawing/2014/main" id="{1D2CB9DB-415C-4DC6-BBB1-51FB3406DF6A}"/>
+              </a:ext>
+            </a:extLst>
+          </p:cNvPr>
+          <p:cNvSpPr txBox="1"/>
+          <p:nvPr/>
+        </p:nvSpPr>
+        <p:spPr>
+          <a:xfrm>
+            <a:off x="95250" y="1581150"/>
+            <a:ext cx="1199629" cy="1384995"/>
+          </a:xfrm>
+          <a:prstGeom prst="rect">
+            <a:avLst/>
+          </a:prstGeom>
+          <a:noFill/>
+        </p:spPr>
+        <p:txBody>
+          <a:bodyPr wrap="square" rtlCol="0">
+            <a:spAutoFit/>
+          </a:bodyPr>
+          <a:lstStyle/>
+          <a:p>
+            <a:r>
+              <a:rPr lang="hu-HU" sz="1400" dirty="0">
+                <a:solidFill>
+                  <a:schemeClr val="bg1"/>
+                </a:solidFill>
+              </a:rPr>
+              <a:t>A kategóriák neveire kattintva szűrhetjük a termékeket</a:t>
+            </a:r>
+          </a:p>
+        </p:txBody>
+      </p:sp>
+      <p:cxnSp>
+        <p:nvCxnSpPr>
+          <p:cNvPr id="9" name="Egyenes összekötő nyíllal 8">
+            <a:extLst>
+              <a:ext uri="{FF2B5EF4-FFF2-40B4-BE49-F238E27FC236}">
+                <a16:creationId xmlns:a16="http://schemas.microsoft.com/office/drawing/2014/main" id="{96BE0A88-C27A-4CB1-9701-DA74156FE264}"/>
+              </a:ext>
+            </a:extLst>
+          </p:cNvPr>
+          <p:cNvCxnSpPr>
+            <a:cxnSpLocks/>
+            <a:stCxn id="6" idx="1"/>
+          </p:cNvCxnSpPr>
+          <p:nvPr/>
+        </p:nvCxnSpPr>
+        <p:spPr>
+          <a:xfrm flipH="1">
+            <a:off x="7865616" y="1828499"/>
+            <a:ext cx="885109" cy="666126"/>
+          </a:xfrm>
+          <a:prstGeom prst="straightConnector1">
+            <a:avLst/>
+          </a:prstGeom>
+          <a:ln w="28575">
+            <a:solidFill>
+              <a:schemeClr val="tx1">
+                <a:alpha val="60000"/>
+              </a:schemeClr>
+            </a:solidFill>
+            <a:tailEnd type="triangle"/>
+          </a:ln>
+        </p:spPr>
+        <p:style>
+          <a:lnRef idx="1">
+            <a:schemeClr val="accent1"/>
+          </a:lnRef>
+          <a:fillRef idx="0">
+            <a:schemeClr val="accent1"/>
+          </a:fillRef>
+          <a:effectRef idx="0">
+            <a:schemeClr val="accent1"/>
+          </a:effectRef>
+          <a:fontRef idx="minor">
+            <a:schemeClr val="tx1"/>
+          </a:fontRef>
+        </p:style>
+      </p:cxnSp>
+      <p:sp>
+        <p:nvSpPr>
+          <p:cNvPr id="11" name="Beszédbuborék: ellipszis 10">
+            <a:extLst>
+              <a:ext uri="{FF2B5EF4-FFF2-40B4-BE49-F238E27FC236}">
+                <a16:creationId xmlns:a16="http://schemas.microsoft.com/office/drawing/2014/main" id="{AAEFF06B-26D0-4FC5-8007-61043DECBA1F}"/>
+              </a:ext>
+            </a:extLst>
+          </p:cNvPr>
+          <p:cNvSpPr/>
+          <p:nvPr/>
+        </p:nvSpPr>
+        <p:spPr>
+          <a:xfrm>
+            <a:off x="9369849" y="2689656"/>
+            <a:ext cx="1781175" cy="1667981"/>
+          </a:xfrm>
+          <a:prstGeom prst="wedgeEllipseCallout">
+            <a:avLst>
+              <a:gd name="adj1" fmla="val -206619"/>
+              <a:gd name="adj2" fmla="val 6535"/>
+            </a:avLst>
+          </a:prstGeom>
+          <a:noFill/>
+          <a:ln>
+            <a:solidFill>
+              <a:schemeClr val="tx1"/>
+            </a:solidFill>
+          </a:ln>
+        </p:spPr>
+        <p:style>
+          <a:lnRef idx="2">
+            <a:schemeClr val="accent1">
+              <a:shade val="50000"/>
+            </a:schemeClr>
+          </a:lnRef>
+          <a:fillRef idx="1">
+            <a:schemeClr val="accent1"/>
+          </a:fillRef>
+          <a:effectRef idx="0">
+            <a:schemeClr val="accent1"/>
+          </a:effectRef>
+          <a:fontRef idx="minor">
+            <a:schemeClr val="lt1"/>
+          </a:fontRef>
+        </p:style>
+        <p:txBody>
+          <a:bodyPr rtlCol="0" anchor="ctr"/>
+          <a:lstStyle/>
+          <a:p>
+            <a:pPr algn="ctr"/>
+            <a:endParaRPr lang="hu-HU"/>
+          </a:p>
+        </p:txBody>
+      </p:sp>
+      <p:sp>
+        <p:nvSpPr>
+          <p:cNvPr id="12" name="Szövegdoboz 11">
+            <a:extLst>
+              <a:ext uri="{FF2B5EF4-FFF2-40B4-BE49-F238E27FC236}">
+                <a16:creationId xmlns:a16="http://schemas.microsoft.com/office/drawing/2014/main" id="{C4BCA4B6-7543-4D1F-AAD6-35A39C7F9AD4}"/>
+              </a:ext>
+            </a:extLst>
+          </p:cNvPr>
+          <p:cNvSpPr txBox="1"/>
+          <p:nvPr/>
+        </p:nvSpPr>
+        <p:spPr>
+          <a:xfrm>
+            <a:off x="9569873" y="2741536"/>
+            <a:ext cx="1381125" cy="1569660"/>
+          </a:xfrm>
+          <a:prstGeom prst="rect">
+            <a:avLst/>
+          </a:prstGeom>
+          <a:noFill/>
+        </p:spPr>
+        <p:txBody>
+          <a:bodyPr wrap="square" rtlCol="0">
+            <a:spAutoFit/>
+          </a:bodyPr>
+          <a:lstStyle/>
+          <a:p>
+            <a:pPr algn="ctr"/>
+            <a:r>
+              <a:rPr lang="hu-HU" sz="1200" dirty="0">
+                <a:solidFill>
+                  <a:schemeClr val="bg1"/>
+                </a:solidFill>
+              </a:rPr>
+              <a:t>A termék kiválasztása után, ezzel a gombbal tudjuk a  kosárhoz hozzá adni kívánt termékünket</a:t>
+            </a:r>
+          </a:p>
+        </p:txBody>
+      </p:sp>
+      <p:sp>
+        <p:nvSpPr>
+          <p:cNvPr id="13" name="Szövegdoboz 12">
+            <a:extLst>
+              <a:ext uri="{FF2B5EF4-FFF2-40B4-BE49-F238E27FC236}">
+                <a16:creationId xmlns:a16="http://schemas.microsoft.com/office/drawing/2014/main" id="{CE3AD3EA-5B66-4966-9132-D7DC1BB7D0B0}"/>
+              </a:ext>
+            </a:extLst>
+          </p:cNvPr>
+          <p:cNvSpPr txBox="1"/>
+          <p:nvPr/>
+        </p:nvSpPr>
+        <p:spPr>
+          <a:xfrm>
+            <a:off x="8467725" y="4542303"/>
+            <a:ext cx="3634328" cy="369332"/>
+          </a:xfrm>
+          <a:prstGeom prst="rect">
+            <a:avLst/>
+          </a:prstGeom>
+          <a:noFill/>
+        </p:spPr>
+        <p:txBody>
+          <a:bodyPr wrap="none" rtlCol="0">
+            <a:spAutoFit/>
+          </a:bodyPr>
+          <a:lstStyle/>
+          <a:p>
+            <a:r>
+              <a:rPr lang="hu-HU" dirty="0">
+                <a:solidFill>
+                  <a:schemeClr val="bg1"/>
+                </a:solidFill>
+              </a:rPr>
+              <a:t>Itt jelenik meg a kosár tartalma</a:t>
+            </a:r>
+          </a:p>
+        </p:txBody>
+      </p:sp>
+      <p:cxnSp>
+        <p:nvCxnSpPr>
+          <p:cNvPr id="15" name="Egyenes összekötő nyíllal 14">
+            <a:extLst>
+              <a:ext uri="{FF2B5EF4-FFF2-40B4-BE49-F238E27FC236}">
+                <a16:creationId xmlns:a16="http://schemas.microsoft.com/office/drawing/2014/main" id="{F9268031-6C80-4480-B676-0C6671BE9CDD}"/>
+              </a:ext>
+            </a:extLst>
+          </p:cNvPr>
+          <p:cNvCxnSpPr>
+            <a:cxnSpLocks/>
+            <a:stCxn id="13" idx="1"/>
+          </p:cNvCxnSpPr>
+          <p:nvPr/>
+        </p:nvCxnSpPr>
+        <p:spPr>
+          <a:xfrm flipH="1" flipV="1">
+            <a:off x="7768608" y="4542303"/>
+            <a:ext cx="699117" cy="184666"/>
+          </a:xfrm>
+          <a:prstGeom prst="straightConnector1">
+            <a:avLst/>
+          </a:prstGeom>
+          <a:ln w="28575">
+            <a:solidFill>
+              <a:schemeClr val="tx1">
+                <a:alpha val="60000"/>
+              </a:schemeClr>
+            </a:solidFill>
+            <a:tailEnd type="triangle"/>
+          </a:ln>
+        </p:spPr>
+        <p:style>
+          <a:lnRef idx="1">
+            <a:schemeClr val="accent1"/>
+          </a:lnRef>
+          <a:fillRef idx="0">
+            <a:schemeClr val="accent1"/>
+          </a:fillRef>
+          <a:effectRef idx="0">
+            <a:schemeClr val="accent1"/>
+          </a:effectRef>
+          <a:fontRef idx="minor">
+            <a:schemeClr val="tx1"/>
+          </a:fontRef>
+        </p:style>
+      </p:cxnSp>
+      <p:sp>
+        <p:nvSpPr>
+          <p:cNvPr id="16" name="Szövegdoboz 15">
+            <a:extLst>
+              <a:ext uri="{FF2B5EF4-FFF2-40B4-BE49-F238E27FC236}">
+                <a16:creationId xmlns:a16="http://schemas.microsoft.com/office/drawing/2014/main" id="{C86205EE-AB5D-428F-A24F-01C21C1CC73B}"/>
+              </a:ext>
+            </a:extLst>
+          </p:cNvPr>
+          <p:cNvSpPr txBox="1"/>
+          <p:nvPr/>
+        </p:nvSpPr>
+        <p:spPr>
+          <a:xfrm>
+            <a:off x="8467725" y="5127648"/>
+            <a:ext cx="3696846" cy="369332"/>
+          </a:xfrm>
+          <a:prstGeom prst="rect">
+            <a:avLst/>
+          </a:prstGeom>
+          <a:noFill/>
+        </p:spPr>
+        <p:txBody>
+          <a:bodyPr wrap="none" rtlCol="0">
+            <a:spAutoFit/>
+          </a:bodyPr>
+          <a:lstStyle/>
+          <a:p>
+            <a:r>
+              <a:rPr lang="hu-HU" dirty="0">
+                <a:solidFill>
+                  <a:schemeClr val="bg1"/>
+                </a:solidFill>
+              </a:rPr>
+              <a:t>A termékek összesített összege</a:t>
+            </a:r>
+          </a:p>
+        </p:txBody>
+      </p:sp>
+      <p:sp>
+        <p:nvSpPr>
+          <p:cNvPr id="19" name="Beszédbuborék: ellipszis 18">
+            <a:extLst>
+              <a:ext uri="{FF2B5EF4-FFF2-40B4-BE49-F238E27FC236}">
+                <a16:creationId xmlns:a16="http://schemas.microsoft.com/office/drawing/2014/main" id="{99F4748D-A70E-4D4F-B2B8-D4732D033413}"/>
+              </a:ext>
+            </a:extLst>
+          </p:cNvPr>
+          <p:cNvSpPr/>
+          <p:nvPr/>
+        </p:nvSpPr>
+        <p:spPr>
+          <a:xfrm>
+            <a:off x="8467725" y="5857875"/>
+            <a:ext cx="3028950" cy="933450"/>
+          </a:xfrm>
+          <a:prstGeom prst="wedgeEllipseCallout">
+            <a:avLst>
+              <a:gd name="adj1" fmla="val -112553"/>
+              <a:gd name="adj2" fmla="val -76354"/>
+            </a:avLst>
+          </a:prstGeom>
+          <a:noFill/>
+          <a:ln>
+            <a:solidFill>
+              <a:schemeClr val="tx1"/>
+            </a:solidFill>
+          </a:ln>
+        </p:spPr>
+        <p:style>
+          <a:lnRef idx="2">
+            <a:schemeClr val="accent1">
+              <a:shade val="50000"/>
+            </a:schemeClr>
+          </a:lnRef>
+          <a:fillRef idx="1">
+            <a:schemeClr val="accent1"/>
+          </a:fillRef>
+          <a:effectRef idx="0">
+            <a:schemeClr val="accent1"/>
+          </a:effectRef>
+          <a:fontRef idx="minor">
+            <a:schemeClr val="lt1"/>
+          </a:fontRef>
+        </p:style>
+        <p:txBody>
+          <a:bodyPr rtlCol="0" anchor="ctr"/>
+          <a:lstStyle/>
+          <a:p>
+            <a:pPr algn="ctr"/>
+            <a:endParaRPr lang="hu-HU"/>
+          </a:p>
+        </p:txBody>
+      </p:sp>
+      <p:sp>
+        <p:nvSpPr>
+          <p:cNvPr id="20" name="Szövegdoboz 19">
+            <a:extLst>
+              <a:ext uri="{FF2B5EF4-FFF2-40B4-BE49-F238E27FC236}">
+                <a16:creationId xmlns:a16="http://schemas.microsoft.com/office/drawing/2014/main" id="{6CCD37FD-9E7A-4CE9-97EA-C807E1F9072C}"/>
+              </a:ext>
+            </a:extLst>
+          </p:cNvPr>
+          <p:cNvSpPr txBox="1"/>
+          <p:nvPr/>
+        </p:nvSpPr>
+        <p:spPr>
+          <a:xfrm>
+            <a:off x="8639034" y="5939879"/>
+            <a:ext cx="2662240" cy="830997"/>
+          </a:xfrm>
+          <a:prstGeom prst="rect">
+            <a:avLst/>
+          </a:prstGeom>
+          <a:noFill/>
+        </p:spPr>
+        <p:txBody>
+          <a:bodyPr wrap="square" rtlCol="0">
+            <a:spAutoFit/>
+          </a:bodyPr>
+          <a:lstStyle/>
+          <a:p>
+            <a:pPr algn="ctr"/>
+            <a:r>
+              <a:rPr lang="hu-HU" sz="1200" dirty="0">
+                <a:solidFill>
+                  <a:schemeClr val="bg1"/>
+                </a:solidFill>
+              </a:rPr>
+              <a:t>Ide kattintva átkerülünk a „</a:t>
+            </a:r>
+            <a:r>
+              <a:rPr lang="hu-HU" sz="1200" dirty="0" err="1">
+                <a:solidFill>
+                  <a:schemeClr val="bg1"/>
+                </a:solidFill>
+              </a:rPr>
+              <a:t>Payment</a:t>
+            </a:r>
+            <a:r>
+              <a:rPr lang="hu-HU" sz="1200" dirty="0">
+                <a:solidFill>
+                  <a:schemeClr val="bg1"/>
+                </a:solidFill>
+              </a:rPr>
+              <a:t>” felületre ahol meg tudjuk rendelni kiválasztott termékeinket</a:t>
+            </a:r>
+          </a:p>
+        </p:txBody>
+      </p:sp>
+      <p:sp>
+        <p:nvSpPr>
+          <p:cNvPr id="21" name="Beszédbuborék: ellipszis 20">
+            <a:extLst>
+              <a:ext uri="{FF2B5EF4-FFF2-40B4-BE49-F238E27FC236}">
+                <a16:creationId xmlns:a16="http://schemas.microsoft.com/office/drawing/2014/main" id="{A4EE808E-633C-4F51-A417-5A7C4C0A1F86}"/>
+              </a:ext>
+            </a:extLst>
+          </p:cNvPr>
+          <p:cNvSpPr/>
+          <p:nvPr/>
+        </p:nvSpPr>
+        <p:spPr>
+          <a:xfrm>
+            <a:off x="2814220" y="6136685"/>
+            <a:ext cx="2152735" cy="654640"/>
+          </a:xfrm>
+          <a:prstGeom prst="wedgeEllipseCallout">
+            <a:avLst>
+              <a:gd name="adj1" fmla="val 2784"/>
+              <a:gd name="adj2" fmla="val -148929"/>
+            </a:avLst>
+          </a:prstGeom>
+          <a:noFill/>
+          <a:ln>
+            <a:solidFill>
+              <a:schemeClr val="tx1"/>
+            </a:solidFill>
+          </a:ln>
+        </p:spPr>
+        <p:style>
+          <a:lnRef idx="2">
+            <a:schemeClr val="accent1">
+              <a:shade val="50000"/>
+            </a:schemeClr>
+          </a:lnRef>
+          <a:fillRef idx="1">
+            <a:schemeClr val="accent1"/>
+          </a:fillRef>
+          <a:effectRef idx="0">
+            <a:schemeClr val="accent1"/>
+          </a:effectRef>
+          <a:fontRef idx="minor">
+            <a:schemeClr val="lt1"/>
+          </a:fontRef>
+        </p:style>
+        <p:txBody>
+          <a:bodyPr rtlCol="0" anchor="ctr"/>
+          <a:lstStyle/>
+          <a:p>
+            <a:pPr algn="ctr"/>
+            <a:endParaRPr lang="hu-HU"/>
+          </a:p>
+        </p:txBody>
+      </p:sp>
+      <p:sp>
+        <p:nvSpPr>
+          <p:cNvPr id="22" name="Szövegdoboz 21">
+            <a:extLst>
+              <a:ext uri="{FF2B5EF4-FFF2-40B4-BE49-F238E27FC236}">
+                <a16:creationId xmlns:a16="http://schemas.microsoft.com/office/drawing/2014/main" id="{4E7D6AAF-75C9-42CB-A599-B752F2736576}"/>
+              </a:ext>
+            </a:extLst>
+          </p:cNvPr>
+          <p:cNvSpPr txBox="1"/>
+          <p:nvPr/>
+        </p:nvSpPr>
+        <p:spPr>
+          <a:xfrm>
+            <a:off x="3047207" y="6156368"/>
+            <a:ext cx="1686759" cy="600164"/>
+          </a:xfrm>
+          <a:prstGeom prst="rect">
+            <a:avLst/>
+          </a:prstGeom>
+          <a:noFill/>
+        </p:spPr>
+        <p:txBody>
+          <a:bodyPr wrap="square" rtlCol="0">
+            <a:spAutoFit/>
+          </a:bodyPr>
+          <a:lstStyle/>
+          <a:p>
+            <a:pPr algn="ctr"/>
+            <a:r>
+              <a:rPr lang="hu-HU" sz="1100" dirty="0">
+                <a:solidFill>
+                  <a:schemeClr val="bg1"/>
+                </a:solidFill>
+              </a:rPr>
+              <a:t>Ezzel a gombbal tudunk törölni a kosárból</a:t>
+            </a:r>
+          </a:p>
+        </p:txBody>
+      </p:sp>
+      <p:sp>
+        <p:nvSpPr>
+          <p:cNvPr id="8" name="Beszédbuborék: ellipszis 7">
+            <a:extLst>
+              <a:ext uri="{FF2B5EF4-FFF2-40B4-BE49-F238E27FC236}">
+                <a16:creationId xmlns:a16="http://schemas.microsoft.com/office/drawing/2014/main" id="{26CEB5C0-BD73-46AB-999B-FB790014B643}"/>
+              </a:ext>
+            </a:extLst>
+          </p:cNvPr>
+          <p:cNvSpPr/>
+          <p:nvPr/>
+        </p:nvSpPr>
+        <p:spPr>
+          <a:xfrm>
+            <a:off x="189199" y="62144"/>
+            <a:ext cx="1639601" cy="896644"/>
+          </a:xfrm>
+          <a:prstGeom prst="wedgeEllipseCallout">
+            <a:avLst>
+              <a:gd name="adj1" fmla="val 122018"/>
+              <a:gd name="adj2" fmla="val 64541"/>
+            </a:avLst>
+          </a:prstGeom>
+          <a:noFill/>
+          <a:ln>
+            <a:solidFill>
+              <a:schemeClr val="tx1"/>
+            </a:solidFill>
+          </a:ln>
+        </p:spPr>
+        <p:style>
+          <a:lnRef idx="2">
+            <a:schemeClr val="accent1">
+              <a:shade val="50000"/>
+            </a:schemeClr>
+          </a:lnRef>
+          <a:fillRef idx="1">
+            <a:schemeClr val="accent1"/>
+          </a:fillRef>
+          <a:effectRef idx="0">
+            <a:schemeClr val="accent1"/>
+          </a:effectRef>
+          <a:fontRef idx="minor">
+            <a:schemeClr val="lt1"/>
+          </a:fontRef>
+        </p:style>
+        <p:txBody>
+          <a:bodyPr rtlCol="0" anchor="ctr"/>
+          <a:lstStyle/>
+          <a:p>
+            <a:pPr algn="ctr"/>
+            <a:endParaRPr lang="hu-HU"/>
+          </a:p>
+        </p:txBody>
+      </p:sp>
+      <p:sp>
+        <p:nvSpPr>
+          <p:cNvPr id="24" name="Szövegdoboz 23">
+            <a:extLst>
+              <a:ext uri="{FF2B5EF4-FFF2-40B4-BE49-F238E27FC236}">
+                <a16:creationId xmlns:a16="http://schemas.microsoft.com/office/drawing/2014/main" id="{9DA518B5-991B-4F7F-B66B-435FD95DD696}"/>
+              </a:ext>
+            </a:extLst>
+          </p:cNvPr>
+          <p:cNvSpPr txBox="1"/>
+          <p:nvPr/>
+        </p:nvSpPr>
+        <p:spPr>
+          <a:xfrm>
+            <a:off x="189199" y="53461"/>
+            <a:ext cx="1558899" cy="830997"/>
+          </a:xfrm>
+          <a:prstGeom prst="rect">
+            <a:avLst/>
+          </a:prstGeom>
+          <a:noFill/>
+        </p:spPr>
+        <p:txBody>
+          <a:bodyPr wrap="square" rtlCol="0">
+            <a:spAutoFit/>
+          </a:bodyPr>
+          <a:lstStyle/>
+          <a:p>
+            <a:pPr algn="ctr"/>
+            <a:r>
+              <a:rPr lang="hu-HU" sz="1200" dirty="0">
+                <a:solidFill>
+                  <a:schemeClr val="bg1"/>
+                </a:solidFill>
+              </a:rPr>
+              <a:t>Itt a fiók adatokhoz, adat módosításra van lehetőségünk</a:t>
+            </a:r>
+          </a:p>
+        </p:txBody>
+      </p:sp>
+      <p:cxnSp>
+        <p:nvCxnSpPr>
+          <p:cNvPr id="17" name="Egyenes összekötő nyíllal 16">
+            <a:extLst>
+              <a:ext uri="{FF2B5EF4-FFF2-40B4-BE49-F238E27FC236}">
+                <a16:creationId xmlns:a16="http://schemas.microsoft.com/office/drawing/2014/main" id="{AA37C782-5C0A-42DC-BF23-4D6BFED3430E}"/>
+              </a:ext>
+            </a:extLst>
+          </p:cNvPr>
+          <p:cNvCxnSpPr>
+            <a:cxnSpLocks/>
+            <a:stCxn id="16" idx="1"/>
+          </p:cNvCxnSpPr>
+          <p:nvPr/>
+        </p:nvCxnSpPr>
+        <p:spPr>
+          <a:xfrm flipH="1">
+            <a:off x="7412854" y="5312314"/>
+            <a:ext cx="1054871" cy="0"/>
+          </a:xfrm>
+          <a:prstGeom prst="straightConnector1">
+            <a:avLst/>
+          </a:prstGeom>
+          <a:ln w="28575">
+            <a:solidFill>
+              <a:schemeClr val="tx1">
+                <a:alpha val="60000"/>
+              </a:schemeClr>
+            </a:solidFill>
+            <a:tailEnd type="triangle"/>
+          </a:ln>
+        </p:spPr>
+        <p:style>
+          <a:lnRef idx="1">
+            <a:schemeClr val="accent1"/>
+          </a:lnRef>
+          <a:fillRef idx="0">
+            <a:schemeClr val="accent1"/>
+          </a:fillRef>
+          <a:effectRef idx="0">
+            <a:schemeClr val="accent1"/>
+          </a:effectRef>
+          <a:fontRef idx="minor">
+            <a:schemeClr val="tx1"/>
+          </a:fontRef>
+        </p:style>
+      </p:cxnSp>
+    </p:spTree>
+    <p:extLst>
+      <p:ext uri="{BB962C8B-B14F-4D97-AF65-F5344CB8AC3E}">
+        <p14:creationId xmlns:p14="http://schemas.microsoft.com/office/powerpoint/2010/main" val="270822766"/>
+      </p:ext>
+    </p:extLst>
+  </p:cSld>
+  <p:clrMapOvr>
+    <a:masterClrMapping/>
+  </p:clrMapOvr>
+</p:sld>
+</file>
+
+<file path=ppt/slides/slide6.xml><?xml version="1.0" encoding="utf-8"?>
+<p:sld xmlns:a="http://schemas.openxmlformats.org/drawingml/2006/main" xmlns:r="http://schemas.openxmlformats.org/officeDocument/2006/relationships" xmlns:p="http://schemas.openxmlformats.org/presentationml/2006/main">
+  <p:cSld>
+    <p:spTree>
+      <p:nvGrpSpPr>
+        <p:cNvPr id="1" name=""/>
+        <p:cNvGrpSpPr/>
+        <p:nvPr/>
+      </p:nvGrpSpPr>
+      <p:grpSpPr>
+        <a:xfrm>
+          <a:off x="0" y="0"/>
+          <a:ext cx="0" cy="0"/>
+          <a:chOff x="0" y="0"/>
+          <a:chExt cx="0" cy="0"/>
+        </a:xfrm>
+      </p:grpSpPr>
+      <p:sp>
+        <p:nvSpPr>
+          <p:cNvPr id="2" name="Cím 1">
+            <a:extLst>
+              <a:ext uri="{FF2B5EF4-FFF2-40B4-BE49-F238E27FC236}">
+                <a16:creationId xmlns:a16="http://schemas.microsoft.com/office/drawing/2014/main" id="{E3B67208-92C4-407F-8FFF-F6933F35F17E}"/>
+              </a:ext>
+            </a:extLst>
+          </p:cNvPr>
+          <p:cNvSpPr>
+            <a:spLocks noGrp="1"/>
+          </p:cNvSpPr>
+          <p:nvPr>
+            <p:ph type="title"/>
+          </p:nvPr>
+        </p:nvSpPr>
+        <p:spPr>
+          <a:xfrm>
+            <a:off x="1828800" y="162982"/>
+            <a:ext cx="8534400" cy="893461"/>
+          </a:xfrm>
+        </p:spPr>
+        <p:txBody>
+          <a:bodyPr>
+            <a:normAutofit/>
+          </a:bodyPr>
+          <a:lstStyle/>
+          <a:p>
+            <a:pPr algn="ctr"/>
+            <a:r>
+              <a:rPr lang="hu-HU" sz="2800" dirty="0"/>
+              <a:t>A személyzet fülre átkattintva</a:t>
+            </a:r>
+          </a:p>
+        </p:txBody>
+      </p:sp>
+      <p:pic>
+        <p:nvPicPr>
+          <p:cNvPr id="4" name="Kép 3">
+            <a:extLst>
+              <a:ext uri="{FF2B5EF4-FFF2-40B4-BE49-F238E27FC236}">
+                <a16:creationId xmlns:a16="http://schemas.microsoft.com/office/drawing/2014/main" id="{FCD04A4B-E92E-4CB2-B862-EB074A282D3B}"/>
+              </a:ext>
+            </a:extLst>
+          </p:cNvPr>
+          <p:cNvPicPr>
+            <a:picLocks noChangeAspect="1"/>
+          </p:cNvPicPr>
+          <p:nvPr/>
+        </p:nvPicPr>
+        <p:blipFill>
+          <a:blip r:embed="rId2"/>
+          <a:stretch>
+            <a:fillRect/>
+          </a:stretch>
+        </p:blipFill>
+        <p:spPr>
+          <a:xfrm>
+            <a:off x="4113591" y="1510251"/>
+            <a:ext cx="6397300" cy="4797975"/>
+          </a:xfrm>
+          <a:prstGeom prst="rect">
+            <a:avLst/>
+          </a:prstGeom>
+        </p:spPr>
+      </p:pic>
+      <p:cxnSp>
+        <p:nvCxnSpPr>
+          <p:cNvPr id="9" name="Egyenes összekötő nyíllal 8">
+            <a:extLst>
+              <a:ext uri="{FF2B5EF4-FFF2-40B4-BE49-F238E27FC236}">
+                <a16:creationId xmlns:a16="http://schemas.microsoft.com/office/drawing/2014/main" id="{937901DA-AB02-409A-BE39-99FF90124DDD}"/>
+              </a:ext>
+            </a:extLst>
+          </p:cNvPr>
+          <p:cNvCxnSpPr>
+            <a:cxnSpLocks/>
+          </p:cNvCxnSpPr>
+          <p:nvPr/>
+        </p:nvCxnSpPr>
+        <p:spPr>
+          <a:xfrm flipH="1">
+            <a:off x="5450889" y="798990"/>
+            <a:ext cx="645113" cy="711261"/>
+          </a:xfrm>
+          <a:prstGeom prst="straightConnector1">
+            <a:avLst/>
+          </a:prstGeom>
+          <a:ln w="28575">
+            <a:solidFill>
+              <a:schemeClr val="bg1">
+                <a:alpha val="60000"/>
+              </a:schemeClr>
+            </a:solidFill>
+            <a:tailEnd type="triangle"/>
+          </a:ln>
+        </p:spPr>
+        <p:style>
+          <a:lnRef idx="1">
+            <a:schemeClr val="accent1"/>
+          </a:lnRef>
+          <a:fillRef idx="0">
+            <a:schemeClr val="accent1"/>
+          </a:fillRef>
+          <a:effectRef idx="0">
+            <a:schemeClr val="accent1"/>
+          </a:effectRef>
+          <a:fontRef idx="minor">
+            <a:schemeClr val="tx1"/>
+          </a:fontRef>
+        </p:style>
+      </p:cxnSp>
+      <p:sp>
+        <p:nvSpPr>
+          <p:cNvPr id="15" name="Szövegdoboz 14">
+            <a:extLst>
+              <a:ext uri="{FF2B5EF4-FFF2-40B4-BE49-F238E27FC236}">
+                <a16:creationId xmlns:a16="http://schemas.microsoft.com/office/drawing/2014/main" id="{2AD1A6F2-508F-4DD4-A685-81892EC11C18}"/>
+              </a:ext>
+            </a:extLst>
+          </p:cNvPr>
+          <p:cNvSpPr txBox="1"/>
+          <p:nvPr/>
+        </p:nvSpPr>
+        <p:spPr>
+          <a:xfrm>
+            <a:off x="301841" y="1784412"/>
+            <a:ext cx="3346881" cy="1323439"/>
+          </a:xfrm>
+          <a:prstGeom prst="rect">
+            <a:avLst/>
+          </a:prstGeom>
+          <a:noFill/>
+        </p:spPr>
+        <p:txBody>
+          <a:bodyPr wrap="square" rtlCol="0">
+            <a:spAutoFit/>
+          </a:bodyPr>
+          <a:lstStyle/>
+          <a:p>
+            <a:r>
+              <a:rPr lang="hu-HU" sz="2000" dirty="0">
+                <a:solidFill>
+                  <a:schemeClr val="bg1"/>
+                </a:solidFill>
+              </a:rPr>
+              <a:t>Láthatjuk a felhasználói adatainkat illetve van lehetőségünk módosítani rajtuk</a:t>
+            </a:r>
+          </a:p>
+        </p:txBody>
+      </p:sp>
+      <p:sp>
+        <p:nvSpPr>
+          <p:cNvPr id="16" name="Beszédbuborék: ellipszis 15">
+            <a:extLst>
+              <a:ext uri="{FF2B5EF4-FFF2-40B4-BE49-F238E27FC236}">
+                <a16:creationId xmlns:a16="http://schemas.microsoft.com/office/drawing/2014/main" id="{33025579-77AB-4A8E-B0CD-64D802EE2AB2}"/>
+              </a:ext>
+            </a:extLst>
+          </p:cNvPr>
+          <p:cNvSpPr/>
+          <p:nvPr/>
+        </p:nvSpPr>
+        <p:spPr>
+          <a:xfrm>
+            <a:off x="301841" y="3684233"/>
+            <a:ext cx="3258105" cy="2556769"/>
+          </a:xfrm>
+          <a:prstGeom prst="wedgeEllipseCallout">
+            <a:avLst>
+              <a:gd name="adj1" fmla="val 112615"/>
+              <a:gd name="adj2" fmla="val 19955"/>
+            </a:avLst>
+          </a:prstGeom>
+          <a:noFill/>
+          <a:ln>
+            <a:solidFill>
+              <a:schemeClr val="tx1"/>
+            </a:solidFill>
+          </a:ln>
+        </p:spPr>
+        <p:style>
+          <a:lnRef idx="2">
+            <a:schemeClr val="accent1">
+              <a:shade val="50000"/>
+            </a:schemeClr>
+          </a:lnRef>
+          <a:fillRef idx="1">
+            <a:schemeClr val="accent1"/>
+          </a:fillRef>
+          <a:effectRef idx="0">
+            <a:schemeClr val="accent1"/>
+          </a:effectRef>
+          <a:fontRef idx="minor">
+            <a:schemeClr val="lt1"/>
+          </a:fontRef>
+        </p:style>
+        <p:txBody>
+          <a:bodyPr rtlCol="0" anchor="ctr"/>
+          <a:lstStyle/>
+          <a:p>
+            <a:pPr algn="ctr"/>
+            <a:r>
+              <a:rPr lang="hu-HU" sz="2000" dirty="0">
+                <a:solidFill>
+                  <a:schemeClr val="bg1"/>
+                </a:solidFill>
+              </a:rPr>
+              <a:t>Ha kitöltöttük a megfelelő cellák kitöltése után a gombra kattintva tudjuk változtatni adatainkat</a:t>
+            </a:r>
+          </a:p>
+        </p:txBody>
+      </p:sp>
+    </p:spTree>
+    <p:extLst>
+      <p:ext uri="{BB962C8B-B14F-4D97-AF65-F5344CB8AC3E}">
+        <p14:creationId xmlns:p14="http://schemas.microsoft.com/office/powerpoint/2010/main" val="4166099579"/>
+      </p:ext>
+    </p:extLst>
+  </p:cSld>
+  <p:clrMapOvr>
+    <a:masterClrMapping/>
+  </p:clrMapOvr>
+</p:sld>
+</file>
+
+<file path=ppt/slides/slide7.xml><?xml version="1.0" encoding="utf-8"?>
+<p:sld xmlns:a="http://schemas.openxmlformats.org/drawingml/2006/main" xmlns:r="http://schemas.openxmlformats.org/officeDocument/2006/relationships" xmlns:p="http://schemas.openxmlformats.org/presentationml/2006/main">
+  <p:cSld>
+    <p:spTree>
+      <p:nvGrpSpPr>
+        <p:cNvPr id="1" name=""/>
+        <p:cNvGrpSpPr/>
+        <p:nvPr/>
+      </p:nvGrpSpPr>
+      <p:grpSpPr>
+        <a:xfrm>
+          <a:off x="0" y="0"/>
+          <a:ext cx="0" cy="0"/>
+          <a:chOff x="0" y="0"/>
+          <a:chExt cx="0" cy="0"/>
+        </a:xfrm>
+      </p:grpSpPr>
+      <p:sp>
+        <p:nvSpPr>
+          <p:cNvPr id="2" name="Cím 1">
+            <a:extLst>
+              <a:ext uri="{FF2B5EF4-FFF2-40B4-BE49-F238E27FC236}">
+                <a16:creationId xmlns:a16="http://schemas.microsoft.com/office/drawing/2014/main" id="{1D71C821-EC14-4545-9069-45FE39A9F1D7}"/>
+              </a:ext>
+            </a:extLst>
+          </p:cNvPr>
+          <p:cNvSpPr>
+            <a:spLocks noGrp="1"/>
+          </p:cNvSpPr>
+          <p:nvPr>
+            <p:ph type="title"/>
+          </p:nvPr>
+        </p:nvSpPr>
+        <p:spPr>
+          <a:xfrm>
+            <a:off x="1828800" y="181661"/>
+            <a:ext cx="8534400" cy="1507067"/>
+          </a:xfrm>
+        </p:spPr>
+        <p:txBody>
+          <a:bodyPr>
+            <a:normAutofit/>
+          </a:bodyPr>
+          <a:lstStyle/>
+          <a:p>
+            <a:pPr algn="ctr"/>
+            <a:r>
+              <a:rPr lang="hu-HU" sz="2800" dirty="0"/>
+              <a:t>Visszalépve az áruház felületre „ellenőrzés és fizetés” gombra kattintva a „</a:t>
+            </a:r>
+            <a:r>
+              <a:rPr lang="hu-HU" sz="2800" dirty="0" err="1"/>
+              <a:t>payment</a:t>
+            </a:r>
+            <a:r>
+              <a:rPr lang="hu-HU" sz="2800" dirty="0"/>
+              <a:t>” felületre kerülünk</a:t>
+            </a:r>
+          </a:p>
+        </p:txBody>
+      </p:sp>
+      <p:pic>
+        <p:nvPicPr>
+          <p:cNvPr id="5" name="Kép 4">
+            <a:extLst>
+              <a:ext uri="{FF2B5EF4-FFF2-40B4-BE49-F238E27FC236}">
+                <a16:creationId xmlns:a16="http://schemas.microsoft.com/office/drawing/2014/main" id="{0F923192-BB56-4819-9FB8-7891AB3563DD}"/>
+              </a:ext>
+            </a:extLst>
+          </p:cNvPr>
+          <p:cNvPicPr>
+            <a:picLocks noChangeAspect="1"/>
+          </p:cNvPicPr>
+          <p:nvPr/>
+        </p:nvPicPr>
+        <p:blipFill>
+          <a:blip r:embed="rId2"/>
+          <a:stretch>
+            <a:fillRect/>
+          </a:stretch>
+        </p:blipFill>
+        <p:spPr>
+          <a:xfrm>
+            <a:off x="2546091" y="1688728"/>
+            <a:ext cx="6819900" cy="3781425"/>
+          </a:xfrm>
+          <a:prstGeom prst="rect">
+            <a:avLst/>
+          </a:prstGeom>
+        </p:spPr>
+      </p:pic>
+      <p:sp>
+        <p:nvSpPr>
+          <p:cNvPr id="6" name="Szövegdoboz 5">
+            <a:extLst>
+              <a:ext uri="{FF2B5EF4-FFF2-40B4-BE49-F238E27FC236}">
+                <a16:creationId xmlns:a16="http://schemas.microsoft.com/office/drawing/2014/main" id="{03B6EB94-D1D0-416B-9E93-BB673E488646}"/>
+              </a:ext>
+            </a:extLst>
+          </p:cNvPr>
+          <p:cNvSpPr txBox="1"/>
+          <p:nvPr/>
+        </p:nvSpPr>
+        <p:spPr>
+          <a:xfrm>
+            <a:off x="267870" y="3675291"/>
+            <a:ext cx="2118049" cy="1015663"/>
+          </a:xfrm>
+          <a:prstGeom prst="rect">
+            <a:avLst/>
+          </a:prstGeom>
+          <a:noFill/>
+        </p:spPr>
+        <p:txBody>
+          <a:bodyPr wrap="square" rtlCol="0">
+            <a:spAutoFit/>
+          </a:bodyPr>
+          <a:lstStyle/>
+          <a:p>
+            <a:r>
+              <a:rPr lang="hu-HU" sz="2000" dirty="0">
+                <a:solidFill>
+                  <a:schemeClr val="bg1"/>
+                </a:solidFill>
+              </a:rPr>
+              <a:t>Itt meg kell adni a kártya adatainkat</a:t>
+            </a:r>
+          </a:p>
+        </p:txBody>
+      </p:sp>
+      <p:sp>
+        <p:nvSpPr>
+          <p:cNvPr id="7" name="Szövegdoboz 6">
+            <a:extLst>
+              <a:ext uri="{FF2B5EF4-FFF2-40B4-BE49-F238E27FC236}">
+                <a16:creationId xmlns:a16="http://schemas.microsoft.com/office/drawing/2014/main" id="{61EE910D-CA64-4EF8-BF30-D0D5E9899DC9}"/>
+              </a:ext>
+            </a:extLst>
+          </p:cNvPr>
+          <p:cNvSpPr txBox="1"/>
+          <p:nvPr/>
+        </p:nvSpPr>
+        <p:spPr>
+          <a:xfrm>
+            <a:off x="6862439" y="5868139"/>
+            <a:ext cx="3932487" cy="369332"/>
+          </a:xfrm>
+          <a:prstGeom prst="rect">
+            <a:avLst/>
+          </a:prstGeom>
+          <a:noFill/>
+        </p:spPr>
+        <p:txBody>
+          <a:bodyPr wrap="none" rtlCol="0">
+            <a:spAutoFit/>
+          </a:bodyPr>
+          <a:lstStyle/>
+          <a:p>
+            <a:r>
+              <a:rPr lang="hu-HU" dirty="0">
+                <a:solidFill>
+                  <a:schemeClr val="bg1"/>
+                </a:solidFill>
+              </a:rPr>
+              <a:t>Itt láthatjuk az összesített összeget</a:t>
+            </a:r>
+          </a:p>
+        </p:txBody>
+      </p:sp>
+      <p:cxnSp>
+        <p:nvCxnSpPr>
+          <p:cNvPr id="9" name="Egyenes összekötő nyíllal 8">
+            <a:extLst>
+              <a:ext uri="{FF2B5EF4-FFF2-40B4-BE49-F238E27FC236}">
+                <a16:creationId xmlns:a16="http://schemas.microsoft.com/office/drawing/2014/main" id="{64568DA0-8B63-4A7B-81AE-A6D924AD6927}"/>
+              </a:ext>
+            </a:extLst>
+          </p:cNvPr>
+          <p:cNvCxnSpPr>
+            <a:cxnSpLocks/>
+            <a:stCxn id="7" idx="0"/>
+          </p:cNvCxnSpPr>
+          <p:nvPr/>
+        </p:nvCxnSpPr>
+        <p:spPr>
+          <a:xfrm flipH="1" flipV="1">
+            <a:off x="7217546" y="4900474"/>
+            <a:ext cx="1611137" cy="967665"/>
+          </a:xfrm>
+          <a:prstGeom prst="straightConnector1">
+            <a:avLst/>
+          </a:prstGeom>
+          <a:ln w="28575">
+            <a:solidFill>
+              <a:schemeClr val="bg1">
+                <a:alpha val="60000"/>
+              </a:schemeClr>
+            </a:solidFill>
+            <a:tailEnd type="triangle"/>
+          </a:ln>
+        </p:spPr>
+        <p:style>
+          <a:lnRef idx="1">
+            <a:schemeClr val="accent1"/>
+          </a:lnRef>
+          <a:fillRef idx="0">
+            <a:schemeClr val="accent1"/>
+          </a:fillRef>
+          <a:effectRef idx="0">
+            <a:schemeClr val="accent1"/>
+          </a:effectRef>
+          <a:fontRef idx="minor">
+            <a:schemeClr val="tx1"/>
+          </a:fontRef>
+        </p:style>
+      </p:cxnSp>
+      <p:sp>
+        <p:nvSpPr>
+          <p:cNvPr id="11" name="Beszédbuborék: ellipszis 10">
+            <a:extLst>
+              <a:ext uri="{FF2B5EF4-FFF2-40B4-BE49-F238E27FC236}">
+                <a16:creationId xmlns:a16="http://schemas.microsoft.com/office/drawing/2014/main" id="{B0330C7D-9F10-4ECF-B045-CE73B60EFFFF}"/>
+              </a:ext>
+            </a:extLst>
+          </p:cNvPr>
+          <p:cNvSpPr/>
+          <p:nvPr/>
+        </p:nvSpPr>
+        <p:spPr>
+          <a:xfrm>
+            <a:off x="372862" y="5470152"/>
+            <a:ext cx="1740023" cy="1143712"/>
+          </a:xfrm>
+          <a:prstGeom prst="wedgeEllipseCallout">
+            <a:avLst>
+              <a:gd name="adj1" fmla="val 91041"/>
+              <a:gd name="adj2" fmla="val -73515"/>
+            </a:avLst>
+          </a:prstGeom>
+          <a:noFill/>
+          <a:ln>
+            <a:solidFill>
+              <a:schemeClr val="tx1"/>
+            </a:solidFill>
+          </a:ln>
+        </p:spPr>
+        <p:style>
+          <a:lnRef idx="2">
+            <a:schemeClr val="accent1">
+              <a:shade val="50000"/>
+            </a:schemeClr>
+          </a:lnRef>
+          <a:fillRef idx="1">
+            <a:schemeClr val="accent1"/>
+          </a:fillRef>
+          <a:effectRef idx="0">
+            <a:schemeClr val="accent1"/>
+          </a:effectRef>
+          <a:fontRef idx="minor">
+            <a:schemeClr val="lt1"/>
+          </a:fontRef>
+        </p:style>
+        <p:txBody>
+          <a:bodyPr rtlCol="0" anchor="ctr"/>
+          <a:lstStyle/>
+          <a:p>
+            <a:pPr algn="ctr"/>
+            <a:endParaRPr lang="hu-HU"/>
+          </a:p>
+        </p:txBody>
+      </p:sp>
+      <p:sp>
+        <p:nvSpPr>
+          <p:cNvPr id="12" name="Szövegdoboz 11">
+            <a:extLst>
+              <a:ext uri="{FF2B5EF4-FFF2-40B4-BE49-F238E27FC236}">
+                <a16:creationId xmlns:a16="http://schemas.microsoft.com/office/drawing/2014/main" id="{F19744A7-C1C4-4D64-9033-D714F436C7BA}"/>
+              </a:ext>
+            </a:extLst>
+          </p:cNvPr>
+          <p:cNvSpPr txBox="1"/>
+          <p:nvPr/>
+        </p:nvSpPr>
+        <p:spPr>
+          <a:xfrm>
+            <a:off x="372862" y="5626509"/>
+            <a:ext cx="1740022" cy="830997"/>
+          </a:xfrm>
+          <a:prstGeom prst="rect">
+            <a:avLst/>
+          </a:prstGeom>
+          <a:noFill/>
+        </p:spPr>
+        <p:txBody>
+          <a:bodyPr wrap="square" rtlCol="0">
+            <a:spAutoFit/>
+          </a:bodyPr>
+          <a:lstStyle/>
+          <a:p>
+            <a:pPr algn="ctr"/>
+            <a:r>
+              <a:rPr lang="hu-HU" sz="1200" dirty="0">
+                <a:solidFill>
+                  <a:schemeClr val="bg1"/>
+                </a:solidFill>
+              </a:rPr>
+              <a:t>A „Jóváhagyás” gombra kattintva véglegesítjük a rendelést</a:t>
+            </a:r>
+          </a:p>
+        </p:txBody>
+      </p:sp>
+    </p:spTree>
+    <p:extLst>
+      <p:ext uri="{BB962C8B-B14F-4D97-AF65-F5344CB8AC3E}">
+        <p14:creationId xmlns:p14="http://schemas.microsoft.com/office/powerpoint/2010/main" val="2439313621"/>
+      </p:ext>
+    </p:extLst>
+  </p:cSld>
+  <p:clrMapOvr>
+    <a:masterClrMapping/>
+  </p:clrMapOvr>
+</p:sld>
+</file>
+
+<file path=ppt/slides/slide8.xml><?xml version="1.0" encoding="utf-8"?>
+<p:sld xmlns:a="http://schemas.openxmlformats.org/drawingml/2006/main" xmlns:r="http://schemas.openxmlformats.org/officeDocument/2006/relationships" xmlns:p="http://schemas.openxmlformats.org/presentationml/2006/main">
+  <p:cSld>
+    <p:spTree>
+      <p:nvGrpSpPr>
+        <p:cNvPr id="1" name=""/>
+        <p:cNvGrpSpPr/>
+        <p:nvPr/>
+      </p:nvGrpSpPr>
+      <p:grpSpPr>
+        <a:xfrm>
+          <a:off x="0" y="0"/>
+          <a:ext cx="0" cy="0"/>
+          <a:chOff x="0" y="0"/>
+          <a:chExt cx="0" cy="0"/>
+        </a:xfrm>
+      </p:grpSpPr>
+      <p:sp>
+        <p:nvSpPr>
+          <p:cNvPr id="2" name="Cím 1">
+            <a:extLst>
+              <a:ext uri="{FF2B5EF4-FFF2-40B4-BE49-F238E27FC236}">
+                <a16:creationId xmlns:a16="http://schemas.microsoft.com/office/drawing/2014/main" id="{CB483ACF-37F0-4002-9DF6-FF5636C31CC3}"/>
+              </a:ext>
+            </a:extLst>
+          </p:cNvPr>
+          <p:cNvSpPr>
+            <a:spLocks noGrp="1"/>
+          </p:cNvSpPr>
+          <p:nvPr>
+            <p:ph type="title"/>
+          </p:nvPr>
+        </p:nvSpPr>
+        <p:spPr>
+          <a:xfrm>
+            <a:off x="1828800" y="181662"/>
+            <a:ext cx="8534400" cy="1507067"/>
+          </a:xfrm>
+        </p:spPr>
+        <p:txBody>
+          <a:bodyPr>
+            <a:normAutofit/>
+          </a:bodyPr>
+          <a:lstStyle/>
+          <a:p>
+            <a:pPr algn="ctr"/>
+            <a:r>
+              <a:rPr lang="hu-HU" sz="2800" dirty="0"/>
+              <a:t>Ha rendelkezünk </a:t>
+            </a:r>
+            <a:r>
+              <a:rPr lang="hu-HU" sz="2800" dirty="0" err="1"/>
+              <a:t>Admin</a:t>
+            </a:r>
+            <a:r>
+              <a:rPr lang="hu-HU" sz="2800" dirty="0"/>
+              <a:t> felhasználói fiókkal, akkor a „Login” felületen be tudunk lépni az „</a:t>
+            </a:r>
+            <a:r>
+              <a:rPr lang="hu-HU" sz="2800" dirty="0" err="1"/>
+              <a:t>admin</a:t>
+            </a:r>
+            <a:r>
+              <a:rPr lang="hu-HU" sz="2800" dirty="0"/>
+              <a:t>” felületre</a:t>
+            </a:r>
+          </a:p>
+        </p:txBody>
+      </p:sp>
+      <p:pic>
+        <p:nvPicPr>
+          <p:cNvPr id="5" name="Kép 4">
+            <a:extLst>
+              <a:ext uri="{FF2B5EF4-FFF2-40B4-BE49-F238E27FC236}">
+                <a16:creationId xmlns:a16="http://schemas.microsoft.com/office/drawing/2014/main" id="{CCBAE5B8-90BC-415B-B5DB-A0D917C9D74A}"/>
+              </a:ext>
+            </a:extLst>
+          </p:cNvPr>
+          <p:cNvPicPr>
+            <a:picLocks noChangeAspect="1"/>
+          </p:cNvPicPr>
+          <p:nvPr/>
+        </p:nvPicPr>
+        <p:blipFill>
+          <a:blip r:embed="rId2"/>
+          <a:stretch>
+            <a:fillRect/>
+          </a:stretch>
+        </p:blipFill>
+        <p:spPr>
+          <a:xfrm>
+            <a:off x="2963393" y="1875341"/>
+            <a:ext cx="6265214" cy="4615574"/>
+          </a:xfrm>
+          <a:prstGeom prst="rect">
+            <a:avLst/>
+          </a:prstGeom>
+        </p:spPr>
+      </p:pic>
+      <p:sp>
+        <p:nvSpPr>
+          <p:cNvPr id="7" name="Szövegdoboz 6">
+            <a:extLst>
+              <a:ext uri="{FF2B5EF4-FFF2-40B4-BE49-F238E27FC236}">
+                <a16:creationId xmlns:a16="http://schemas.microsoft.com/office/drawing/2014/main" id="{7DDBB122-4816-4CBF-B634-B7EE66820AA7}"/>
+              </a:ext>
+            </a:extLst>
+          </p:cNvPr>
+          <p:cNvSpPr txBox="1"/>
+          <p:nvPr/>
+        </p:nvSpPr>
+        <p:spPr>
+          <a:xfrm>
+            <a:off x="284086" y="2459504"/>
+            <a:ext cx="2210540" cy="1938992"/>
+          </a:xfrm>
+          <a:prstGeom prst="rect">
+            <a:avLst/>
+          </a:prstGeom>
+          <a:noFill/>
+        </p:spPr>
+        <p:txBody>
+          <a:bodyPr wrap="square" rtlCol="0">
+            <a:spAutoFit/>
+          </a:bodyPr>
+          <a:lstStyle/>
+          <a:p>
+            <a:r>
+              <a:rPr lang="hu-HU" sz="2400" dirty="0">
+                <a:solidFill>
+                  <a:schemeClr val="bg1"/>
+                </a:solidFill>
+              </a:rPr>
+              <a:t>Itt egyből láthatjuk kilistázva az összes felhasználót</a:t>
+            </a:r>
+          </a:p>
+        </p:txBody>
+      </p:sp>
+      <p:sp>
+        <p:nvSpPr>
+          <p:cNvPr id="8" name="Beszédbuborék: ellipszis 7">
+            <a:extLst>
+              <a:ext uri="{FF2B5EF4-FFF2-40B4-BE49-F238E27FC236}">
+                <a16:creationId xmlns:a16="http://schemas.microsoft.com/office/drawing/2014/main" id="{78202D96-6F81-4FAA-A61B-AF2FAD08293B}"/>
+              </a:ext>
+            </a:extLst>
+          </p:cNvPr>
+          <p:cNvSpPr/>
+          <p:nvPr/>
+        </p:nvSpPr>
+        <p:spPr>
+          <a:xfrm>
+            <a:off x="9697374" y="4021585"/>
+            <a:ext cx="2074415" cy="1979720"/>
+          </a:xfrm>
+          <a:prstGeom prst="wedgeEllipseCallout">
+            <a:avLst>
+              <a:gd name="adj1" fmla="val -81175"/>
+              <a:gd name="adj2" fmla="val -59473"/>
+            </a:avLst>
+          </a:prstGeom>
+          <a:noFill/>
+          <a:ln>
+            <a:solidFill>
+              <a:schemeClr val="tx1"/>
+            </a:solidFill>
+          </a:ln>
+        </p:spPr>
+        <p:style>
+          <a:lnRef idx="2">
+            <a:schemeClr val="accent1">
+              <a:shade val="50000"/>
+            </a:schemeClr>
+          </a:lnRef>
+          <a:fillRef idx="1">
+            <a:schemeClr val="accent1"/>
+          </a:fillRef>
+          <a:effectRef idx="0">
+            <a:schemeClr val="accent1"/>
+          </a:effectRef>
+          <a:fontRef idx="minor">
+            <a:schemeClr val="lt1"/>
+          </a:fontRef>
+        </p:style>
+        <p:txBody>
+          <a:bodyPr rtlCol="0" anchor="ctr"/>
+          <a:lstStyle/>
+          <a:p>
+            <a:pPr algn="ctr"/>
+            <a:endParaRPr lang="hu-HU"/>
+          </a:p>
+        </p:txBody>
+      </p:sp>
+      <p:sp>
+        <p:nvSpPr>
+          <p:cNvPr id="9" name="Szövegdoboz 8">
+            <a:extLst>
+              <a:ext uri="{FF2B5EF4-FFF2-40B4-BE49-F238E27FC236}">
+                <a16:creationId xmlns:a16="http://schemas.microsoft.com/office/drawing/2014/main" id="{92894D23-9BA9-4179-A536-E2B8327972EF}"/>
+              </a:ext>
+            </a:extLst>
+          </p:cNvPr>
+          <p:cNvSpPr txBox="1"/>
+          <p:nvPr/>
+        </p:nvSpPr>
+        <p:spPr>
+          <a:xfrm>
+            <a:off x="9742084" y="4272781"/>
+            <a:ext cx="1984993" cy="1477328"/>
+          </a:xfrm>
+          <a:prstGeom prst="rect">
+            <a:avLst/>
+          </a:prstGeom>
+          <a:noFill/>
+        </p:spPr>
+        <p:txBody>
+          <a:bodyPr wrap="square" rtlCol="0">
+            <a:spAutoFit/>
+          </a:bodyPr>
+          <a:lstStyle/>
+          <a:p>
+            <a:pPr algn="ctr"/>
+            <a:r>
+              <a:rPr lang="hu-HU" dirty="0">
+                <a:solidFill>
+                  <a:schemeClr val="bg1"/>
+                </a:solidFill>
+              </a:rPr>
+              <a:t>Ezzel a gombbal tudjuk törölni a kiválasztott fiókot</a:t>
+            </a:r>
+          </a:p>
+        </p:txBody>
+      </p:sp>
+      <p:sp>
+        <p:nvSpPr>
+          <p:cNvPr id="10" name="Beszédbuborék: ellipszis 9">
+            <a:extLst>
+              <a:ext uri="{FF2B5EF4-FFF2-40B4-BE49-F238E27FC236}">
+                <a16:creationId xmlns:a16="http://schemas.microsoft.com/office/drawing/2014/main" id="{D4218D3E-3237-4BB7-849C-6A85DB366E7D}"/>
+              </a:ext>
+            </a:extLst>
+          </p:cNvPr>
+          <p:cNvSpPr/>
+          <p:nvPr/>
+        </p:nvSpPr>
+        <p:spPr>
+          <a:xfrm>
+            <a:off x="9742083" y="1688729"/>
+            <a:ext cx="1984993" cy="1887390"/>
+          </a:xfrm>
+          <a:prstGeom prst="wedgeEllipseCallout">
+            <a:avLst>
+              <a:gd name="adj1" fmla="val -86168"/>
+              <a:gd name="adj2" fmla="val 44038"/>
+            </a:avLst>
+          </a:prstGeom>
+          <a:noFill/>
+          <a:ln>
+            <a:solidFill>
+              <a:schemeClr val="tx1"/>
+            </a:solidFill>
+          </a:ln>
+        </p:spPr>
+        <p:style>
+          <a:lnRef idx="2">
+            <a:schemeClr val="accent1">
+              <a:shade val="50000"/>
+            </a:schemeClr>
+          </a:lnRef>
+          <a:fillRef idx="1">
+            <a:schemeClr val="accent1"/>
+          </a:fillRef>
+          <a:effectRef idx="0">
+            <a:schemeClr val="accent1"/>
+          </a:effectRef>
+          <a:fontRef idx="minor">
+            <a:schemeClr val="lt1"/>
+          </a:fontRef>
+        </p:style>
+        <p:txBody>
+          <a:bodyPr rtlCol="0" anchor="ctr"/>
+          <a:lstStyle/>
+          <a:p>
+            <a:pPr algn="ctr"/>
+            <a:endParaRPr lang="hu-HU"/>
+          </a:p>
+        </p:txBody>
+      </p:sp>
+      <p:sp>
+        <p:nvSpPr>
+          <p:cNvPr id="11" name="Szövegdoboz 10">
+            <a:extLst>
+              <a:ext uri="{FF2B5EF4-FFF2-40B4-BE49-F238E27FC236}">
+                <a16:creationId xmlns:a16="http://schemas.microsoft.com/office/drawing/2014/main" id="{0396A6A6-E5BC-410B-872F-5B817AD17E3E}"/>
+              </a:ext>
+            </a:extLst>
+          </p:cNvPr>
+          <p:cNvSpPr txBox="1"/>
+          <p:nvPr/>
+        </p:nvSpPr>
+        <p:spPr>
+          <a:xfrm>
+            <a:off x="9843991" y="1895104"/>
+            <a:ext cx="1781175" cy="1477328"/>
+          </a:xfrm>
+          <a:prstGeom prst="rect">
+            <a:avLst/>
+          </a:prstGeom>
+          <a:noFill/>
+        </p:spPr>
+        <p:txBody>
+          <a:bodyPr wrap="square" rtlCol="0">
+            <a:spAutoFit/>
+          </a:bodyPr>
+          <a:lstStyle/>
+          <a:p>
+            <a:pPr algn="ctr"/>
+            <a:r>
+              <a:rPr lang="hu-HU" dirty="0">
+                <a:solidFill>
+                  <a:schemeClr val="bg1"/>
+                </a:solidFill>
+              </a:rPr>
+              <a:t>A gomb lenyomásával frissíteni tudjuk a felhasználók listáját </a:t>
+            </a:r>
+          </a:p>
+        </p:txBody>
+      </p:sp>
+    </p:spTree>
+    <p:extLst>
+      <p:ext uri="{BB962C8B-B14F-4D97-AF65-F5344CB8AC3E}">
+        <p14:creationId xmlns:p14="http://schemas.microsoft.com/office/powerpoint/2010/main" val="3677396165"/>
+      </p:ext>
+    </p:extLst>
+  </p:cSld>
+  <p:clrMapOvr>
+    <a:masterClrMapping/>
+  </p:clrMapOvr>
+</p:sld>
+</file>
+
+<file path=ppt/slides/slide9.xml><?xml version="1.0" encoding="utf-8"?>
+<p:sld xmlns:a="http://schemas.openxmlformats.org/drawingml/2006/main" xmlns:r="http://schemas.openxmlformats.org/officeDocument/2006/relationships" xmlns:p="http://schemas.openxmlformats.org/presentationml/2006/main">
+  <p:cSld>
+    <p:spTree>
+      <p:nvGrpSpPr>
+        <p:cNvPr id="1" name=""/>
+        <p:cNvGrpSpPr/>
+        <p:nvPr/>
+      </p:nvGrpSpPr>
+      <p:grpSpPr>
+        <a:xfrm>
+          <a:off x="0" y="0"/>
+          <a:ext cx="0" cy="0"/>
+          <a:chOff x="0" y="0"/>
+          <a:chExt cx="0" cy="0"/>
+        </a:xfrm>
+      </p:grpSpPr>
+      <p:sp>
+        <p:nvSpPr>
+          <p:cNvPr id="2" name="Cím 1">
+            <a:extLst>
+              <a:ext uri="{FF2B5EF4-FFF2-40B4-BE49-F238E27FC236}">
+                <a16:creationId xmlns:a16="http://schemas.microsoft.com/office/drawing/2014/main" id="{43831D04-EBBC-4FB8-8D3A-ED4E7A0E5234}"/>
+              </a:ext>
+            </a:extLst>
+          </p:cNvPr>
+          <p:cNvSpPr>
+            <a:spLocks noGrp="1"/>
+          </p:cNvSpPr>
+          <p:nvPr>
+            <p:ph type="title"/>
+          </p:nvPr>
+        </p:nvSpPr>
+        <p:spPr>
+          <a:xfrm>
+            <a:off x="1828799" y="173920"/>
+            <a:ext cx="8534400" cy="822094"/>
+          </a:xfrm>
+        </p:spPr>
+        <p:txBody>
+          <a:bodyPr>
+            <a:normAutofit/>
+          </a:bodyPr>
+          <a:lstStyle/>
+          <a:p>
+            <a:pPr algn="ctr"/>
+            <a:r>
+              <a:rPr lang="hu-HU" sz="2800" dirty="0"/>
+              <a:t>A személyzet fülre átkattintva</a:t>
+            </a:r>
+          </a:p>
+        </p:txBody>
+      </p:sp>
+      <p:pic>
+        <p:nvPicPr>
+          <p:cNvPr id="5" name="Kép 4">
+            <a:extLst>
+              <a:ext uri="{FF2B5EF4-FFF2-40B4-BE49-F238E27FC236}">
+                <a16:creationId xmlns:a16="http://schemas.microsoft.com/office/drawing/2014/main" id="{2F20BECE-FCA2-41C8-9BD2-507AB01651C6}"/>
+              </a:ext>
+            </a:extLst>
+          </p:cNvPr>
+          <p:cNvPicPr>
+            <a:picLocks noChangeAspect="1"/>
+          </p:cNvPicPr>
+          <p:nvPr/>
+        </p:nvPicPr>
+        <p:blipFill>
+          <a:blip r:embed="rId2"/>
+          <a:stretch>
+            <a:fillRect/>
+          </a:stretch>
+        </p:blipFill>
+        <p:spPr>
+          <a:xfrm>
+            <a:off x="2107937" y="1442478"/>
+            <a:ext cx="6981825" cy="5133975"/>
+          </a:xfrm>
+          <a:prstGeom prst="rect">
+            <a:avLst/>
+          </a:prstGeom>
+        </p:spPr>
+      </p:pic>
+      <p:sp>
+        <p:nvSpPr>
+          <p:cNvPr id="6" name="Téglalap 5">
+            <a:extLst>
+              <a:ext uri="{FF2B5EF4-FFF2-40B4-BE49-F238E27FC236}">
+                <a16:creationId xmlns:a16="http://schemas.microsoft.com/office/drawing/2014/main" id="{CACEC835-0FAC-415E-8004-C4C3A6BC926D}"/>
+              </a:ext>
+            </a:extLst>
+          </p:cNvPr>
+          <p:cNvSpPr/>
+          <p:nvPr/>
+        </p:nvSpPr>
+        <p:spPr>
+          <a:xfrm>
+            <a:off x="4566654" y="3322929"/>
+            <a:ext cx="177281" cy="125963"/>
+          </a:xfrm>
+          <a:prstGeom prst="rect">
+            <a:avLst/>
+          </a:prstGeom>
+          <a:solidFill>
+            <a:schemeClr val="bg1"/>
+          </a:solidFill>
+          <a:ln>
+            <a:solidFill>
+              <a:schemeClr val="bg1"/>
+            </a:solidFill>
+          </a:ln>
+        </p:spPr>
+        <p:style>
+          <a:lnRef idx="2">
+            <a:schemeClr val="accent1">
+              <a:shade val="50000"/>
+            </a:schemeClr>
+          </a:lnRef>
+          <a:fillRef idx="1">
+            <a:schemeClr val="accent1"/>
+          </a:fillRef>
+          <a:effectRef idx="0">
+            <a:schemeClr val="accent1"/>
+          </a:effectRef>
+          <a:fontRef idx="minor">
+            <a:schemeClr val="lt1"/>
+          </a:fontRef>
+        </p:style>
+        <p:txBody>
+          <a:bodyPr rtlCol="0" anchor="ctr"/>
+          <a:lstStyle/>
+          <a:p>
+            <a:pPr algn="ctr"/>
+            <a:endParaRPr lang="hu-HU"/>
+          </a:p>
+        </p:txBody>
+      </p:sp>
+      <p:sp>
+        <p:nvSpPr>
+          <p:cNvPr id="7" name="Téglalap 6">
+            <a:extLst>
+              <a:ext uri="{FF2B5EF4-FFF2-40B4-BE49-F238E27FC236}">
+                <a16:creationId xmlns:a16="http://schemas.microsoft.com/office/drawing/2014/main" id="{CA0286FB-56A1-4A08-B94E-9A14A5A95B81}"/>
+              </a:ext>
+            </a:extLst>
+          </p:cNvPr>
+          <p:cNvSpPr/>
+          <p:nvPr/>
+        </p:nvSpPr>
+        <p:spPr>
+          <a:xfrm>
+            <a:off x="4566654" y="3550497"/>
+            <a:ext cx="177281" cy="125963"/>
+          </a:xfrm>
+          <a:prstGeom prst="rect">
+            <a:avLst/>
+          </a:prstGeom>
+          <a:solidFill>
+            <a:schemeClr val="bg1"/>
+          </a:solidFill>
+          <a:ln>
+            <a:solidFill>
+              <a:schemeClr val="bg1"/>
+            </a:solidFill>
+          </a:ln>
+        </p:spPr>
+        <p:style>
+          <a:lnRef idx="2">
+            <a:schemeClr val="accent1">
+              <a:shade val="50000"/>
+            </a:schemeClr>
+          </a:lnRef>
+          <a:fillRef idx="1">
+            <a:schemeClr val="accent1"/>
+          </a:fillRef>
+          <a:effectRef idx="0">
+            <a:schemeClr val="accent1"/>
+          </a:effectRef>
+          <a:fontRef idx="minor">
+            <a:schemeClr val="lt1"/>
+          </a:fontRef>
+        </p:style>
+        <p:txBody>
+          <a:bodyPr rtlCol="0" anchor="ctr"/>
+          <a:lstStyle/>
+          <a:p>
+            <a:pPr algn="ctr"/>
+            <a:endParaRPr lang="hu-HU"/>
+          </a:p>
+        </p:txBody>
+      </p:sp>
+      <p:sp>
+        <p:nvSpPr>
+          <p:cNvPr id="8" name="Téglalap 7">
+            <a:extLst>
+              <a:ext uri="{FF2B5EF4-FFF2-40B4-BE49-F238E27FC236}">
+                <a16:creationId xmlns:a16="http://schemas.microsoft.com/office/drawing/2014/main" id="{6F16358F-98DC-4E22-B9E1-6A9D0A64A45D}"/>
+              </a:ext>
+            </a:extLst>
+          </p:cNvPr>
+          <p:cNvSpPr/>
+          <p:nvPr/>
+        </p:nvSpPr>
+        <p:spPr>
+          <a:xfrm>
+            <a:off x="4566654" y="3778065"/>
+            <a:ext cx="292730" cy="125963"/>
+          </a:xfrm>
+          <a:prstGeom prst="rect">
+            <a:avLst/>
+          </a:prstGeom>
+          <a:solidFill>
+            <a:schemeClr val="bg1"/>
+          </a:solidFill>
+          <a:ln>
+            <a:solidFill>
+              <a:schemeClr val="bg1"/>
+            </a:solidFill>
+          </a:ln>
+        </p:spPr>
+        <p:style>
+          <a:lnRef idx="2">
+            <a:schemeClr val="accent1">
+              <a:shade val="50000"/>
+            </a:schemeClr>
+          </a:lnRef>
+          <a:fillRef idx="1">
+            <a:schemeClr val="accent1"/>
+          </a:fillRef>
+          <a:effectRef idx="0">
+            <a:schemeClr val="accent1"/>
+          </a:effectRef>
+          <a:fontRef idx="minor">
+            <a:schemeClr val="lt1"/>
+          </a:fontRef>
+        </p:style>
+        <p:txBody>
+          <a:bodyPr rtlCol="0" anchor="ctr"/>
+          <a:lstStyle/>
+          <a:p>
+            <a:pPr algn="ctr"/>
+            <a:endParaRPr lang="hu-HU"/>
+          </a:p>
+        </p:txBody>
+      </p:sp>
+      <p:sp>
+        <p:nvSpPr>
+          <p:cNvPr id="9" name="Téglalap 8">
+            <a:extLst>
+              <a:ext uri="{FF2B5EF4-FFF2-40B4-BE49-F238E27FC236}">
+                <a16:creationId xmlns:a16="http://schemas.microsoft.com/office/drawing/2014/main" id="{1C74EC58-36D9-4D90-B3DB-B37651740331}"/>
+              </a:ext>
+            </a:extLst>
+          </p:cNvPr>
+          <p:cNvSpPr/>
+          <p:nvPr/>
+        </p:nvSpPr>
+        <p:spPr>
+          <a:xfrm>
+            <a:off x="4576179" y="4005416"/>
+            <a:ext cx="329124" cy="125963"/>
+          </a:xfrm>
+          <a:prstGeom prst="rect">
+            <a:avLst/>
+          </a:prstGeom>
+          <a:solidFill>
+            <a:schemeClr val="bg1"/>
+          </a:solidFill>
+          <a:ln>
+            <a:solidFill>
+              <a:schemeClr val="bg1"/>
+            </a:solidFill>
+          </a:ln>
+        </p:spPr>
+        <p:style>
+          <a:lnRef idx="2">
+            <a:schemeClr val="accent1">
+              <a:shade val="50000"/>
+            </a:schemeClr>
+          </a:lnRef>
+          <a:fillRef idx="1">
+            <a:schemeClr val="accent1"/>
+          </a:fillRef>
+          <a:effectRef idx="0">
+            <a:schemeClr val="accent1"/>
+          </a:effectRef>
+          <a:fontRef idx="minor">
+            <a:schemeClr val="lt1"/>
+          </a:fontRef>
+        </p:style>
+        <p:txBody>
+          <a:bodyPr rtlCol="0" anchor="ctr"/>
+          <a:lstStyle/>
+          <a:p>
+            <a:pPr algn="ctr"/>
+            <a:endParaRPr lang="hu-HU"/>
+          </a:p>
+        </p:txBody>
+      </p:sp>
+      <p:sp>
+        <p:nvSpPr>
+          <p:cNvPr id="10" name="Szövegdoboz 9">
+            <a:extLst>
+              <a:ext uri="{FF2B5EF4-FFF2-40B4-BE49-F238E27FC236}">
+                <a16:creationId xmlns:a16="http://schemas.microsoft.com/office/drawing/2014/main" id="{0C9EF435-EA75-4538-B122-D5E0D44DEC32}"/>
+              </a:ext>
+            </a:extLst>
+          </p:cNvPr>
+          <p:cNvSpPr txBox="1"/>
+          <p:nvPr/>
+        </p:nvSpPr>
+        <p:spPr>
+          <a:xfrm>
+            <a:off x="113840" y="3093322"/>
+            <a:ext cx="2181225" cy="1323439"/>
+          </a:xfrm>
+          <a:prstGeom prst="rect">
+            <a:avLst/>
+          </a:prstGeom>
+          <a:noFill/>
+        </p:spPr>
+        <p:txBody>
+          <a:bodyPr wrap="square" rtlCol="0">
+            <a:spAutoFit/>
+          </a:bodyPr>
+          <a:lstStyle/>
+          <a:p>
+            <a:r>
+              <a:rPr lang="hu-HU" sz="2000" dirty="0">
+                <a:solidFill>
+                  <a:schemeClr val="bg1"/>
+                </a:solidFill>
+              </a:rPr>
+              <a:t>A program automatikusan kilistázza az </a:t>
+            </a:r>
+            <a:r>
+              <a:rPr lang="hu-HU" sz="2000" dirty="0" err="1">
+                <a:solidFill>
+                  <a:schemeClr val="bg1"/>
+                </a:solidFill>
+              </a:rPr>
+              <a:t>adminokat</a:t>
+            </a:r>
+            <a:endParaRPr lang="hu-HU" sz="2000" dirty="0">
+              <a:solidFill>
+                <a:schemeClr val="bg1"/>
+              </a:solidFill>
+            </a:endParaRPr>
+          </a:p>
+        </p:txBody>
+      </p:sp>
+      <p:sp>
+        <p:nvSpPr>
+          <p:cNvPr id="11" name="Beszédbuborék: ellipszis 10">
+            <a:extLst>
+              <a:ext uri="{FF2B5EF4-FFF2-40B4-BE49-F238E27FC236}">
+                <a16:creationId xmlns:a16="http://schemas.microsoft.com/office/drawing/2014/main" id="{0D243740-8724-4AE2-89DE-97D8FC138F4A}"/>
+              </a:ext>
+            </a:extLst>
+          </p:cNvPr>
+          <p:cNvSpPr/>
+          <p:nvPr/>
+        </p:nvSpPr>
+        <p:spPr>
+          <a:xfrm>
+            <a:off x="9722352" y="4217559"/>
+            <a:ext cx="2383923" cy="2441024"/>
+          </a:xfrm>
+          <a:prstGeom prst="wedgeEllipseCallout">
+            <a:avLst>
+              <a:gd name="adj1" fmla="val -108295"/>
+              <a:gd name="adj2" fmla="val -9594"/>
+            </a:avLst>
+          </a:prstGeom>
+          <a:noFill/>
+          <a:ln>
+            <a:solidFill>
+              <a:schemeClr val="tx1"/>
+            </a:solidFill>
+          </a:ln>
+        </p:spPr>
+        <p:style>
+          <a:lnRef idx="2">
+            <a:schemeClr val="accent1">
+              <a:shade val="50000"/>
+            </a:schemeClr>
+          </a:lnRef>
+          <a:fillRef idx="1">
+            <a:schemeClr val="accent1"/>
+          </a:fillRef>
+          <a:effectRef idx="0">
+            <a:schemeClr val="accent1"/>
+          </a:effectRef>
+          <a:fontRef idx="minor">
+            <a:schemeClr val="lt1"/>
+          </a:fontRef>
+        </p:style>
+        <p:txBody>
+          <a:bodyPr rtlCol="0" anchor="ctr"/>
+          <a:lstStyle/>
+          <a:p>
+            <a:pPr algn="ctr"/>
+            <a:endParaRPr lang="hu-HU"/>
+          </a:p>
+        </p:txBody>
+      </p:sp>
+      <p:sp>
+        <p:nvSpPr>
+          <p:cNvPr id="12" name="Szövegdoboz 11">
+            <a:extLst>
+              <a:ext uri="{FF2B5EF4-FFF2-40B4-BE49-F238E27FC236}">
+                <a16:creationId xmlns:a16="http://schemas.microsoft.com/office/drawing/2014/main" id="{2B9196F2-4B86-4310-ADFD-E70F3598E82D}"/>
+              </a:ext>
+            </a:extLst>
+          </p:cNvPr>
+          <p:cNvSpPr txBox="1"/>
+          <p:nvPr/>
+        </p:nvSpPr>
+        <p:spPr>
+          <a:xfrm>
+            <a:off x="10085638" y="4345464"/>
+            <a:ext cx="1657350" cy="2185214"/>
+          </a:xfrm>
+          <a:prstGeom prst="rect">
+            <a:avLst/>
+          </a:prstGeom>
+          <a:noFill/>
+        </p:spPr>
+        <p:txBody>
+          <a:bodyPr wrap="square" rtlCol="0">
+            <a:spAutoFit/>
+          </a:bodyPr>
+          <a:lstStyle/>
+          <a:p>
+            <a:pPr algn="ctr"/>
+            <a:r>
+              <a:rPr lang="hu-HU" sz="1700" dirty="0">
+                <a:solidFill>
+                  <a:schemeClr val="bg1"/>
+                </a:solidFill>
+              </a:rPr>
+              <a:t>A megfelelő cellák kitöltése után a gomra kattintva új </a:t>
+            </a:r>
+            <a:r>
+              <a:rPr lang="hu-HU" sz="1700" dirty="0" err="1">
+                <a:solidFill>
+                  <a:schemeClr val="bg1"/>
+                </a:solidFill>
+              </a:rPr>
+              <a:t>admint</a:t>
+            </a:r>
+            <a:r>
+              <a:rPr lang="hu-HU" sz="1700" dirty="0">
+                <a:solidFill>
+                  <a:schemeClr val="bg1"/>
+                </a:solidFill>
+              </a:rPr>
+              <a:t> tudunk hozzáadni</a:t>
+            </a:r>
+          </a:p>
+        </p:txBody>
+      </p:sp>
+      <p:sp>
+        <p:nvSpPr>
+          <p:cNvPr id="13" name="Beszédbuborék: ellipszis 12">
+            <a:extLst>
+              <a:ext uri="{FF2B5EF4-FFF2-40B4-BE49-F238E27FC236}">
+                <a16:creationId xmlns:a16="http://schemas.microsoft.com/office/drawing/2014/main" id="{03B1E5CA-05E4-4AE6-BD42-E86E17E71B18}"/>
+              </a:ext>
+            </a:extLst>
+          </p:cNvPr>
+          <p:cNvSpPr/>
+          <p:nvPr/>
+        </p:nvSpPr>
+        <p:spPr>
+          <a:xfrm>
+            <a:off x="10085639" y="2640441"/>
+            <a:ext cx="2020636" cy="1213826"/>
+          </a:xfrm>
+          <a:prstGeom prst="wedgeEllipseCallout">
+            <a:avLst>
+              <a:gd name="adj1" fmla="val -110081"/>
+              <a:gd name="adj2" fmla="val 31335"/>
+            </a:avLst>
+          </a:prstGeom>
+          <a:noFill/>
+          <a:ln>
+            <a:solidFill>
+              <a:schemeClr val="tx1"/>
+            </a:solidFill>
+          </a:ln>
+        </p:spPr>
+        <p:style>
+          <a:lnRef idx="2">
+            <a:schemeClr val="accent1">
+              <a:shade val="50000"/>
+            </a:schemeClr>
+          </a:lnRef>
+          <a:fillRef idx="1">
+            <a:schemeClr val="accent1"/>
+          </a:fillRef>
+          <a:effectRef idx="0">
+            <a:schemeClr val="accent1"/>
+          </a:effectRef>
+          <a:fontRef idx="minor">
+            <a:schemeClr val="lt1"/>
+          </a:fontRef>
+        </p:style>
+        <p:txBody>
+          <a:bodyPr rtlCol="0" anchor="ctr"/>
+          <a:lstStyle/>
+          <a:p>
+            <a:pPr algn="ctr"/>
+            <a:endParaRPr lang="hu-HU"/>
+          </a:p>
+        </p:txBody>
+      </p:sp>
+      <p:sp>
+        <p:nvSpPr>
+          <p:cNvPr id="14" name="Szövegdoboz 13">
+            <a:extLst>
+              <a:ext uri="{FF2B5EF4-FFF2-40B4-BE49-F238E27FC236}">
+                <a16:creationId xmlns:a16="http://schemas.microsoft.com/office/drawing/2014/main" id="{2D553F25-9A00-41A8-9CC1-C593560A7DF5}"/>
+              </a:ext>
+            </a:extLst>
+          </p:cNvPr>
+          <p:cNvSpPr txBox="1"/>
+          <p:nvPr/>
+        </p:nvSpPr>
+        <p:spPr>
+          <a:xfrm>
+            <a:off x="10172700" y="2831855"/>
+            <a:ext cx="1866317" cy="877163"/>
+          </a:xfrm>
+          <a:prstGeom prst="rect">
+            <a:avLst/>
+          </a:prstGeom>
+          <a:noFill/>
+        </p:spPr>
+        <p:txBody>
+          <a:bodyPr wrap="square" rtlCol="0">
+            <a:spAutoFit/>
+          </a:bodyPr>
+          <a:lstStyle/>
+          <a:p>
+            <a:pPr algn="ctr"/>
+            <a:r>
+              <a:rPr lang="hu-HU" sz="1700" dirty="0">
+                <a:solidFill>
+                  <a:schemeClr val="bg1"/>
+                </a:solidFill>
+              </a:rPr>
+              <a:t>A kiválasztott </a:t>
+            </a:r>
+            <a:r>
+              <a:rPr lang="hu-HU" sz="1700" dirty="0" err="1">
+                <a:solidFill>
+                  <a:schemeClr val="bg1"/>
+                </a:solidFill>
+              </a:rPr>
+              <a:t>admint</a:t>
+            </a:r>
+            <a:r>
+              <a:rPr lang="hu-HU" sz="1700" dirty="0">
+                <a:solidFill>
+                  <a:schemeClr val="bg1"/>
+                </a:solidFill>
+              </a:rPr>
+              <a:t> tudjuk törölni</a:t>
+            </a:r>
+          </a:p>
+        </p:txBody>
+      </p:sp>
+      <p:sp>
+        <p:nvSpPr>
+          <p:cNvPr id="15" name="Beszédbuborék: ellipszis 14">
+            <a:extLst>
+              <a:ext uri="{FF2B5EF4-FFF2-40B4-BE49-F238E27FC236}">
+                <a16:creationId xmlns:a16="http://schemas.microsoft.com/office/drawing/2014/main" id="{2F8940D7-D6CE-44FF-8089-865B6A33D2D4}"/>
+              </a:ext>
+            </a:extLst>
+          </p:cNvPr>
+          <p:cNvSpPr/>
+          <p:nvPr/>
+        </p:nvSpPr>
+        <p:spPr>
+          <a:xfrm>
+            <a:off x="9942764" y="790575"/>
+            <a:ext cx="2020636" cy="1581150"/>
+          </a:xfrm>
+          <a:prstGeom prst="wedgeEllipseCallout">
+            <a:avLst>
+              <a:gd name="adj1" fmla="val -103418"/>
+              <a:gd name="adj2" fmla="val 102669"/>
+            </a:avLst>
+          </a:prstGeom>
+          <a:noFill/>
+          <a:ln>
+            <a:solidFill>
+              <a:schemeClr val="tx1"/>
+            </a:solidFill>
+          </a:ln>
+        </p:spPr>
+        <p:style>
+          <a:lnRef idx="2">
+            <a:schemeClr val="accent1">
+              <a:shade val="50000"/>
+            </a:schemeClr>
+          </a:lnRef>
+          <a:fillRef idx="1">
+            <a:schemeClr val="accent1"/>
+          </a:fillRef>
+          <a:effectRef idx="0">
+            <a:schemeClr val="accent1"/>
+          </a:effectRef>
+          <a:fontRef idx="minor">
+            <a:schemeClr val="lt1"/>
+          </a:fontRef>
+        </p:style>
+        <p:txBody>
+          <a:bodyPr rtlCol="0" anchor="ctr"/>
+          <a:lstStyle/>
+          <a:p>
+            <a:pPr algn="ctr"/>
+            <a:endParaRPr lang="hu-HU"/>
+          </a:p>
+        </p:txBody>
+      </p:sp>
+      <p:sp>
+        <p:nvSpPr>
+          <p:cNvPr id="16" name="Szövegdoboz 15">
+            <a:extLst>
+              <a:ext uri="{FF2B5EF4-FFF2-40B4-BE49-F238E27FC236}">
+                <a16:creationId xmlns:a16="http://schemas.microsoft.com/office/drawing/2014/main" id="{B39A7D58-B80D-4073-9952-4225F604772E}"/>
+              </a:ext>
+            </a:extLst>
+          </p:cNvPr>
+          <p:cNvSpPr txBox="1"/>
+          <p:nvPr/>
+        </p:nvSpPr>
+        <p:spPr>
+          <a:xfrm>
+            <a:off x="10014201" y="955221"/>
+            <a:ext cx="1877762" cy="1138773"/>
+          </a:xfrm>
+          <a:prstGeom prst="rect">
+            <a:avLst/>
+          </a:prstGeom>
+          <a:noFill/>
+        </p:spPr>
+        <p:txBody>
+          <a:bodyPr wrap="square" rtlCol="0">
+            <a:spAutoFit/>
+          </a:bodyPr>
+          <a:lstStyle/>
+          <a:p>
+            <a:pPr algn="ctr"/>
+            <a:r>
+              <a:rPr lang="hu-HU" sz="1700" dirty="0">
+                <a:solidFill>
+                  <a:schemeClr val="bg1"/>
+                </a:solidFill>
+              </a:rPr>
+              <a:t>A gomb lenyomásával frissíteni tudjuk a </a:t>
+            </a:r>
+            <a:r>
+              <a:rPr lang="hu-HU" sz="1700" dirty="0" err="1">
+                <a:solidFill>
+                  <a:schemeClr val="bg1"/>
+                </a:solidFill>
+              </a:rPr>
+              <a:t>adminok</a:t>
+            </a:r>
+            <a:r>
+              <a:rPr lang="hu-HU" sz="1700" dirty="0">
+                <a:solidFill>
+                  <a:schemeClr val="bg1"/>
+                </a:solidFill>
+              </a:rPr>
+              <a:t> listáját </a:t>
+            </a:r>
+          </a:p>
+        </p:txBody>
+      </p:sp>
+      <p:cxnSp>
+        <p:nvCxnSpPr>
+          <p:cNvPr id="4" name="Egyenes összekötő nyíllal 3">
+            <a:extLst>
+              <a:ext uri="{FF2B5EF4-FFF2-40B4-BE49-F238E27FC236}">
+                <a16:creationId xmlns:a16="http://schemas.microsoft.com/office/drawing/2014/main" id="{FC98347E-5139-4D79-BCE0-8BD86FDCD58B}"/>
+              </a:ext>
+            </a:extLst>
+          </p:cNvPr>
+          <p:cNvCxnSpPr>
+            <a:cxnSpLocks/>
+            <a:stCxn id="2" idx="2"/>
+          </p:cNvCxnSpPr>
+          <p:nvPr/>
+        </p:nvCxnSpPr>
+        <p:spPr>
+          <a:xfrm flipH="1">
+            <a:off x="3879542" y="996014"/>
+            <a:ext cx="2216457" cy="1770391"/>
+          </a:xfrm>
+          <a:prstGeom prst="straightConnector1">
+            <a:avLst/>
+          </a:prstGeom>
+          <a:ln w="28575">
+            <a:solidFill>
+              <a:schemeClr val="bg1">
+                <a:alpha val="60000"/>
+              </a:schemeClr>
+            </a:solidFill>
+            <a:tailEnd type="triangle"/>
+          </a:ln>
+        </p:spPr>
+        <p:style>
+          <a:lnRef idx="1">
+            <a:schemeClr val="accent1"/>
+          </a:lnRef>
+          <a:fillRef idx="0">
+            <a:schemeClr val="accent1"/>
+          </a:fillRef>
+          <a:effectRef idx="0">
+            <a:schemeClr val="accent1"/>
+          </a:effectRef>
+          <a:fontRef idx="minor">
+            <a:schemeClr val="tx1"/>
+          </a:fontRef>
+        </p:style>
+      </p:cxnSp>
+    </p:spTree>
+    <p:extLst>
+      <p:ext uri="{BB962C8B-B14F-4D97-AF65-F5344CB8AC3E}">
+        <p14:creationId xmlns:p14="http://schemas.microsoft.com/office/powerpoint/2010/main" val="23566409"/>
       </p:ext>
     </p:extLst>
   </p:cSld>

--- a/Végső_Szoftverfejlesztes_mernokoknek_projekt_elorehaladas_prezentacio.pptx
+++ b/Végső_Szoftverfejlesztes_mernokoknek_projekt_elorehaladas_prezentacio.pptx
@@ -7430,13 +7430,13 @@
         </p:nvSpPr>
         <p:spPr>
           <a:xfrm>
-            <a:off x="133346" y="3855535"/>
-            <a:ext cx="2533651" cy="2068498"/>
+            <a:off x="133346" y="2432114"/>
+            <a:ext cx="2724154" cy="3544479"/>
           </a:xfrm>
           <a:prstGeom prst="wedgeEllipseCallout">
             <a:avLst>
-              <a:gd name="adj1" fmla="val 104359"/>
-              <a:gd name="adj2" fmla="val 23587"/>
+              <a:gd name="adj1" fmla="val 89479"/>
+              <a:gd name="adj2" fmla="val 31832"/>
             </a:avLst>
           </a:prstGeom>
           <a:noFill/>
@@ -7473,62 +7473,6 @@
       </p:sp>
       <p:sp>
         <p:nvSpPr>
-          <p:cNvPr id="7" name="Szövegdoboz 6">
-            <a:extLst>
-              <a:ext uri="{FF2B5EF4-FFF2-40B4-BE49-F238E27FC236}">
-                <a16:creationId xmlns:a16="http://schemas.microsoft.com/office/drawing/2014/main" id="{F85C8342-F583-4F33-9CBA-630FF49451BE}"/>
-              </a:ext>
-            </a:extLst>
-          </p:cNvPr>
-          <p:cNvSpPr txBox="1"/>
-          <p:nvPr/>
-        </p:nvSpPr>
-        <p:spPr>
-          <a:xfrm>
-            <a:off x="228318" y="4289619"/>
-            <a:ext cx="2343705" cy="1200329"/>
-          </a:xfrm>
-          <a:prstGeom prst="rect">
-            <a:avLst/>
-          </a:prstGeom>
-          <a:noFill/>
-        </p:spPr>
-        <p:txBody>
-          <a:bodyPr wrap="square" rtlCol="0">
-            <a:spAutoFit/>
-          </a:bodyPr>
-          <a:lstStyle/>
-          <a:p>
-            <a:pPr algn="ctr"/>
-            <a:r>
-              <a:rPr lang="hu-HU" dirty="0">
-                <a:solidFill>
-                  <a:schemeClr val="bg1"/>
-                </a:solidFill>
-              </a:rPr>
-              <a:t>A  „Regisztráció”-</a:t>
-            </a:r>
-            <a:r>
-              <a:rPr lang="hu-HU" dirty="0" err="1">
-                <a:solidFill>
-                  <a:schemeClr val="bg1"/>
-                </a:solidFill>
-              </a:rPr>
-              <a:t>ra</a:t>
-            </a:r>
-            <a:r>
-              <a:rPr lang="hu-HU" dirty="0">
-                <a:solidFill>
-                  <a:schemeClr val="bg1"/>
-                </a:solidFill>
-              </a:rPr>
-              <a:t> kattintva, egyből hozzáadódik a fiók az adatbázishoz </a:t>
-            </a:r>
-          </a:p>
-        </p:txBody>
-      </p:sp>
-      <p:sp>
-        <p:nvSpPr>
           <p:cNvPr id="8" name="Szövegdoboz 7">
             <a:extLst>
               <a:ext uri="{FF2B5EF4-FFF2-40B4-BE49-F238E27FC236}">
@@ -7562,6 +7506,73 @@
                 </a:solidFill>
               </a:rPr>
               <a:t>Ezután automatikusan visszakerülünk a „Login” felületre, és bejelentkezés után egyből meg is kezdhetjük első vásárlásunkat</a:t>
+            </a:r>
+          </a:p>
+        </p:txBody>
+      </p:sp>
+      <p:sp>
+        <p:nvSpPr>
+          <p:cNvPr id="9" name="Szövegdoboz 8">
+            <a:extLst>
+              <a:ext uri="{FF2B5EF4-FFF2-40B4-BE49-F238E27FC236}">
+                <a16:creationId xmlns:a16="http://schemas.microsoft.com/office/drawing/2014/main" id="{93C156E5-8AA0-4185-8138-60D2A116894B}"/>
+              </a:ext>
+            </a:extLst>
+          </p:cNvPr>
+          <p:cNvSpPr txBox="1"/>
+          <p:nvPr/>
+        </p:nvSpPr>
+        <p:spPr>
+          <a:xfrm>
+            <a:off x="333402" y="3097617"/>
+            <a:ext cx="2343705" cy="2308324"/>
+          </a:xfrm>
+          <a:prstGeom prst="rect">
+            <a:avLst/>
+          </a:prstGeom>
+          <a:noFill/>
+        </p:spPr>
+        <p:txBody>
+          <a:bodyPr wrap="square" rtlCol="0">
+            <a:spAutoFit/>
+          </a:bodyPr>
+          <a:lstStyle/>
+          <a:p>
+            <a:pPr algn="ctr"/>
+            <a:r>
+              <a:rPr lang="hu-HU" dirty="0">
+                <a:solidFill>
+                  <a:schemeClr val="bg1"/>
+                </a:solidFill>
+              </a:rPr>
+              <a:t>A  „Regisztráció”-</a:t>
+            </a:r>
+            <a:r>
+              <a:rPr lang="hu-HU" dirty="0" err="1">
+                <a:solidFill>
+                  <a:schemeClr val="bg1"/>
+                </a:solidFill>
+              </a:rPr>
+              <a:t>ra</a:t>
+            </a:r>
+            <a:r>
+              <a:rPr lang="hu-HU" dirty="0">
+                <a:solidFill>
+                  <a:schemeClr val="bg1"/>
+                </a:solidFill>
+              </a:rPr>
+              <a:t> kattintva, egyből hozzáadódik a fiók az adatbázishoz</a:t>
+            </a:r>
+          </a:p>
+          <a:p>
+            <a:pPr algn="ctr"/>
+            <a:r>
+              <a:rPr lang="hu-HU" dirty="0">
+                <a:solidFill>
+                  <a:schemeClr val="bg1"/>
+                </a:solidFill>
+              </a:rPr>
+              <a:t>Ha valós email címet, és legalább közepes erősségű jelszót adtunk meg.</a:t>
             </a:r>
           </a:p>
         </p:txBody>
@@ -8588,12 +8599,12 @@
           <a:p>
             <a:pPr algn="ctr"/>
             <a:r>
-              <a:rPr lang="hu-HU" sz="2000" dirty="0">
+              <a:rPr lang="hu-HU" sz="1600" dirty="0">
                 <a:solidFill>
                   <a:schemeClr val="bg1"/>
                 </a:solidFill>
               </a:rPr>
-              <a:t>Ha kitöltöttük a megfelelő cellák kitöltése után a gombra kattintva tudjuk változtatni adatainkat</a:t>
+              <a:t>Ha módosítani szeretnénk valamilyen adatot, ahhoz először meg kell adnunk a jelszót, és erre a gombra kattintva menthetjük el a módosításokat </a:t>
             </a:r>
           </a:p>
         </p:txBody>

--- a/Végső_Szoftverfejlesztes_mernokoknek_projekt_elorehaladas_prezentacio.pptx
+++ b/Végső_Szoftverfejlesztes_mernokoknek_projekt_elorehaladas_prezentacio.pptx
@@ -1030,7 +1030,7 @@
           <a:p>
             <a:fld id="{0E7BCDEB-B544-4B97-B02A-35ABC5E91DA2}" type="datetimeFigureOut">
               <a:rPr lang="hu-HU" smtClean="0"/>
-              <a:t>2021. 05. 12.</a:t>
+              <a:t>2021. 05. 13.</a:t>
             </a:fld>
             <a:endParaRPr lang="hu-HU"/>
           </a:p>
@@ -1466,7 +1466,7 @@
           <a:p>
             <a:fld id="{0E7BCDEB-B544-4B97-B02A-35ABC5E91DA2}" type="datetimeFigureOut">
               <a:rPr lang="hu-HU" smtClean="0"/>
-              <a:t>2021. 05. 12.</a:t>
+              <a:t>2021. 05. 13.</a:t>
             </a:fld>
             <a:endParaRPr lang="hu-HU"/>
           </a:p>
@@ -1716,7 +1716,7 @@
           <a:p>
             <a:fld id="{0E7BCDEB-B544-4B97-B02A-35ABC5E91DA2}" type="datetimeFigureOut">
               <a:rPr lang="hu-HU" smtClean="0"/>
-              <a:t>2021. 05. 12.</a:t>
+              <a:t>2021. 05. 13.</a:t>
             </a:fld>
             <a:endParaRPr lang="hu-HU"/>
           </a:p>
@@ -2024,7 +2024,7 @@
           <a:p>
             <a:fld id="{0E7BCDEB-B544-4B97-B02A-35ABC5E91DA2}" type="datetimeFigureOut">
               <a:rPr lang="hu-HU" smtClean="0"/>
-              <a:t>2021. 05. 12.</a:t>
+              <a:t>2021. 05. 13.</a:t>
             </a:fld>
             <a:endParaRPr lang="hu-HU"/>
           </a:p>
@@ -2342,7 +2342,7 @@
           <a:p>
             <a:fld id="{0E7BCDEB-B544-4B97-B02A-35ABC5E91DA2}" type="datetimeFigureOut">
               <a:rPr lang="hu-HU" smtClean="0"/>
-              <a:t>2021. 05. 12.</a:t>
+              <a:t>2021. 05. 13.</a:t>
             </a:fld>
             <a:endParaRPr lang="hu-HU"/>
           </a:p>
@@ -2644,7 +2644,7 @@
           <a:p>
             <a:fld id="{0E7BCDEB-B544-4B97-B02A-35ABC5E91DA2}" type="datetimeFigureOut">
               <a:rPr lang="hu-HU" smtClean="0"/>
-              <a:t>2021. 05. 12.</a:t>
+              <a:t>2021. 05. 13.</a:t>
             </a:fld>
             <a:endParaRPr lang="hu-HU"/>
           </a:p>
@@ -3011,7 +3011,7 @@
           <a:p>
             <a:fld id="{0E7BCDEB-B544-4B97-B02A-35ABC5E91DA2}" type="datetimeFigureOut">
               <a:rPr lang="hu-HU" smtClean="0"/>
-              <a:t>2021. 05. 12.</a:t>
+              <a:t>2021. 05. 13.</a:t>
             </a:fld>
             <a:endParaRPr lang="hu-HU"/>
           </a:p>
@@ -3185,7 +3185,7 @@
           <a:p>
             <a:fld id="{0E7BCDEB-B544-4B97-B02A-35ABC5E91DA2}" type="datetimeFigureOut">
               <a:rPr lang="hu-HU" smtClean="0"/>
-              <a:t>2021. 05. 12.</a:t>
+              <a:t>2021. 05. 13.</a:t>
             </a:fld>
             <a:endParaRPr lang="hu-HU"/>
           </a:p>
@@ -3365,7 +3365,7 @@
           <a:p>
             <a:fld id="{0E7BCDEB-B544-4B97-B02A-35ABC5E91DA2}" type="datetimeFigureOut">
               <a:rPr lang="hu-HU" smtClean="0"/>
-              <a:t>2021. 05. 12.</a:t>
+              <a:t>2021. 05. 13.</a:t>
             </a:fld>
             <a:endParaRPr lang="hu-HU"/>
           </a:p>
@@ -3535,7 +3535,7 @@
           <a:p>
             <a:fld id="{0E7BCDEB-B544-4B97-B02A-35ABC5E91DA2}" type="datetimeFigureOut">
               <a:rPr lang="hu-HU" smtClean="0"/>
-              <a:t>2021. 05. 12.</a:t>
+              <a:t>2021. 05. 13.</a:t>
             </a:fld>
             <a:endParaRPr lang="hu-HU"/>
           </a:p>
@@ -3785,7 +3785,7 @@
           <a:p>
             <a:fld id="{0E7BCDEB-B544-4B97-B02A-35ABC5E91DA2}" type="datetimeFigureOut">
               <a:rPr lang="hu-HU" smtClean="0"/>
-              <a:t>2021. 05. 12.</a:t>
+              <a:t>2021. 05. 13.</a:t>
             </a:fld>
             <a:endParaRPr lang="hu-HU"/>
           </a:p>
@@ -4021,7 +4021,7 @@
           <a:p>
             <a:fld id="{0E7BCDEB-B544-4B97-B02A-35ABC5E91DA2}" type="datetimeFigureOut">
               <a:rPr lang="hu-HU" smtClean="0"/>
-              <a:t>2021. 05. 12.</a:t>
+              <a:t>2021. 05. 13.</a:t>
             </a:fld>
             <a:endParaRPr lang="hu-HU"/>
           </a:p>
@@ -4403,7 +4403,7 @@
           <a:p>
             <a:fld id="{0E7BCDEB-B544-4B97-B02A-35ABC5E91DA2}" type="datetimeFigureOut">
               <a:rPr lang="hu-HU" smtClean="0"/>
-              <a:t>2021. 05. 12.</a:t>
+              <a:t>2021. 05. 13.</a:t>
             </a:fld>
             <a:endParaRPr lang="hu-HU"/>
           </a:p>
@@ -4521,7 +4521,7 @@
           <a:p>
             <a:fld id="{0E7BCDEB-B544-4B97-B02A-35ABC5E91DA2}" type="datetimeFigureOut">
               <a:rPr lang="hu-HU" smtClean="0"/>
-              <a:t>2021. 05. 12.</a:t>
+              <a:t>2021. 05. 13.</a:t>
             </a:fld>
             <a:endParaRPr lang="hu-HU"/>
           </a:p>
@@ -4616,7 +4616,7 @@
           <a:p>
             <a:fld id="{0E7BCDEB-B544-4B97-B02A-35ABC5E91DA2}" type="datetimeFigureOut">
               <a:rPr lang="hu-HU" smtClean="0"/>
-              <a:t>2021. 05. 12.</a:t>
+              <a:t>2021. 05. 13.</a:t>
             </a:fld>
             <a:endParaRPr lang="hu-HU"/>
           </a:p>
@@ -4871,7 +4871,7 @@
           <a:p>
             <a:fld id="{0E7BCDEB-B544-4B97-B02A-35ABC5E91DA2}" type="datetimeFigureOut">
               <a:rPr lang="hu-HU" smtClean="0"/>
-              <a:t>2021. 05. 12.</a:t>
+              <a:t>2021. 05. 13.</a:t>
             </a:fld>
             <a:endParaRPr lang="hu-HU"/>
           </a:p>
@@ -5154,7 +5154,7 @@
           <a:p>
             <a:fld id="{0E7BCDEB-B544-4B97-B02A-35ABC5E91DA2}" type="datetimeFigureOut">
               <a:rPr lang="hu-HU" smtClean="0"/>
-              <a:t>2021. 05. 12.</a:t>
+              <a:t>2021. 05. 13.</a:t>
             </a:fld>
             <a:endParaRPr lang="hu-HU"/>
           </a:p>
@@ -5560,7 +5560,7 @@
           <a:p>
             <a:fld id="{0E7BCDEB-B544-4B97-B02A-35ABC5E91DA2}" type="datetimeFigureOut">
               <a:rPr lang="hu-HU" smtClean="0"/>
-              <a:t>2021. 05. 12.</a:t>
+              <a:t>2021. 05. 13.</a:t>
             </a:fld>
             <a:endParaRPr lang="hu-HU"/>
           </a:p>
@@ -7430,13 +7430,13 @@
         </p:nvSpPr>
         <p:spPr>
           <a:xfrm>
-            <a:off x="133346" y="2432114"/>
-            <a:ext cx="2724154" cy="3544479"/>
+            <a:off x="66671" y="2827093"/>
+            <a:ext cx="2857499" cy="3422787"/>
           </a:xfrm>
           <a:prstGeom prst="wedgeEllipseCallout">
             <a:avLst>
-              <a:gd name="adj1" fmla="val 89479"/>
-              <a:gd name="adj2" fmla="val 31832"/>
+              <a:gd name="adj1" fmla="val 89056"/>
+              <a:gd name="adj2" fmla="val 24703"/>
             </a:avLst>
           </a:prstGeom>
           <a:noFill/>
@@ -7524,7 +7524,7 @@
         </p:nvSpPr>
         <p:spPr>
           <a:xfrm>
-            <a:off x="333402" y="3097617"/>
+            <a:off x="323567" y="3346340"/>
             <a:ext cx="2343705" cy="2308324"/>
           </a:xfrm>
           <a:prstGeom prst="rect">

--- a/Végső_Szoftverfejlesztes_mernokoknek_projekt_elorehaladas_prezentacio.pptx
+++ b/Végső_Szoftverfejlesztes_mernokoknek_projekt_elorehaladas_prezentacio.pptx
@@ -6225,9 +6225,10 @@
           <a:lstStyle/>
           <a:p>
             <a:r>
-              <a:rPr lang="hu-HU" dirty="0"/>
-              <a:t>2021.05.XX</a:t>
-            </a:r>
+              <a:rPr lang="hu-HU"/>
+              <a:t>2021.05.13</a:t>
+            </a:r>
+            <a:endParaRPr lang="hu-HU" dirty="0"/>
           </a:p>
         </p:txBody>
       </p:sp>
